--- a/UML/UML概述-G16.pptx
+++ b/UML/UML概述-G16.pptx
@@ -1,50 +1,50 @@
 
 <file path=ppt/presentation.xml><?xml version="1.0" encoding="utf-8"?>
-<p:presentation xmlns:a="http://schemas.openxmlformats.org/drawingml/2006/main" xmlns:r="http://schemas.openxmlformats.org/officeDocument/2006/relationships" xmlns:p="http://schemas.openxmlformats.org/presentationml/2006/main" saveSubsetFonts="1">
+<p:presentation xmlns:a="http://schemas.openxmlformats.org/drawingml/2006/main" xmlns:r="http://schemas.openxmlformats.org/officeDocument/2006/relationships" xmlns:p="http://schemas.openxmlformats.org/presentationml/2006/main">
   <p:sldMasterIdLst>
-    <p:sldMasterId id="2147483660" r:id="rId1"/>
+    <p:sldMasterId id="2147483648" r:id="rId1"/>
   </p:sldMasterIdLst>
   <p:notesMasterIdLst>
-    <p:notesMasterId r:id="rId39"/>
+    <p:notesMasterId r:id="rId5"/>
   </p:notesMasterIdLst>
   <p:sldIdLst>
-    <p:sldId id="256" r:id="rId2"/>
-    <p:sldId id="257" r:id="rId3"/>
-    <p:sldId id="260" r:id="rId4"/>
-    <p:sldId id="261" r:id="rId5"/>
-    <p:sldId id="262" r:id="rId6"/>
-    <p:sldId id="259" r:id="rId7"/>
-    <p:sldId id="263" r:id="rId8"/>
-    <p:sldId id="264" r:id="rId9"/>
-    <p:sldId id="265" r:id="rId10"/>
-    <p:sldId id="266" r:id="rId11"/>
-    <p:sldId id="267" r:id="rId12"/>
-    <p:sldId id="268" r:id="rId13"/>
-    <p:sldId id="269" r:id="rId14"/>
-    <p:sldId id="270" r:id="rId15"/>
-    <p:sldId id="271" r:id="rId16"/>
-    <p:sldId id="272" r:id="rId17"/>
-    <p:sldId id="273" r:id="rId18"/>
-    <p:sldId id="274" r:id="rId19"/>
-    <p:sldId id="275" r:id="rId20"/>
-    <p:sldId id="276" r:id="rId21"/>
-    <p:sldId id="277" r:id="rId22"/>
-    <p:sldId id="278" r:id="rId23"/>
-    <p:sldId id="279" r:id="rId24"/>
-    <p:sldId id="280" r:id="rId25"/>
-    <p:sldId id="281" r:id="rId26"/>
-    <p:sldId id="282" r:id="rId27"/>
-    <p:sldId id="283" r:id="rId28"/>
-    <p:sldId id="284" r:id="rId29"/>
-    <p:sldId id="285" r:id="rId30"/>
-    <p:sldId id="286" r:id="rId31"/>
-    <p:sldId id="287" r:id="rId32"/>
-    <p:sldId id="288" r:id="rId33"/>
-    <p:sldId id="289" r:id="rId34"/>
-    <p:sldId id="292" r:id="rId35"/>
-    <p:sldId id="293" r:id="rId36"/>
-    <p:sldId id="258" r:id="rId37"/>
-    <p:sldId id="291" r:id="rId38"/>
+    <p:sldId id="256" r:id="rId3"/>
+    <p:sldId id="257" r:id="rId4"/>
+    <p:sldId id="260" r:id="rId6"/>
+    <p:sldId id="261" r:id="rId7"/>
+    <p:sldId id="262" r:id="rId8"/>
+    <p:sldId id="259" r:id="rId9"/>
+    <p:sldId id="263" r:id="rId10"/>
+    <p:sldId id="264" r:id="rId11"/>
+    <p:sldId id="265" r:id="rId12"/>
+    <p:sldId id="266" r:id="rId13"/>
+    <p:sldId id="267" r:id="rId14"/>
+    <p:sldId id="268" r:id="rId15"/>
+    <p:sldId id="269" r:id="rId16"/>
+    <p:sldId id="270" r:id="rId17"/>
+    <p:sldId id="271" r:id="rId18"/>
+    <p:sldId id="272" r:id="rId19"/>
+    <p:sldId id="273" r:id="rId20"/>
+    <p:sldId id="274" r:id="rId21"/>
+    <p:sldId id="275" r:id="rId22"/>
+    <p:sldId id="276" r:id="rId23"/>
+    <p:sldId id="277" r:id="rId24"/>
+    <p:sldId id="278" r:id="rId25"/>
+    <p:sldId id="279" r:id="rId26"/>
+    <p:sldId id="280" r:id="rId27"/>
+    <p:sldId id="281" r:id="rId28"/>
+    <p:sldId id="282" r:id="rId29"/>
+    <p:sldId id="283" r:id="rId30"/>
+    <p:sldId id="284" r:id="rId31"/>
+    <p:sldId id="285" r:id="rId32"/>
+    <p:sldId id="286" r:id="rId33"/>
+    <p:sldId id="287" r:id="rId34"/>
+    <p:sldId id="288" r:id="rId35"/>
+    <p:sldId id="289" r:id="rId36"/>
+    <p:sldId id="292" r:id="rId37"/>
+    <p:sldId id="293" r:id="rId38"/>
+    <p:sldId id="258" r:id="rId39"/>
+    <p:sldId id="291" r:id="rId40"/>
   </p:sldIdLst>
   <p:sldSz cx="9144000" cy="6858000" type="screen4x3"/>
   <p:notesSz cx="6858000" cy="9144000"/>
@@ -143,22 +143,6 @@
       </a:defRPr>
     </a:lvl9pPr>
   </p:defaultTextStyle>
-  <p:extLst>
-    <p:ext uri="{EFAFB233-063F-42B5-8137-9DF3F51BA10A}">
-      <p15:sldGuideLst xmlns:p15="http://schemas.microsoft.com/office/powerpoint/2012/main">
-        <p15:guide id="1" orient="horz" pos="2160">
-          <p15:clr>
-            <a:srgbClr val="A4A3A4"/>
-          </p15:clr>
-        </p15:guide>
-        <p15:guide id="2" pos="2880">
-          <p15:clr>
-            <a:srgbClr val="A4A3A4"/>
-          </p15:clr>
-        </p15:guide>
-      </p15:sldGuideLst>
-    </p:ext>
-  </p:extLst>
 </p:presentation>
 </file>
 
@@ -244,8 +228,6 @@
           <a:p>
             <a:fld id="{75BDC840-154E-4A34-854B-0E2A67CAE8A9}" type="datetimeFigureOut">
               <a:rPr lang="zh-CN" altLang="en-US" smtClean="0"/>
-              <a:pPr/>
-              <a:t>2016-10-25</a:t>
             </a:fld>
             <a:endParaRPr lang="zh-CN" altLang="en-US"/>
           </a:p>
@@ -314,6 +296,7 @@
               <a:rPr lang="zh-CN" altLang="en-US" smtClean="0"/>
               <a:t>单击此处编辑母版文本样式</a:t>
             </a:r>
+            <a:endParaRPr lang="zh-CN" altLang="en-US" smtClean="0"/>
           </a:p>
           <a:p>
             <a:pPr lvl="1"/>
@@ -321,6 +304,7 @@
               <a:rPr lang="zh-CN" altLang="en-US" smtClean="0"/>
               <a:t>第二级</a:t>
             </a:r>
+            <a:endParaRPr lang="zh-CN" altLang="en-US" smtClean="0"/>
           </a:p>
           <a:p>
             <a:pPr lvl="2"/>
@@ -328,6 +312,7 @@
               <a:rPr lang="zh-CN" altLang="en-US" smtClean="0"/>
               <a:t>第三级</a:t>
             </a:r>
+            <a:endParaRPr lang="zh-CN" altLang="en-US" smtClean="0"/>
           </a:p>
           <a:p>
             <a:pPr lvl="3"/>
@@ -335,6 +320,7 @@
               <a:rPr lang="zh-CN" altLang="en-US" smtClean="0"/>
               <a:t>第四级</a:t>
             </a:r>
+            <a:endParaRPr lang="zh-CN" altLang="en-US" smtClean="0"/>
           </a:p>
           <a:p>
             <a:pPr lvl="4"/>
@@ -406,19 +392,12 @@
           <a:p>
             <a:fld id="{B74F251D-9964-4CEC-9109-C29DE7342EB0}" type="slidenum">
               <a:rPr lang="zh-CN" altLang="en-US" smtClean="0"/>
-              <a:pPr/>
-              <a:t>‹#›</a:t>
             </a:fld>
             <a:endParaRPr lang="zh-CN" altLang="en-US"/>
           </a:p>
         </p:txBody>
       </p:sp>
     </p:spTree>
-    <p:extLst>
-      <p:ext uri="{BB962C8B-B14F-4D97-AF65-F5344CB8AC3E}">
-        <p14:creationId xmlns:p14="http://schemas.microsoft.com/office/powerpoint/2010/main" val="2010806661"/>
-      </p:ext>
-    </p:extLst>
   </p:cSld>
   <p:clrMap bg1="lt1" tx1="dk1" bg2="lt2" tx2="dk2" accent1="accent1" accent2="accent2" accent3="accent3" accent4="accent4" accent5="accent5" accent6="accent6" hlink="hlink" folHlink="folHlink"/>
   <p:notesStyle>
@@ -595,19 +574,12 @@
           <a:p>
             <a:fld id="{B74F251D-9964-4CEC-9109-C29DE7342EB0}" type="slidenum">
               <a:rPr lang="zh-CN" altLang="en-US" smtClean="0"/>
-              <a:pPr/>
-              <a:t>2</a:t>
             </a:fld>
             <a:endParaRPr lang="zh-CN" altLang="en-US"/>
           </a:p>
         </p:txBody>
       </p:sp>
     </p:spTree>
-    <p:extLst>
-      <p:ext uri="{BB962C8B-B14F-4D97-AF65-F5344CB8AC3E}">
-        <p14:creationId xmlns:p14="http://schemas.microsoft.com/office/powerpoint/2010/main" val="2570489681"/>
-      </p:ext>
-    </p:extLst>
   </p:cSld>
   <p:clrMapOvr>
     <a:masterClrMapping/>
@@ -694,19 +666,12 @@
           <a:p>
             <a:fld id="{B74F251D-9964-4CEC-9109-C29DE7342EB0}" type="slidenum">
               <a:rPr lang="zh-CN" altLang="en-US" smtClean="0"/>
-              <a:pPr/>
-              <a:t>6</a:t>
             </a:fld>
             <a:endParaRPr lang="zh-CN" altLang="en-US"/>
           </a:p>
         </p:txBody>
       </p:sp>
     </p:spTree>
-    <p:extLst>
-      <p:ext uri="{BB962C8B-B14F-4D97-AF65-F5344CB8AC3E}">
-        <p14:creationId xmlns:p14="http://schemas.microsoft.com/office/powerpoint/2010/main" val="2351467137"/>
-      </p:ext>
-    </p:extLst>
   </p:cSld>
   <p:clrMapOvr>
     <a:masterClrMapping/>
@@ -789,19 +754,12 @@
           <a:p>
             <a:fld id="{B74F251D-9964-4CEC-9109-C29DE7342EB0}" type="slidenum">
               <a:rPr lang="zh-CN" altLang="en-US" smtClean="0"/>
-              <a:pPr/>
-              <a:t>7</a:t>
             </a:fld>
             <a:endParaRPr lang="zh-CN" altLang="en-US"/>
           </a:p>
         </p:txBody>
       </p:sp>
     </p:spTree>
-    <p:extLst>
-      <p:ext uri="{BB962C8B-B14F-4D97-AF65-F5344CB8AC3E}">
-        <p14:creationId xmlns:p14="http://schemas.microsoft.com/office/powerpoint/2010/main" val="4287704023"/>
-      </p:ext>
-    </p:extLst>
   </p:cSld>
   <p:clrMapOvr>
     <a:masterClrMapping/>
@@ -888,19 +846,12 @@
           <a:p>
             <a:fld id="{B74F251D-9964-4CEC-9109-C29DE7342EB0}" type="slidenum">
               <a:rPr lang="zh-CN" altLang="en-US" smtClean="0"/>
-              <a:pPr/>
-              <a:t>8</a:t>
             </a:fld>
             <a:endParaRPr lang="zh-CN" altLang="en-US"/>
           </a:p>
         </p:txBody>
       </p:sp>
     </p:spTree>
-    <p:extLst>
-      <p:ext uri="{BB962C8B-B14F-4D97-AF65-F5344CB8AC3E}">
-        <p14:creationId xmlns:p14="http://schemas.microsoft.com/office/powerpoint/2010/main" val="555403877"/>
-      </p:ext>
-    </p:extLst>
   </p:cSld>
   <p:clrMapOvr>
     <a:masterClrMapping/>
@@ -979,19 +930,12 @@
           <a:p>
             <a:fld id="{B74F251D-9964-4CEC-9109-C29DE7342EB0}" type="slidenum">
               <a:rPr lang="zh-CN" altLang="en-US" smtClean="0"/>
-              <a:pPr/>
-              <a:t>9</a:t>
             </a:fld>
             <a:endParaRPr lang="zh-CN" altLang="en-US"/>
           </a:p>
         </p:txBody>
       </p:sp>
     </p:spTree>
-    <p:extLst>
-      <p:ext uri="{BB962C8B-B14F-4D97-AF65-F5344CB8AC3E}">
-        <p14:creationId xmlns:p14="http://schemas.microsoft.com/office/powerpoint/2010/main" val="4106337179"/>
-      </p:ext>
-    </p:extLst>
   </p:cSld>
   <p:clrMapOvr>
     <a:masterClrMapping/>
@@ -1070,19 +1014,12 @@
           <a:p>
             <a:fld id="{B74F251D-9964-4CEC-9109-C29DE7342EB0}" type="slidenum">
               <a:rPr lang="zh-CN" altLang="en-US" smtClean="0"/>
-              <a:pPr/>
-              <a:t>10</a:t>
             </a:fld>
             <a:endParaRPr lang="zh-CN" altLang="en-US"/>
           </a:p>
         </p:txBody>
       </p:sp>
     </p:spTree>
-    <p:extLst>
-      <p:ext uri="{BB962C8B-B14F-4D97-AF65-F5344CB8AC3E}">
-        <p14:creationId xmlns:p14="http://schemas.microsoft.com/office/powerpoint/2010/main" val="265374484"/>
-      </p:ext>
-    </p:extLst>
   </p:cSld>
   <p:clrMapOvr>
     <a:masterClrMapping/>
@@ -1169,19 +1106,12 @@
           <a:p>
             <a:fld id="{B74F251D-9964-4CEC-9109-C29DE7342EB0}" type="slidenum">
               <a:rPr lang="zh-CN" altLang="en-US" smtClean="0"/>
-              <a:pPr/>
-              <a:t>12</a:t>
             </a:fld>
             <a:endParaRPr lang="zh-CN" altLang="en-US"/>
           </a:p>
         </p:txBody>
       </p:sp>
     </p:spTree>
-    <p:extLst>
-      <p:ext uri="{BB962C8B-B14F-4D97-AF65-F5344CB8AC3E}">
-        <p14:creationId xmlns:p14="http://schemas.microsoft.com/office/powerpoint/2010/main" val="366920712"/>
-      </p:ext>
-    </p:extLst>
   </p:cSld>
   <p:clrMapOvr>
     <a:masterClrMapping/>
@@ -1268,19 +1198,12 @@
           <a:p>
             <a:fld id="{B74F251D-9964-4CEC-9109-C29DE7342EB0}" type="slidenum">
               <a:rPr lang="zh-CN" altLang="en-US" smtClean="0"/>
-              <a:pPr/>
-              <a:t>13</a:t>
             </a:fld>
             <a:endParaRPr lang="zh-CN" altLang="en-US"/>
           </a:p>
         </p:txBody>
       </p:sp>
     </p:spTree>
-    <p:extLst>
-      <p:ext uri="{BB962C8B-B14F-4D97-AF65-F5344CB8AC3E}">
-        <p14:creationId xmlns:p14="http://schemas.microsoft.com/office/powerpoint/2010/main" val="2491740496"/>
-      </p:ext>
-    </p:extLst>
   </p:cSld>
   <p:clrMapOvr>
     <a:masterClrMapping/>
@@ -1363,19 +1286,12 @@
           <a:p>
             <a:fld id="{B74F251D-9964-4CEC-9109-C29DE7342EB0}" type="slidenum">
               <a:rPr lang="zh-CN" altLang="en-US" smtClean="0"/>
-              <a:pPr/>
-              <a:t>14</a:t>
             </a:fld>
             <a:endParaRPr lang="zh-CN" altLang="en-US"/>
           </a:p>
         </p:txBody>
       </p:sp>
     </p:spTree>
-    <p:extLst>
-      <p:ext uri="{BB962C8B-B14F-4D97-AF65-F5344CB8AC3E}">
-        <p14:creationId xmlns:p14="http://schemas.microsoft.com/office/powerpoint/2010/main" val="2826173246"/>
-      </p:ext>
-    </p:extLst>
   </p:cSld>
   <p:clrMapOvr>
     <a:masterClrMapping/>
@@ -1384,7 +1300,7 @@
 </file>
 
 <file path=ppt/slideLayouts/slideLayout1.xml><?xml version="1.0" encoding="utf-8"?>
-<p:sldLayout xmlns:a="http://schemas.openxmlformats.org/drawingml/2006/main" xmlns:r="http://schemas.openxmlformats.org/officeDocument/2006/relationships" xmlns:p="http://schemas.openxmlformats.org/presentationml/2006/main" showMasterSp="0" type="title" preserve="1">
+<p:sldLayout xmlns:a="http://schemas.openxmlformats.org/drawingml/2006/main" xmlns:r="http://schemas.openxmlformats.org/officeDocument/2006/relationships" xmlns:p="http://schemas.openxmlformats.org/presentationml/2006/main" type="title" preserve="1" showMasterSp="0">
   <p:cSld name="标题幻灯片">
     <p:spTree>
       <p:nvGrpSpPr>
@@ -1463,9 +1379,7 @@
         </p:style>
         <p:txBody>
           <a:bodyPr anchor="ctr"/>
-          <a:lstStyle>
-            <a:extLst/>
-          </a:lstStyle>
+          <a:lstStyle/>
           <a:p>
             <a:pPr algn="ctr" eaLnBrk="1" latinLnBrk="0" hangingPunct="1"/>
             <a:endParaRPr kumimoji="0" lang="en-US"/>
@@ -1514,7 +1428,6 @@
                 </a:effectLst>
               </a:defRPr>
             </a:lvl1pPr>
-            <a:extLst/>
           </a:lstStyle>
           <a:p>
             <a:r>
@@ -1544,7 +1457,7 @@
         <p:txBody>
           <a:bodyPr lIns="45720" rIns="45720"/>
           <a:lstStyle>
-            <a:lvl1pPr marL="0" marR="64008" indent="0" algn="r">
+            <a:lvl1pPr marL="0" marR="64135" indent="0" algn="r">
               <a:buNone/>
               <a:defRPr>
                 <a:solidFill>
@@ -1576,7 +1489,6 @@
             <a:lvl9pPr marL="3657600" indent="0" algn="ctr">
               <a:buNone/>
             </a:lvl9pPr>
-            <a:extLst/>
           </a:lstStyle>
           <a:p>
             <a:r>
@@ -1604,9 +1516,7 @@
         <p:sp>
           <p:nvSpPr>
             <p:cNvPr id="7" name="任意多边形 6"/>
-            <p:cNvSpPr>
-              <a:spLocks/>
-            </p:cNvSpPr>
+            <p:cNvSpPr/>
             <p:nvPr/>
           </p:nvSpPr>
           <p:spPr bwMode="auto">
@@ -1678,9 +1588,7 @@
           </p:spPr>
           <p:txBody>
             <a:bodyPr vert="horz" wrap="square" lIns="91440" tIns="45720" rIns="91440" bIns="45720" anchor="t" compatLnSpc="1"/>
-            <a:lstStyle>
-              <a:extLst/>
-            </a:lstStyle>
+            <a:lstStyle/>
             <a:p>
               <a:endParaRPr kumimoji="0" lang="en-US"/>
             </a:p>
@@ -1689,9 +1597,7 @@
         <p:sp>
           <p:nvSpPr>
             <p:cNvPr id="8" name="任意多边形 7"/>
-            <p:cNvSpPr>
-              <a:spLocks/>
-            </p:cNvSpPr>
+            <p:cNvSpPr/>
             <p:nvPr/>
           </p:nvSpPr>
           <p:spPr bwMode="auto">
@@ -1760,9 +1666,7 @@
           </p:spPr>
           <p:txBody>
             <a:bodyPr vert="horz" wrap="square" lIns="91440" tIns="45720" rIns="91440" bIns="45720" anchor="t" compatLnSpc="1"/>
-            <a:lstStyle>
-              <a:extLst/>
-            </a:lstStyle>
+            <a:lstStyle/>
             <a:p>
               <a:endParaRPr kumimoji="0" lang="en-US"/>
             </a:p>
@@ -1771,9 +1675,7 @@
         <p:sp>
           <p:nvSpPr>
             <p:cNvPr id="11" name="任意多边形 10"/>
-            <p:cNvSpPr>
-              <a:spLocks/>
-            </p:cNvSpPr>
+            <p:cNvSpPr/>
             <p:nvPr/>
           </p:nvSpPr>
           <p:spPr bwMode="auto">
@@ -1919,9 +1821,7 @@
           </p:style>
           <p:txBody>
             <a:bodyPr vert="horz" wrap="square" lIns="91440" tIns="45720" rIns="91440" bIns="45720" anchor="ctr" compatLnSpc="1"/>
-            <a:lstStyle>
-              <a:extLst/>
-            </a:lstStyle>
+            <a:lstStyle/>
             <a:p>
               <a:pPr algn="ctr" eaLnBrk="1" latinLnBrk="0" hangingPunct="1"/>
               <a:endParaRPr kumimoji="0" lang="en-US"/>
@@ -2003,13 +1903,10 @@
                 </a:solidFill>
               </a:defRPr>
             </a:lvl1pPr>
-            <a:extLst/>
           </a:lstStyle>
           <a:p>
             <a:fld id="{530820CF-B880-4189-942D-D702A7CBA730}" type="datetimeFigureOut">
               <a:rPr lang="zh-CN" altLang="en-US" smtClean="0"/>
-              <a:pPr/>
-              <a:t>2016-10-25</a:t>
             </a:fld>
             <a:endParaRPr lang="zh-CN" altLang="en-US"/>
           </a:p>
@@ -2038,7 +1935,6 @@
                 </a:solidFill>
               </a:defRPr>
             </a:lvl1pPr>
-            <a:extLst/>
           </a:lstStyle>
           <a:p>
             <a:endParaRPr lang="zh-CN" altLang="en-US"/>
@@ -2066,13 +1962,10 @@
                 </a:solidFill>
               </a:defRPr>
             </a:lvl1pPr>
-            <a:extLst/>
           </a:lstStyle>
           <a:p>
             <a:fld id="{0C913308-F349-4B6D-A68A-DD1791B4A57B}" type="slidenum">
               <a:rPr lang="zh-CN" altLang="en-US" smtClean="0"/>
-              <a:pPr/>
-              <a:t>‹#›</a:t>
             </a:fld>
             <a:endParaRPr lang="zh-CN" altLang="en-US"/>
           </a:p>
@@ -2126,9 +2019,7 @@
         <p:spPr/>
         <p:txBody>
           <a:bodyPr/>
-          <a:lstStyle>
-            <a:extLst/>
-          </a:lstStyle>
+          <a:lstStyle/>
           <a:p>
             <a:r>
               <a:rPr kumimoji="0" lang="zh-CN" altLang="en-US" smtClean="0"/>
@@ -2156,15 +2047,14 @@
         </p:spPr>
         <p:txBody>
           <a:bodyPr vert="eaVert"/>
-          <a:lstStyle>
-            <a:extLst/>
-          </a:lstStyle>
+          <a:lstStyle/>
           <a:p>
             <a:pPr lvl="0" eaLnBrk="1" latinLnBrk="0" hangingPunct="1"/>
             <a:r>
               <a:rPr lang="zh-CN" altLang="en-US" smtClean="0"/>
               <a:t>单击此处编辑母版文本样式</a:t>
             </a:r>
+            <a:endParaRPr lang="zh-CN" altLang="en-US" smtClean="0"/>
           </a:p>
           <a:p>
             <a:pPr lvl="1" eaLnBrk="1" latinLnBrk="0" hangingPunct="1"/>
@@ -2172,6 +2062,7 @@
               <a:rPr lang="zh-CN" altLang="en-US" smtClean="0"/>
               <a:t>第二级</a:t>
             </a:r>
+            <a:endParaRPr lang="zh-CN" altLang="en-US" smtClean="0"/>
           </a:p>
           <a:p>
             <a:pPr lvl="2" eaLnBrk="1" latinLnBrk="0" hangingPunct="1"/>
@@ -2179,6 +2070,7 @@
               <a:rPr lang="zh-CN" altLang="en-US" smtClean="0"/>
               <a:t>第三级</a:t>
             </a:r>
+            <a:endParaRPr lang="zh-CN" altLang="en-US" smtClean="0"/>
           </a:p>
           <a:p>
             <a:pPr lvl="3" eaLnBrk="1" latinLnBrk="0" hangingPunct="1"/>
@@ -2186,6 +2078,7 @@
               <a:rPr lang="zh-CN" altLang="en-US" smtClean="0"/>
               <a:t>第四级</a:t>
             </a:r>
+            <a:endParaRPr lang="zh-CN" altLang="en-US" smtClean="0"/>
           </a:p>
           <a:p>
             <a:pPr lvl="4" eaLnBrk="1" latinLnBrk="0" hangingPunct="1"/>
@@ -2210,14 +2103,10 @@
         <p:spPr/>
         <p:txBody>
           <a:bodyPr/>
-          <a:lstStyle>
-            <a:extLst/>
-          </a:lstStyle>
+          <a:lstStyle/>
           <a:p>
             <a:fld id="{530820CF-B880-4189-942D-D702A7CBA730}" type="datetimeFigureOut">
               <a:rPr lang="zh-CN" altLang="en-US" smtClean="0"/>
-              <a:pPr/>
-              <a:t>2016-10-25</a:t>
             </a:fld>
             <a:endParaRPr lang="zh-CN" altLang="en-US"/>
           </a:p>
@@ -2236,9 +2125,7 @@
         <p:spPr/>
         <p:txBody>
           <a:bodyPr/>
-          <a:lstStyle>
-            <a:extLst/>
-          </a:lstStyle>
+          <a:lstStyle/>
           <a:p>
             <a:endParaRPr lang="zh-CN" altLang="en-US"/>
           </a:p>
@@ -2257,14 +2144,10 @@
         <p:spPr/>
         <p:txBody>
           <a:bodyPr/>
-          <a:lstStyle>
-            <a:extLst/>
-          </a:lstStyle>
+          <a:lstStyle/>
           <a:p>
             <a:fld id="{0C913308-F349-4B6D-A68A-DD1791B4A57B}" type="slidenum">
               <a:rPr lang="zh-CN" altLang="en-US" smtClean="0"/>
-              <a:pPr/>
-              <a:t>‹#›</a:t>
             </a:fld>
             <a:endParaRPr lang="zh-CN" altLang="en-US"/>
           </a:p>
@@ -2323,9 +2206,7 @@
         </p:spPr>
         <p:txBody>
           <a:bodyPr vert="eaVert"/>
-          <a:lstStyle>
-            <a:extLst/>
-          </a:lstStyle>
+          <a:lstStyle/>
           <a:p>
             <a:r>
               <a:rPr kumimoji="0" lang="zh-CN" altLang="en-US" smtClean="0"/>
@@ -2353,15 +2234,14 @@
         </p:spPr>
         <p:txBody>
           <a:bodyPr vert="eaVert"/>
-          <a:lstStyle>
-            <a:extLst/>
-          </a:lstStyle>
+          <a:lstStyle/>
           <a:p>
             <a:pPr lvl="0" eaLnBrk="1" latinLnBrk="0" hangingPunct="1"/>
             <a:r>
               <a:rPr lang="zh-CN" altLang="en-US" smtClean="0"/>
               <a:t>单击此处编辑母版文本样式</a:t>
             </a:r>
+            <a:endParaRPr lang="zh-CN" altLang="en-US" smtClean="0"/>
           </a:p>
           <a:p>
             <a:pPr lvl="1" eaLnBrk="1" latinLnBrk="0" hangingPunct="1"/>
@@ -2369,6 +2249,7 @@
               <a:rPr lang="zh-CN" altLang="en-US" smtClean="0"/>
               <a:t>第二级</a:t>
             </a:r>
+            <a:endParaRPr lang="zh-CN" altLang="en-US" smtClean="0"/>
           </a:p>
           <a:p>
             <a:pPr lvl="2" eaLnBrk="1" latinLnBrk="0" hangingPunct="1"/>
@@ -2376,6 +2257,7 @@
               <a:rPr lang="zh-CN" altLang="en-US" smtClean="0"/>
               <a:t>第三级</a:t>
             </a:r>
+            <a:endParaRPr lang="zh-CN" altLang="en-US" smtClean="0"/>
           </a:p>
           <a:p>
             <a:pPr lvl="3" eaLnBrk="1" latinLnBrk="0" hangingPunct="1"/>
@@ -2383,6 +2265,7 @@
               <a:rPr lang="zh-CN" altLang="en-US" smtClean="0"/>
               <a:t>第四级</a:t>
             </a:r>
+            <a:endParaRPr lang="zh-CN" altLang="en-US" smtClean="0"/>
           </a:p>
           <a:p>
             <a:pPr lvl="4" eaLnBrk="1" latinLnBrk="0" hangingPunct="1"/>
@@ -2407,14 +2290,10 @@
         <p:spPr/>
         <p:txBody>
           <a:bodyPr/>
-          <a:lstStyle>
-            <a:extLst/>
-          </a:lstStyle>
+          <a:lstStyle/>
           <a:p>
             <a:fld id="{530820CF-B880-4189-942D-D702A7CBA730}" type="datetimeFigureOut">
               <a:rPr lang="zh-CN" altLang="en-US" smtClean="0"/>
-              <a:pPr/>
-              <a:t>2016-10-25</a:t>
             </a:fld>
             <a:endParaRPr lang="zh-CN" altLang="en-US"/>
           </a:p>
@@ -2433,9 +2312,7 @@
         <p:spPr/>
         <p:txBody>
           <a:bodyPr/>
-          <a:lstStyle>
-            <a:extLst/>
-          </a:lstStyle>
+          <a:lstStyle/>
           <a:p>
             <a:endParaRPr lang="zh-CN" altLang="en-US"/>
           </a:p>
@@ -2454,14 +2331,10 @@
         <p:spPr/>
         <p:txBody>
           <a:bodyPr/>
-          <a:lstStyle>
-            <a:extLst/>
-          </a:lstStyle>
+          <a:lstStyle/>
           <a:p>
             <a:fld id="{0C913308-F349-4B6D-A68A-DD1791B4A57B}" type="slidenum">
               <a:rPr lang="zh-CN" altLang="en-US" smtClean="0"/>
-              <a:pPr/>
-              <a:t>‹#›</a:t>
             </a:fld>
             <a:endParaRPr lang="zh-CN" altLang="en-US"/>
           </a:p>
@@ -2515,15 +2388,14 @@
         <p:spPr/>
         <p:txBody>
           <a:bodyPr/>
-          <a:lstStyle>
-            <a:extLst/>
-          </a:lstStyle>
+          <a:lstStyle/>
           <a:p>
             <a:pPr lvl="0" eaLnBrk="1" latinLnBrk="0" hangingPunct="1"/>
             <a:r>
               <a:rPr lang="zh-CN" altLang="en-US" smtClean="0"/>
               <a:t>单击此处编辑母版文本样式</a:t>
             </a:r>
+            <a:endParaRPr lang="zh-CN" altLang="en-US" smtClean="0"/>
           </a:p>
           <a:p>
             <a:pPr lvl="1" eaLnBrk="1" latinLnBrk="0" hangingPunct="1"/>
@@ -2531,6 +2403,7 @@
               <a:rPr lang="zh-CN" altLang="en-US" smtClean="0"/>
               <a:t>第二级</a:t>
             </a:r>
+            <a:endParaRPr lang="zh-CN" altLang="en-US" smtClean="0"/>
           </a:p>
           <a:p>
             <a:pPr lvl="2" eaLnBrk="1" latinLnBrk="0" hangingPunct="1"/>
@@ -2538,6 +2411,7 @@
               <a:rPr lang="zh-CN" altLang="en-US" smtClean="0"/>
               <a:t>第三级</a:t>
             </a:r>
+            <a:endParaRPr lang="zh-CN" altLang="en-US" smtClean="0"/>
           </a:p>
           <a:p>
             <a:pPr lvl="3" eaLnBrk="1" latinLnBrk="0" hangingPunct="1"/>
@@ -2545,6 +2419,7 @@
               <a:rPr lang="zh-CN" altLang="en-US" smtClean="0"/>
               <a:t>第四级</a:t>
             </a:r>
+            <a:endParaRPr lang="zh-CN" altLang="en-US" smtClean="0"/>
           </a:p>
           <a:p>
             <a:pPr lvl="4" eaLnBrk="1" latinLnBrk="0" hangingPunct="1"/>
@@ -2569,14 +2444,10 @@
         <p:spPr/>
         <p:txBody>
           <a:bodyPr/>
-          <a:lstStyle>
-            <a:extLst/>
-          </a:lstStyle>
+          <a:lstStyle/>
           <a:p>
             <a:fld id="{530820CF-B880-4189-942D-D702A7CBA730}" type="datetimeFigureOut">
               <a:rPr lang="zh-CN" altLang="en-US" smtClean="0"/>
-              <a:pPr/>
-              <a:t>2016-10-25</a:t>
             </a:fld>
             <a:endParaRPr lang="zh-CN" altLang="en-US"/>
           </a:p>
@@ -2595,9 +2466,7 @@
         <p:spPr/>
         <p:txBody>
           <a:bodyPr/>
-          <a:lstStyle>
-            <a:extLst/>
-          </a:lstStyle>
+          <a:lstStyle/>
           <a:p>
             <a:endParaRPr lang="zh-CN" altLang="en-US"/>
           </a:p>
@@ -2616,14 +2485,10 @@
         <p:spPr/>
         <p:txBody>
           <a:bodyPr/>
-          <a:lstStyle>
-            <a:extLst/>
-          </a:lstStyle>
+          <a:lstStyle/>
           <a:p>
             <a:fld id="{0C913308-F349-4B6D-A68A-DD1791B4A57B}" type="slidenum">
               <a:rPr lang="zh-CN" altLang="en-US" smtClean="0"/>
-              <a:pPr/>
-              <a:t>‹#›</a:t>
             </a:fld>
             <a:endParaRPr lang="zh-CN" altLang="en-US"/>
           </a:p>
@@ -2642,9 +2507,7 @@
         <p:spPr/>
         <p:txBody>
           <a:bodyPr rtlCol="0"/>
-          <a:lstStyle>
-            <a:extLst/>
-          </a:lstStyle>
+          <a:lstStyle/>
           <a:p>
             <a:r>
               <a:rPr kumimoji="0" lang="zh-CN" altLang="en-US" smtClean="0"/>
@@ -2734,7 +2597,6 @@
                 </a:effectLst>
               </a:defRPr>
             </a:lvl1pPr>
-            <a:extLst/>
           </a:lstStyle>
           <a:p>
             <a:r>
@@ -2812,7 +2674,6 @@
                 </a:solidFill>
               </a:defRPr>
             </a:lvl5pPr>
-            <a:extLst/>
           </a:lstStyle>
           <a:p>
             <a:pPr lvl="0" eaLnBrk="1" latinLnBrk="0" hangingPunct="1"/>
@@ -2820,6 +2681,7 @@
               <a:rPr kumimoji="0" lang="zh-CN" altLang="en-US" smtClean="0"/>
               <a:t>单击此处编辑母版文本样式</a:t>
             </a:r>
+            <a:endParaRPr kumimoji="0" lang="zh-CN" altLang="en-US" smtClean="0"/>
           </a:p>
         </p:txBody>
       </p:sp>
@@ -2836,14 +2698,10 @@
         <p:spPr/>
         <p:txBody>
           <a:bodyPr/>
-          <a:lstStyle>
-            <a:extLst/>
-          </a:lstStyle>
+          <a:lstStyle/>
           <a:p>
             <a:fld id="{530820CF-B880-4189-942D-D702A7CBA730}" type="datetimeFigureOut">
               <a:rPr lang="zh-CN" altLang="en-US" smtClean="0"/>
-              <a:pPr/>
-              <a:t>2016-10-25</a:t>
             </a:fld>
             <a:endParaRPr lang="zh-CN" altLang="en-US"/>
           </a:p>
@@ -2862,9 +2720,7 @@
         <p:spPr/>
         <p:txBody>
           <a:bodyPr/>
-          <a:lstStyle>
-            <a:extLst/>
-          </a:lstStyle>
+          <a:lstStyle/>
           <a:p>
             <a:endParaRPr lang="zh-CN" altLang="en-US"/>
           </a:p>
@@ -2883,14 +2739,10 @@
         <p:spPr/>
         <p:txBody>
           <a:bodyPr/>
-          <a:lstStyle>
-            <a:extLst/>
-          </a:lstStyle>
+          <a:lstStyle/>
           <a:p>
             <a:fld id="{0C913308-F349-4B6D-A68A-DD1791B4A57B}" type="slidenum">
               <a:rPr lang="zh-CN" altLang="en-US" smtClean="0"/>
-              <a:pPr/>
-              <a:t>‹#›</a:t>
             </a:fld>
             <a:endParaRPr lang="zh-CN" altLang="en-US"/>
           </a:p>
@@ -2967,9 +2819,7 @@
         </p:style>
         <p:txBody>
           <a:bodyPr anchor="ctr"/>
-          <a:lstStyle>
-            <a:extLst/>
-          </a:lstStyle>
+          <a:lstStyle/>
           <a:p>
             <a:pPr algn="l" eaLnBrk="1" latinLnBrk="0" hangingPunct="1"/>
             <a:endParaRPr kumimoji="0" lang="en-US"/>
@@ -3047,9 +2897,7 @@
         </p:style>
         <p:txBody>
           <a:bodyPr anchor="ctr"/>
-          <a:lstStyle>
-            <a:extLst/>
-          </a:lstStyle>
+          <a:lstStyle/>
           <a:p>
             <a:pPr algn="l" eaLnBrk="1" latinLnBrk="0" hangingPunct="1"/>
             <a:endParaRPr kumimoji="0" lang="en-US"/>
@@ -3130,7 +2978,6 @@
             <a:lvl5pPr>
               <a:defRPr sz="1800"/>
             </a:lvl5pPr>
-            <a:extLst/>
           </a:lstStyle>
           <a:p>
             <a:pPr lvl="0" eaLnBrk="1" latinLnBrk="0" hangingPunct="1"/>
@@ -3138,6 +2985,7 @@
               <a:rPr lang="zh-CN" altLang="en-US" smtClean="0"/>
               <a:t>单击此处编辑母版文本样式</a:t>
             </a:r>
+            <a:endParaRPr lang="zh-CN" altLang="en-US" smtClean="0"/>
           </a:p>
           <a:p>
             <a:pPr lvl="1" eaLnBrk="1" latinLnBrk="0" hangingPunct="1"/>
@@ -3145,6 +2993,7 @@
               <a:rPr lang="zh-CN" altLang="en-US" smtClean="0"/>
               <a:t>第二级</a:t>
             </a:r>
+            <a:endParaRPr lang="zh-CN" altLang="en-US" smtClean="0"/>
           </a:p>
           <a:p>
             <a:pPr lvl="2" eaLnBrk="1" latinLnBrk="0" hangingPunct="1"/>
@@ -3152,6 +3001,7 @@
               <a:rPr lang="zh-CN" altLang="en-US" smtClean="0"/>
               <a:t>第三级</a:t>
             </a:r>
+            <a:endParaRPr lang="zh-CN" altLang="en-US" smtClean="0"/>
           </a:p>
           <a:p>
             <a:pPr lvl="3" eaLnBrk="1" latinLnBrk="0" hangingPunct="1"/>
@@ -3159,6 +3009,7 @@
               <a:rPr lang="zh-CN" altLang="en-US" smtClean="0"/>
               <a:t>第四级</a:t>
             </a:r>
+            <a:endParaRPr lang="zh-CN" altLang="en-US" smtClean="0"/>
           </a:p>
           <a:p>
             <a:pPr lvl="4" eaLnBrk="1" latinLnBrk="0" hangingPunct="1"/>
@@ -3204,7 +3055,6 @@
             <a:lvl5pPr>
               <a:defRPr sz="1800"/>
             </a:lvl5pPr>
-            <a:extLst/>
           </a:lstStyle>
           <a:p>
             <a:pPr lvl="0" eaLnBrk="1" latinLnBrk="0" hangingPunct="1"/>
@@ -3212,6 +3062,7 @@
               <a:rPr lang="zh-CN" altLang="en-US" smtClean="0"/>
               <a:t>单击此处编辑母版文本样式</a:t>
             </a:r>
+            <a:endParaRPr lang="zh-CN" altLang="en-US" smtClean="0"/>
           </a:p>
           <a:p>
             <a:pPr lvl="1" eaLnBrk="1" latinLnBrk="0" hangingPunct="1"/>
@@ -3219,6 +3070,7 @@
               <a:rPr lang="zh-CN" altLang="en-US" smtClean="0"/>
               <a:t>第二级</a:t>
             </a:r>
+            <a:endParaRPr lang="zh-CN" altLang="en-US" smtClean="0"/>
           </a:p>
           <a:p>
             <a:pPr lvl="2" eaLnBrk="1" latinLnBrk="0" hangingPunct="1"/>
@@ -3226,6 +3078,7 @@
               <a:rPr lang="zh-CN" altLang="en-US" smtClean="0"/>
               <a:t>第三级</a:t>
             </a:r>
+            <a:endParaRPr lang="zh-CN" altLang="en-US" smtClean="0"/>
           </a:p>
           <a:p>
             <a:pPr lvl="3" eaLnBrk="1" latinLnBrk="0" hangingPunct="1"/>
@@ -3233,6 +3086,7 @@
               <a:rPr lang="zh-CN" altLang="en-US" smtClean="0"/>
               <a:t>第四级</a:t>
             </a:r>
+            <a:endParaRPr lang="zh-CN" altLang="en-US" smtClean="0"/>
           </a:p>
           <a:p>
             <a:pPr lvl="4" eaLnBrk="1" latinLnBrk="0" hangingPunct="1"/>
@@ -3257,14 +3111,10 @@
         <p:spPr/>
         <p:txBody>
           <a:bodyPr/>
-          <a:lstStyle>
-            <a:extLst/>
-          </a:lstStyle>
+          <a:lstStyle/>
           <a:p>
             <a:fld id="{530820CF-B880-4189-942D-D702A7CBA730}" type="datetimeFigureOut">
               <a:rPr lang="zh-CN" altLang="en-US" smtClean="0"/>
-              <a:pPr/>
-              <a:t>2016-10-25</a:t>
             </a:fld>
             <a:endParaRPr lang="zh-CN" altLang="en-US"/>
           </a:p>
@@ -3283,9 +3133,7 @@
         <p:spPr/>
         <p:txBody>
           <a:bodyPr/>
-          <a:lstStyle>
-            <a:extLst/>
-          </a:lstStyle>
+          <a:lstStyle/>
           <a:p>
             <a:endParaRPr lang="zh-CN" altLang="en-US"/>
           </a:p>
@@ -3304,14 +3152,10 @@
         <p:spPr/>
         <p:txBody>
           <a:bodyPr/>
-          <a:lstStyle>
-            <a:extLst/>
-          </a:lstStyle>
+          <a:lstStyle/>
           <a:p>
             <a:fld id="{0C913308-F349-4B6D-A68A-DD1791B4A57B}" type="slidenum">
               <a:rPr lang="zh-CN" altLang="en-US" smtClean="0"/>
-              <a:pPr/>
-              <a:t>‹#›</a:t>
             </a:fld>
             <a:endParaRPr lang="zh-CN" altLang="en-US"/>
           </a:p>
@@ -3330,9 +3174,7 @@
         <p:spPr/>
         <p:txBody>
           <a:bodyPr rtlCol="0"/>
-          <a:lstStyle>
-            <a:extLst/>
-          </a:lstStyle>
+          <a:lstStyle/>
           <a:p>
             <a:r>
               <a:rPr kumimoji="0" lang="zh-CN" altLang="en-US" smtClean="0"/>
@@ -3361,7 +3203,7 @@
 </file>
 
 <file path=ppt/slideLayouts/slideLayout5.xml><?xml version="1.0" encoding="utf-8"?>
-<p:sldLayout xmlns:a="http://schemas.openxmlformats.org/drawingml/2006/main" xmlns:r="http://schemas.openxmlformats.org/officeDocument/2006/relationships" xmlns:p="http://schemas.openxmlformats.org/presentationml/2006/main" showMasterSp="0" type="twoTxTwoObj" preserve="1">
+<p:sldLayout xmlns:a="http://schemas.openxmlformats.org/drawingml/2006/main" xmlns:r="http://schemas.openxmlformats.org/officeDocument/2006/relationships" xmlns:p="http://schemas.openxmlformats.org/presentationml/2006/main" type="twoTxTwoObj" preserve="1" showMasterSp="0">
   <p:cSld name="比较">
     <p:bg>
       <p:bgRef idx="1003">
@@ -3404,7 +3246,6 @@
             <a:lvl1pPr>
               <a:defRPr/>
             </a:lvl1pPr>
-            <a:extLst/>
           </a:lstStyle>
           <a:p>
             <a:r>
@@ -3467,7 +3308,6 @@
               <a:buNone/>
               <a:defRPr sz="1600" b="1"/>
             </a:lvl5pPr>
-            <a:extLst/>
           </a:lstStyle>
           <a:p>
             <a:pPr lvl="0" eaLnBrk="1" latinLnBrk="0" hangingPunct="1"/>
@@ -3475,6 +3315,7 @@
               <a:rPr kumimoji="0" lang="zh-CN" altLang="en-US" smtClean="0"/>
               <a:t>单击此处编辑母版文本样式</a:t>
             </a:r>
+            <a:endParaRPr kumimoji="0" lang="zh-CN" altLang="en-US" smtClean="0"/>
           </a:p>
         </p:txBody>
       </p:sp>
@@ -3530,7 +3371,6 @@
               <a:buNone/>
               <a:defRPr sz="1600" b="1"/>
             </a:lvl5pPr>
-            <a:extLst/>
           </a:lstStyle>
           <a:p>
             <a:pPr lvl="0" eaLnBrk="1" latinLnBrk="0" hangingPunct="1"/>
@@ -3538,6 +3378,7 @@
               <a:rPr kumimoji="0" lang="zh-CN" altLang="en-US" smtClean="0"/>
               <a:t>单击此处编辑母版文本样式</a:t>
             </a:r>
+            <a:endParaRPr kumimoji="0" lang="zh-CN" altLang="en-US" smtClean="0"/>
           </a:p>
         </p:txBody>
       </p:sp>
@@ -3580,7 +3421,6 @@
             <a:lvl5pPr>
               <a:defRPr sz="1600"/>
             </a:lvl5pPr>
-            <a:extLst/>
           </a:lstStyle>
           <a:p>
             <a:pPr lvl="0" eaLnBrk="1" latinLnBrk="0" hangingPunct="1"/>
@@ -3588,6 +3428,7 @@
               <a:rPr lang="zh-CN" altLang="en-US" smtClean="0"/>
               <a:t>单击此处编辑母版文本样式</a:t>
             </a:r>
+            <a:endParaRPr lang="zh-CN" altLang="en-US" smtClean="0"/>
           </a:p>
           <a:p>
             <a:pPr lvl="1" eaLnBrk="1" latinLnBrk="0" hangingPunct="1"/>
@@ -3595,6 +3436,7 @@
               <a:rPr lang="zh-CN" altLang="en-US" smtClean="0"/>
               <a:t>第二级</a:t>
             </a:r>
+            <a:endParaRPr lang="zh-CN" altLang="en-US" smtClean="0"/>
           </a:p>
           <a:p>
             <a:pPr lvl="2" eaLnBrk="1" latinLnBrk="0" hangingPunct="1"/>
@@ -3602,6 +3444,7 @@
               <a:rPr lang="zh-CN" altLang="en-US" smtClean="0"/>
               <a:t>第三级</a:t>
             </a:r>
+            <a:endParaRPr lang="zh-CN" altLang="en-US" smtClean="0"/>
           </a:p>
           <a:p>
             <a:pPr lvl="3" eaLnBrk="1" latinLnBrk="0" hangingPunct="1"/>
@@ -3609,6 +3452,7 @@
               <a:rPr lang="zh-CN" altLang="en-US" smtClean="0"/>
               <a:t>第四级</a:t>
             </a:r>
+            <a:endParaRPr lang="zh-CN" altLang="en-US" smtClean="0"/>
           </a:p>
           <a:p>
             <a:pPr lvl="4" eaLnBrk="1" latinLnBrk="0" hangingPunct="1"/>
@@ -3662,7 +3506,6 @@
             <a:lvl5pPr>
               <a:defRPr sz="1600"/>
             </a:lvl5pPr>
-            <a:extLst/>
           </a:lstStyle>
           <a:p>
             <a:pPr lvl="0" eaLnBrk="1" latinLnBrk="0" hangingPunct="1"/>
@@ -3670,6 +3513,7 @@
               <a:rPr lang="zh-CN" altLang="en-US" smtClean="0"/>
               <a:t>单击此处编辑母版文本样式</a:t>
             </a:r>
+            <a:endParaRPr lang="zh-CN" altLang="en-US" smtClean="0"/>
           </a:p>
           <a:p>
             <a:pPr lvl="1" eaLnBrk="1" latinLnBrk="0" hangingPunct="1"/>
@@ -3677,6 +3521,7 @@
               <a:rPr lang="zh-CN" altLang="en-US" smtClean="0"/>
               <a:t>第二级</a:t>
             </a:r>
+            <a:endParaRPr lang="zh-CN" altLang="en-US" smtClean="0"/>
           </a:p>
           <a:p>
             <a:pPr lvl="2" eaLnBrk="1" latinLnBrk="0" hangingPunct="1"/>
@@ -3684,6 +3529,7 @@
               <a:rPr lang="zh-CN" altLang="en-US" smtClean="0"/>
               <a:t>第三级</a:t>
             </a:r>
+            <a:endParaRPr lang="zh-CN" altLang="en-US" smtClean="0"/>
           </a:p>
           <a:p>
             <a:pPr lvl="3" eaLnBrk="1" latinLnBrk="0" hangingPunct="1"/>
@@ -3691,6 +3537,7 @@
               <a:rPr lang="zh-CN" altLang="en-US" smtClean="0"/>
               <a:t>第四级</a:t>
             </a:r>
+            <a:endParaRPr lang="zh-CN" altLang="en-US" smtClean="0"/>
           </a:p>
           <a:p>
             <a:pPr lvl="4" eaLnBrk="1" latinLnBrk="0" hangingPunct="1"/>
@@ -3715,14 +3562,10 @@
         <p:spPr/>
         <p:txBody>
           <a:bodyPr/>
-          <a:lstStyle>
-            <a:extLst/>
-          </a:lstStyle>
+          <a:lstStyle/>
           <a:p>
             <a:fld id="{530820CF-B880-4189-942D-D702A7CBA730}" type="datetimeFigureOut">
               <a:rPr lang="zh-CN" altLang="en-US" smtClean="0"/>
-              <a:pPr/>
-              <a:t>2016-10-25</a:t>
             </a:fld>
             <a:endParaRPr lang="zh-CN" altLang="en-US"/>
           </a:p>
@@ -3741,9 +3584,7 @@
         <p:spPr/>
         <p:txBody>
           <a:bodyPr/>
-          <a:lstStyle>
-            <a:extLst/>
-          </a:lstStyle>
+          <a:lstStyle/>
           <a:p>
             <a:endParaRPr lang="zh-CN" altLang="en-US"/>
           </a:p>
@@ -3762,14 +3603,10 @@
         <p:spPr/>
         <p:txBody>
           <a:bodyPr/>
-          <a:lstStyle>
-            <a:extLst/>
-          </a:lstStyle>
+          <a:lstStyle/>
           <a:p>
             <a:fld id="{0C913308-F349-4B6D-A68A-DD1791B4A57B}" type="slidenum">
               <a:rPr lang="zh-CN" altLang="en-US" smtClean="0"/>
-              <a:pPr/>
-              <a:t>‹#›</a:t>
             </a:fld>
             <a:endParaRPr lang="zh-CN" altLang="en-US"/>
           </a:p>
@@ -3828,14 +3665,10 @@
         <p:spPr/>
         <p:txBody>
           <a:bodyPr/>
-          <a:lstStyle>
-            <a:extLst/>
-          </a:lstStyle>
+          <a:lstStyle/>
           <a:p>
             <a:fld id="{530820CF-B880-4189-942D-D702A7CBA730}" type="datetimeFigureOut">
               <a:rPr lang="zh-CN" altLang="en-US" smtClean="0"/>
-              <a:pPr/>
-              <a:t>2016-10-25</a:t>
             </a:fld>
             <a:endParaRPr lang="zh-CN" altLang="en-US"/>
           </a:p>
@@ -3854,9 +3687,7 @@
         <p:spPr/>
         <p:txBody>
           <a:bodyPr/>
-          <a:lstStyle>
-            <a:extLst/>
-          </a:lstStyle>
+          <a:lstStyle/>
           <a:p>
             <a:endParaRPr lang="zh-CN" altLang="en-US"/>
           </a:p>
@@ -3875,14 +3706,10 @@
         <p:spPr/>
         <p:txBody>
           <a:bodyPr/>
-          <a:lstStyle>
-            <a:extLst/>
-          </a:lstStyle>
+          <a:lstStyle/>
           <a:p>
             <a:fld id="{0C913308-F349-4B6D-A68A-DD1791B4A57B}" type="slidenum">
               <a:rPr lang="zh-CN" altLang="en-US" smtClean="0"/>
-              <a:pPr/>
-              <a:t>‹#›</a:t>
             </a:fld>
             <a:endParaRPr lang="zh-CN" altLang="en-US"/>
           </a:p>
@@ -3901,9 +3728,7 @@
         <p:spPr/>
         <p:txBody>
           <a:bodyPr rtlCol="0"/>
-          <a:lstStyle>
-            <a:extLst/>
-          </a:lstStyle>
+          <a:lstStyle/>
           <a:p>
             <a:r>
               <a:rPr kumimoji="0" lang="zh-CN" altLang="en-US" smtClean="0"/>
@@ -3961,14 +3786,10 @@
         <p:spPr/>
         <p:txBody>
           <a:bodyPr/>
-          <a:lstStyle>
-            <a:extLst/>
-          </a:lstStyle>
+          <a:lstStyle/>
           <a:p>
             <a:fld id="{530820CF-B880-4189-942D-D702A7CBA730}" type="datetimeFigureOut">
               <a:rPr lang="zh-CN" altLang="en-US" smtClean="0"/>
-              <a:pPr/>
-              <a:t>2016-10-25</a:t>
             </a:fld>
             <a:endParaRPr lang="zh-CN" altLang="en-US"/>
           </a:p>
@@ -3987,9 +3808,7 @@
         <p:spPr/>
         <p:txBody>
           <a:bodyPr/>
-          <a:lstStyle>
-            <a:extLst/>
-          </a:lstStyle>
+          <a:lstStyle/>
           <a:p>
             <a:endParaRPr lang="zh-CN" altLang="en-US"/>
           </a:p>
@@ -4008,14 +3827,10 @@
         <p:spPr/>
         <p:txBody>
           <a:bodyPr/>
-          <a:lstStyle>
-            <a:extLst/>
-          </a:lstStyle>
+          <a:lstStyle/>
           <a:p>
             <a:fld id="{0C913308-F349-4B6D-A68A-DD1791B4A57B}" type="slidenum">
               <a:rPr lang="zh-CN" altLang="en-US" smtClean="0"/>
-              <a:pPr/>
-              <a:t>‹#›</a:t>
             </a:fld>
             <a:endParaRPr lang="zh-CN" altLang="en-US"/>
           </a:p>
@@ -4040,7 +3855,7 @@
 </file>
 
 <file path=ppt/slideLayouts/slideLayout8.xml><?xml version="1.0" encoding="utf-8"?>
-<p:sldLayout xmlns:a="http://schemas.openxmlformats.org/drawingml/2006/main" xmlns:r="http://schemas.openxmlformats.org/officeDocument/2006/relationships" xmlns:p="http://schemas.openxmlformats.org/presentationml/2006/main" showMasterSp="0" type="objTx" preserve="1">
+<p:sldLayout xmlns:a="http://schemas.openxmlformats.org/drawingml/2006/main" xmlns:r="http://schemas.openxmlformats.org/officeDocument/2006/relationships" xmlns:p="http://schemas.openxmlformats.org/presentationml/2006/main" type="objTx" preserve="1" showMasterSp="0">
   <p:cSld name="内容与标题">
     <p:bg>
       <p:bgRef idx="1003">
@@ -4094,7 +3909,6 @@
                 <a:effectLst/>
               </a:defRPr>
             </a:lvl1pPr>
-            <a:extLst/>
           </a:lstStyle>
           <a:p>
             <a:r>
@@ -4144,7 +3958,6 @@
               <a:buNone/>
               <a:defRPr sz="900"/>
             </a:lvl5pPr>
-            <a:extLst/>
           </a:lstStyle>
           <a:p>
             <a:pPr lvl="0" eaLnBrk="1" latinLnBrk="0" hangingPunct="1"/>
@@ -4152,6 +3965,7 @@
               <a:rPr kumimoji="0" lang="zh-CN" altLang="en-US" smtClean="0"/>
               <a:t>单击此处编辑母版文本样式</a:t>
             </a:r>
+            <a:endParaRPr kumimoji="0" lang="zh-CN" altLang="en-US" smtClean="0"/>
           </a:p>
         </p:txBody>
       </p:sp>
@@ -4189,7 +4003,6 @@
             <a:lvl5pPr>
               <a:defRPr sz="2000"/>
             </a:lvl5pPr>
-            <a:extLst/>
           </a:lstStyle>
           <a:p>
             <a:pPr lvl="0" eaLnBrk="1" latinLnBrk="0" hangingPunct="1"/>
@@ -4197,6 +4010,7 @@
               <a:rPr lang="zh-CN" altLang="en-US" smtClean="0"/>
               <a:t>单击此处编辑母版文本样式</a:t>
             </a:r>
+            <a:endParaRPr lang="zh-CN" altLang="en-US" smtClean="0"/>
           </a:p>
           <a:p>
             <a:pPr lvl="1" eaLnBrk="1" latinLnBrk="0" hangingPunct="1"/>
@@ -4204,6 +4018,7 @@
               <a:rPr lang="zh-CN" altLang="en-US" smtClean="0"/>
               <a:t>第二级</a:t>
             </a:r>
+            <a:endParaRPr lang="zh-CN" altLang="en-US" smtClean="0"/>
           </a:p>
           <a:p>
             <a:pPr lvl="2" eaLnBrk="1" latinLnBrk="0" hangingPunct="1"/>
@@ -4211,6 +4026,7 @@
               <a:rPr lang="zh-CN" altLang="en-US" smtClean="0"/>
               <a:t>第三级</a:t>
             </a:r>
+            <a:endParaRPr lang="zh-CN" altLang="en-US" smtClean="0"/>
           </a:p>
           <a:p>
             <a:pPr lvl="3" eaLnBrk="1" latinLnBrk="0" hangingPunct="1"/>
@@ -4218,6 +4034,7 @@
               <a:rPr lang="zh-CN" altLang="en-US" smtClean="0"/>
               <a:t>第四级</a:t>
             </a:r>
+            <a:endParaRPr lang="zh-CN" altLang="en-US" smtClean="0"/>
           </a:p>
           <a:p>
             <a:pPr lvl="4" eaLnBrk="1" latinLnBrk="0" hangingPunct="1"/>
@@ -4247,14 +4064,10 @@
         </p:spPr>
         <p:txBody>
           <a:bodyPr/>
-          <a:lstStyle>
-            <a:extLst/>
-          </a:lstStyle>
+          <a:lstStyle/>
           <a:p>
             <a:fld id="{530820CF-B880-4189-942D-D702A7CBA730}" type="datetimeFigureOut">
               <a:rPr lang="zh-CN" altLang="en-US" smtClean="0"/>
-              <a:pPr/>
-              <a:t>2016-10-25</a:t>
             </a:fld>
             <a:endParaRPr lang="zh-CN" altLang="en-US"/>
           </a:p>
@@ -4273,9 +4086,7 @@
         <p:spPr/>
         <p:txBody>
           <a:bodyPr/>
-          <a:lstStyle>
-            <a:extLst/>
-          </a:lstStyle>
+          <a:lstStyle/>
           <a:p>
             <a:endParaRPr lang="zh-CN" altLang="en-US"/>
           </a:p>
@@ -4294,14 +4105,10 @@
         <p:spPr/>
         <p:txBody>
           <a:bodyPr/>
-          <a:lstStyle>
-            <a:extLst/>
-          </a:lstStyle>
+          <a:lstStyle/>
           <a:p>
             <a:fld id="{0C913308-F349-4B6D-A68A-DD1791B4A57B}" type="slidenum">
               <a:rPr lang="zh-CN" altLang="en-US" smtClean="0"/>
-              <a:pPr/>
-              <a:t>‹#›</a:t>
             </a:fld>
             <a:endParaRPr lang="zh-CN" altLang="en-US"/>
           </a:p>
@@ -4326,7 +4133,7 @@
 </file>
 
 <file path=ppt/slideLayouts/slideLayout9.xml><?xml version="1.0" encoding="utf-8"?>
-<p:sldLayout xmlns:a="http://schemas.openxmlformats.org/drawingml/2006/main" xmlns:r="http://schemas.openxmlformats.org/officeDocument/2006/relationships" xmlns:p="http://schemas.openxmlformats.org/presentationml/2006/main" showMasterSp="0" type="picTx" preserve="1">
+<p:sldLayout xmlns:a="http://schemas.openxmlformats.org/drawingml/2006/main" xmlns:r="http://schemas.openxmlformats.org/officeDocument/2006/relationships" xmlns:p="http://schemas.openxmlformats.org/presentationml/2006/main" type="picTx" preserve="1" showMasterSp="0">
   <p:cSld name="图片与标题">
     <p:bg>
       <p:bgRef idx="1002">
@@ -4367,7 +4174,7 @@
         <p:txBody>
           <a:bodyPr lIns="91440" tIns="0" rIns="91440" anchor="t"/>
           <a:lstStyle>
-            <a:lvl1pPr marL="0" marR="18288" indent="0" algn="r">
+            <a:lvl1pPr marL="0" marR="18415" indent="0" algn="r">
               <a:buNone/>
               <a:defRPr sz="1400"/>
             </a:lvl1pPr>
@@ -4383,7 +4190,6 @@
             <a:lvl5pPr>
               <a:defRPr sz="900"/>
             </a:lvl5pPr>
-            <a:extLst/>
           </a:lstStyle>
           <a:p>
             <a:pPr lvl="0" eaLnBrk="1" latinLnBrk="0" hangingPunct="1"/>
@@ -4391,6 +4197,7 @@
               <a:rPr kumimoji="0" lang="zh-CN" altLang="en-US" smtClean="0"/>
               <a:t>单击此处编辑母版文本样式</a:t>
             </a:r>
+            <a:endParaRPr kumimoji="0" lang="zh-CN" altLang="en-US" smtClean="0"/>
           </a:p>
         </p:txBody>
       </p:sp>
@@ -4433,7 +4240,6 @@
               <a:buNone/>
               <a:defRPr sz="3200"/>
             </a:lvl1pPr>
-            <a:extLst/>
           </a:lstStyle>
           <a:p>
             <a:r>
@@ -4465,13 +4271,10 @@
                 </a:solidFill>
               </a:defRPr>
             </a:lvl1pPr>
-            <a:extLst/>
           </a:lstStyle>
           <a:p>
             <a:fld id="{530820CF-B880-4189-942D-D702A7CBA730}" type="datetimeFigureOut">
               <a:rPr lang="zh-CN" altLang="en-US" smtClean="0"/>
-              <a:pPr/>
-              <a:t>2016-10-25</a:t>
             </a:fld>
             <a:endParaRPr lang="zh-CN" altLang="en-US"/>
           </a:p>
@@ -4503,7 +4306,6 @@
                 </a:solidFill>
               </a:defRPr>
             </a:lvl1pPr>
-            <a:extLst/>
           </a:lstStyle>
           <a:p>
             <a:endParaRPr lang="zh-CN" altLang="en-US"/>
@@ -4531,13 +4333,10 @@
                 </a:solidFill>
               </a:defRPr>
             </a:lvl1pPr>
-            <a:extLst/>
           </a:lstStyle>
           <a:p>
             <a:fld id="{0C913308-F349-4B6D-A68A-DD1791B4A57B}" type="slidenum">
               <a:rPr lang="zh-CN" altLang="en-US" smtClean="0"/>
-              <a:pPr/>
-              <a:t>‹#›</a:t>
             </a:fld>
             <a:endParaRPr lang="zh-CN" altLang="en-US"/>
           </a:p>
@@ -4580,7 +4379,6 @@
                 </a:effectLst>
               </a:defRPr>
             </a:lvl1pPr>
-            <a:extLst/>
           </a:lstStyle>
           <a:p>
             <a:r>
@@ -4594,9 +4392,7 @@
       <p:sp>
         <p:nvSpPr>
           <p:cNvPr id="8" name="任意多边形 7"/>
-          <p:cNvSpPr>
-            <a:spLocks/>
-          </p:cNvSpPr>
+          <p:cNvSpPr/>
           <p:nvPr/>
         </p:nvSpPr>
         <p:spPr bwMode="auto">
@@ -4667,9 +4463,7 @@
         </p:spPr>
         <p:txBody>
           <a:bodyPr vert="horz" wrap="square" lIns="91440" tIns="45720" rIns="91440" bIns="45720" anchor="t" compatLnSpc="1"/>
-          <a:lstStyle>
-            <a:extLst/>
-          </a:lstStyle>
+          <a:lstStyle/>
           <a:p>
             <a:endParaRPr kumimoji="0" lang="en-US"/>
           </a:p>
@@ -4678,9 +4472,7 @@
       <p:sp>
         <p:nvSpPr>
           <p:cNvPr id="9" name="任意多边形 8"/>
-          <p:cNvSpPr>
-            <a:spLocks/>
-          </p:cNvSpPr>
+          <p:cNvSpPr/>
           <p:nvPr/>
         </p:nvSpPr>
         <p:spPr bwMode="auto">
@@ -4749,9 +4541,7 @@
         </p:spPr>
         <p:txBody>
           <a:bodyPr vert="horz" wrap="square" lIns="91440" tIns="45720" rIns="91440" bIns="45720" anchor="t" compatLnSpc="1"/>
-          <a:lstStyle>
-            <a:extLst/>
-          </a:lstStyle>
+          <a:lstStyle/>
           <a:p>
             <a:endParaRPr kumimoji="0" lang="en-US"/>
           </a:p>
@@ -4760,9 +4550,7 @@
       <p:sp>
         <p:nvSpPr>
           <p:cNvPr id="10" name="直角三角形 9"/>
-          <p:cNvSpPr>
-            <a:spLocks/>
-          </p:cNvSpPr>
+          <p:cNvSpPr/>
           <p:nvPr/>
         </p:nvSpPr>
         <p:spPr bwMode="auto">
@@ -4859,9 +4647,7 @@
         </p:style>
         <p:txBody>
           <a:bodyPr vert="horz" wrap="square" lIns="91440" tIns="45720" rIns="91440" bIns="45720" anchor="ctr" compatLnSpc="1"/>
-          <a:lstStyle>
-            <a:extLst/>
-          </a:lstStyle>
+          <a:lstStyle/>
           <a:p>
             <a:pPr algn="ctr" eaLnBrk="1" latinLnBrk="0" hangingPunct="1"/>
             <a:endParaRPr kumimoji="0" lang="en-US"/>
@@ -4992,9 +4778,7 @@
         </p:style>
         <p:txBody>
           <a:bodyPr anchor="ctr"/>
-          <a:lstStyle>
-            <a:extLst/>
-          </a:lstStyle>
+          <a:lstStyle/>
           <a:p>
             <a:pPr algn="l" eaLnBrk="1" latinLnBrk="0" hangingPunct="1"/>
             <a:endParaRPr kumimoji="0" lang="en-US"/>
@@ -5072,9 +4856,7 @@
         </p:style>
         <p:txBody>
           <a:bodyPr anchor="ctr"/>
-          <a:lstStyle>
-            <a:extLst/>
-          </a:lstStyle>
+          <a:lstStyle/>
           <a:p>
             <a:pPr algn="l" eaLnBrk="1" latinLnBrk="0" hangingPunct="1"/>
             <a:endParaRPr kumimoji="0" lang="en-US"/>
@@ -5124,9 +4906,7 @@
       <p:sp>
         <p:nvSpPr>
           <p:cNvPr id="13" name="任意多边形 12"/>
-          <p:cNvSpPr>
-            <a:spLocks/>
-          </p:cNvSpPr>
+          <p:cNvSpPr/>
           <p:nvPr/>
         </p:nvSpPr>
         <p:spPr bwMode="auto">
@@ -5197,9 +4977,7 @@
         </p:spPr>
         <p:txBody>
           <a:bodyPr vert="horz" wrap="square" lIns="91440" tIns="45720" rIns="91440" bIns="45720" anchor="t" compatLnSpc="1"/>
-          <a:lstStyle>
-            <a:extLst/>
-          </a:lstStyle>
+          <a:lstStyle/>
           <a:p>
             <a:endParaRPr kumimoji="0" lang="en-US"/>
           </a:p>
@@ -5208,9 +4986,7 @@
       <p:sp>
         <p:nvSpPr>
           <p:cNvPr id="12" name="任意多边形 11"/>
-          <p:cNvSpPr>
-            <a:spLocks/>
-          </p:cNvSpPr>
+          <p:cNvSpPr/>
           <p:nvPr/>
         </p:nvSpPr>
         <p:spPr bwMode="auto">
@@ -5279,9 +5055,7 @@
         </p:spPr>
         <p:txBody>
           <a:bodyPr vert="horz" wrap="square" lIns="91440" tIns="45720" rIns="91440" bIns="45720" anchor="t" compatLnSpc="1"/>
-          <a:lstStyle>
-            <a:extLst/>
-          </a:lstStyle>
+          <a:lstStyle/>
           <a:p>
             <a:endParaRPr kumimoji="0" lang="en-US"/>
           </a:p>
@@ -5290,9 +5064,7 @@
       <p:sp>
         <p:nvSpPr>
           <p:cNvPr id="14" name="直角三角形 13"/>
-          <p:cNvSpPr>
-            <a:spLocks/>
-          </p:cNvSpPr>
+          <p:cNvSpPr/>
           <p:nvPr/>
         </p:nvSpPr>
         <p:spPr bwMode="auto">
@@ -5304,7 +5076,7 @@
             <a:avLst/>
           </a:prstGeom>
           <a:blipFill>
-            <a:blip r:embed="rId13" cstate="print">
+            <a:blip r:embed="rId12" cstate="print">
               <a:alphaModFix amt="50000"/>
             </a:blip>
             <a:tile tx="0" ty="0" sx="50000" sy="50000" flip="none" algn="t"/>
@@ -5389,9 +5161,7 @@
         </p:style>
         <p:txBody>
           <a:bodyPr vert="horz" wrap="square" lIns="91440" tIns="45720" rIns="91440" bIns="45720" anchor="ctr" compatLnSpc="1"/>
-          <a:lstStyle>
-            <a:extLst/>
-          </a:lstStyle>
+          <a:lstStyle/>
           <a:p>
             <a:pPr algn="ctr" eaLnBrk="1" latinLnBrk="0" hangingPunct="1"/>
             <a:endParaRPr kumimoji="0" lang="en-US"/>
@@ -5481,9 +5251,7 @@
               <a:bevelT w="25400" h="25400"/>
             </a:sp3d>
           </a:bodyPr>
-          <a:lstStyle>
-            <a:extLst/>
-          </a:lstStyle>
+          <a:lstStyle/>
           <a:p>
             <a:r>
               <a:rPr kumimoji="0" lang="zh-CN" altLang="en-US" smtClean="0"/>
@@ -5516,15 +5284,14 @@
           <a:bodyPr vert="horz">
             <a:normAutofit/>
           </a:bodyPr>
-          <a:lstStyle>
-            <a:extLst/>
-          </a:lstStyle>
+          <a:lstStyle/>
           <a:p>
             <a:pPr lvl="0" eaLnBrk="1" latinLnBrk="0" hangingPunct="1"/>
             <a:r>
               <a:rPr kumimoji="0" lang="zh-CN" altLang="en-US" smtClean="0"/>
               <a:t>单击此处编辑母版文本样式</a:t>
             </a:r>
+            <a:endParaRPr kumimoji="0" lang="zh-CN" altLang="en-US" smtClean="0"/>
           </a:p>
           <a:p>
             <a:pPr lvl="1" eaLnBrk="1" latinLnBrk="0" hangingPunct="1"/>
@@ -5532,6 +5299,7 @@
               <a:rPr kumimoji="0" lang="zh-CN" altLang="en-US" smtClean="0"/>
               <a:t>第二级</a:t>
             </a:r>
+            <a:endParaRPr kumimoji="0" lang="zh-CN" altLang="en-US" smtClean="0"/>
           </a:p>
           <a:p>
             <a:pPr lvl="2" eaLnBrk="1" latinLnBrk="0" hangingPunct="1"/>
@@ -5539,6 +5307,7 @@
               <a:rPr kumimoji="0" lang="zh-CN" altLang="en-US" smtClean="0"/>
               <a:t>第三级</a:t>
             </a:r>
+            <a:endParaRPr kumimoji="0" lang="zh-CN" altLang="en-US" smtClean="0"/>
           </a:p>
           <a:p>
             <a:pPr lvl="3" eaLnBrk="1" latinLnBrk="0" hangingPunct="1"/>
@@ -5546,6 +5315,7 @@
               <a:rPr kumimoji="0" lang="zh-CN" altLang="en-US" smtClean="0"/>
               <a:t>第四级</a:t>
             </a:r>
+            <a:endParaRPr kumimoji="0" lang="zh-CN" altLang="en-US" smtClean="0"/>
           </a:p>
           <a:p>
             <a:pPr lvl="4" eaLnBrk="1" latinLnBrk="0" hangingPunct="1"/>
@@ -5586,13 +5356,10 @@
                 </a:solidFill>
               </a:defRPr>
             </a:lvl1pPr>
-            <a:extLst/>
           </a:lstStyle>
           <a:p>
             <a:fld id="{530820CF-B880-4189-942D-D702A7CBA730}" type="datetimeFigureOut">
               <a:rPr lang="zh-CN" altLang="en-US" smtClean="0"/>
-              <a:pPr/>
-              <a:t>2016-10-25</a:t>
             </a:fld>
             <a:endParaRPr lang="zh-CN" altLang="en-US"/>
           </a:p>
@@ -5627,7 +5394,6 @@
                 </a:solidFill>
               </a:defRPr>
             </a:lvl1pPr>
-            <a:extLst/>
           </a:lstStyle>
           <a:p>
             <a:endParaRPr lang="zh-CN" altLang="en-US"/>
@@ -5663,13 +5429,10 @@
                 </a:solidFill>
               </a:defRPr>
             </a:lvl1pPr>
-            <a:extLst/>
           </a:lstStyle>
           <a:p>
             <a:fld id="{0C913308-F349-4B6D-A68A-DD1791B4A57B}" type="slidenum">
               <a:rPr lang="zh-CN" altLang="en-US" smtClean="0"/>
-              <a:pPr/>
-              <a:t>‹#›</a:t>
             </a:fld>
             <a:endParaRPr lang="zh-CN" altLang="en-US"/>
           </a:p>
@@ -5679,17 +5442,17 @@
   </p:cSld>
   <p:clrMap bg1="lt1" tx1="dk1" bg2="lt2" tx2="dk2" accent1="accent1" accent2="accent2" accent3="accent3" accent4="accent4" accent5="accent5" accent6="accent6" hlink="hlink" folHlink="folHlink"/>
   <p:sldLayoutIdLst>
-    <p:sldLayoutId id="2147483661" r:id="rId1"/>
-    <p:sldLayoutId id="2147483662" r:id="rId2"/>
-    <p:sldLayoutId id="2147483663" r:id="rId3"/>
-    <p:sldLayoutId id="2147483664" r:id="rId4"/>
-    <p:sldLayoutId id="2147483665" r:id="rId5"/>
-    <p:sldLayoutId id="2147483666" r:id="rId6"/>
-    <p:sldLayoutId id="2147483667" r:id="rId7"/>
-    <p:sldLayoutId id="2147483668" r:id="rId8"/>
-    <p:sldLayoutId id="2147483669" r:id="rId9"/>
-    <p:sldLayoutId id="2147483670" r:id="rId10"/>
-    <p:sldLayoutId id="2147483671" r:id="rId11"/>
+    <p:sldLayoutId id="2147483649" r:id="rId1"/>
+    <p:sldLayoutId id="2147483650" r:id="rId2"/>
+    <p:sldLayoutId id="2147483651" r:id="rId3"/>
+    <p:sldLayoutId id="2147483652" r:id="rId4"/>
+    <p:sldLayoutId id="2147483653" r:id="rId5"/>
+    <p:sldLayoutId id="2147483654" r:id="rId6"/>
+    <p:sldLayoutId id="2147483655" r:id="rId7"/>
+    <p:sldLayoutId id="2147483656" r:id="rId8"/>
+    <p:sldLayoutId id="2147483657" r:id="rId9"/>
+    <p:sldLayoutId id="2147483658" r:id="rId10"/>
+    <p:sldLayoutId id="2147483659" r:id="rId11"/>
   </p:sldLayoutIdLst>
   <p:transition spd="med">
     <p:fade/>
@@ -5724,10 +5487,9 @@
           <a:cs typeface="+mj-cs"/>
         </a:defRPr>
       </a:lvl1pPr>
-      <a:extLst/>
     </p:titleStyle>
     <p:bodyStyle>
-      <a:lvl1pPr marL="365760" indent="-256032" algn="l" rtl="0" eaLnBrk="1" latinLnBrk="0" hangingPunct="1">
+      <a:lvl1pPr marL="365760" indent="-255905" algn="l" rtl="0" eaLnBrk="1" latinLnBrk="0" hangingPunct="1">
         <a:spcBef>
           <a:spcPts val="400"/>
         </a:spcBef>
@@ -5738,7 +5500,7 @@
           <a:schemeClr val="accent1"/>
         </a:buClr>
         <a:buSzPct val="68000"/>
-        <a:buFont typeface="Wingdings 3"/>
+        <a:buFont typeface="Wingdings 3" panose="05040102010807070707"/>
         <a:buChar char=""/>
         <a:defRPr kumimoji="0" sz="2700" kern="1200">
           <a:solidFill>
@@ -5749,14 +5511,14 @@
           <a:cs typeface="+mn-cs"/>
         </a:defRPr>
       </a:lvl1pPr>
-      <a:lvl2pPr marL="621792" indent="-228600" algn="l" rtl="0" eaLnBrk="1" latinLnBrk="0" hangingPunct="1">
+      <a:lvl2pPr marL="621665" indent="-228600" algn="l" rtl="0" eaLnBrk="1" latinLnBrk="0" hangingPunct="1">
         <a:spcBef>
-          <a:spcPts val="324"/>
+          <a:spcPts val="325"/>
         </a:spcBef>
         <a:buClr>
           <a:schemeClr val="accent1"/>
         </a:buClr>
-        <a:buFont typeface="Verdana"/>
+        <a:buFont typeface="Verdana" panose="020B0604030504040204"/>
         <a:buChar char="◦"/>
         <a:defRPr kumimoji="0" sz="2300" kern="1200">
           <a:solidFill>
@@ -5767,7 +5529,7 @@
           <a:cs typeface="+mn-cs"/>
         </a:defRPr>
       </a:lvl2pPr>
-      <a:lvl3pPr marL="859536" indent="-228600" algn="l" rtl="0" eaLnBrk="1" latinLnBrk="0" hangingPunct="1">
+      <a:lvl3pPr marL="859790" indent="-228600" algn="l" rtl="0" eaLnBrk="1" latinLnBrk="0" hangingPunct="1">
         <a:spcBef>
           <a:spcPts val="350"/>
         </a:spcBef>
@@ -5775,7 +5537,7 @@
           <a:schemeClr val="accent2"/>
         </a:buClr>
         <a:buSzPct val="100000"/>
-        <a:buFont typeface="Wingdings 2"/>
+        <a:buFont typeface="Wingdings 2" panose="05020102010507070707"/>
         <a:buChar char=""/>
         <a:defRPr kumimoji="0" sz="2100" kern="1200">
           <a:solidFill>
@@ -5793,7 +5555,7 @@
         <a:buClr>
           <a:schemeClr val="accent2"/>
         </a:buClr>
-        <a:buFont typeface="Wingdings 2"/>
+        <a:buFont typeface="Wingdings 2" panose="05020102010507070707"/>
         <a:buChar char=""/>
         <a:defRPr kumimoji="0" sz="1900" kern="1200">
           <a:solidFill>
@@ -5811,7 +5573,7 @@
         <a:buClr>
           <a:schemeClr val="accent2"/>
         </a:buClr>
-        <a:buFont typeface="Wingdings 2"/>
+        <a:buFont typeface="Wingdings 2" panose="05020102010507070707"/>
         <a:buChar char=""/>
         <a:defRPr kumimoji="0" sz="1800" kern="1200">
           <a:solidFill>
@@ -5829,7 +5591,7 @@
         <a:buClr>
           <a:schemeClr val="accent3"/>
         </a:buClr>
-        <a:buFont typeface="Wingdings 2"/>
+        <a:buFont typeface="Wingdings 2" panose="05020102010507070707"/>
         <a:buChar char=""/>
         <a:defRPr kumimoji="0" sz="1800" kern="1200">
           <a:solidFill>
@@ -5847,7 +5609,7 @@
         <a:buClr>
           <a:schemeClr val="accent3"/>
         </a:buClr>
-        <a:buFont typeface="Wingdings 2"/>
+        <a:buFont typeface="Wingdings 2" panose="05020102010507070707"/>
         <a:buChar char=""/>
         <a:defRPr kumimoji="0" sz="1600" kern="1200">
           <a:solidFill>
@@ -5865,7 +5627,7 @@
         <a:buClr>
           <a:schemeClr val="accent3"/>
         </a:buClr>
-        <a:buFont typeface="Wingdings 2"/>
+        <a:buFont typeface="Wingdings 2" panose="05020102010507070707"/>
         <a:buChar char=""/>
         <a:defRPr kumimoji="0" sz="1600" kern="1200">
           <a:solidFill>
@@ -5883,7 +5645,7 @@
         <a:buClr>
           <a:schemeClr val="accent3"/>
         </a:buClr>
-        <a:buFont typeface="Wingdings 2"/>
+        <a:buFont typeface="Wingdings 2" panose="05020102010507070707"/>
         <a:buChar char=""/>
         <a:defRPr kumimoji="0" sz="1600" kern="1200" baseline="0">
           <a:solidFill>
@@ -5894,7 +5656,6 @@
           <a:cs typeface="+mn-cs"/>
         </a:defRPr>
       </a:lvl9pPr>
-      <a:extLst/>
     </p:bodyStyle>
     <p:otherStyle>
       <a:lvl1pPr marL="0" algn="l" rtl="0" eaLnBrk="1" latinLnBrk="0" hangingPunct="1">
@@ -5987,7 +5748,6 @@
           <a:cs typeface="+mn-cs"/>
         </a:defRPr>
       </a:lvl9pPr>
-      <a:extLst/>
     </p:otherStyle>
   </p:txStyles>
 </p:sldMaster>
@@ -6313,6 +6073,7 @@
               <a:rPr lang="zh-CN" altLang="zh-CN" dirty="0" smtClean="0"/>
               <a:t>的正式提案。</a:t>
             </a:r>
+            <a:endParaRPr lang="zh-CN" altLang="zh-CN" dirty="0" smtClean="0"/>
           </a:p>
           <a:p>
             <a:pPr>
@@ -6350,7 +6111,7 @@
             </a:r>
             <a:r>
               <a:rPr lang="zh-CN" altLang="en-US" b="1" dirty="0" smtClean="0">
-                <a:hlinkClick r:id="rId3" action="ppaction://hlinksldjump"/>
+                <a:hlinkClick r:id="rId1" action="ppaction://hlinksldjump"/>
               </a:rPr>
               <a:t>₂</a:t>
             </a:r>
@@ -6577,6 +6338,11 @@
               </a:rPr>
               <a:t>。</a:t>
             </a:r>
+            <a:endParaRPr lang="zh-CN" altLang="zh-CN" dirty="0" smtClean="0">
+              <a:solidFill>
+                <a:srgbClr val="FF0000"/>
+              </a:solidFill>
+            </a:endParaRPr>
           </a:p>
           <a:p>
             <a:pPr>
@@ -6614,6 +6380,7 @@
               <a:rPr lang="zh-CN" altLang="zh-CN" dirty="0" smtClean="0"/>
               <a:t>的发展。</a:t>
             </a:r>
+            <a:endParaRPr lang="zh-CN" altLang="zh-CN" dirty="0" smtClean="0"/>
           </a:p>
           <a:p>
             <a:pPr>
@@ -6671,6 +6438,7 @@
               <a:rPr lang="zh-CN" altLang="zh-CN" dirty="0" smtClean="0"/>
               <a:t>标准的制定过程中发挥了主导作用。</a:t>
             </a:r>
+            <a:endParaRPr lang="zh-CN" altLang="zh-CN" dirty="0" smtClean="0"/>
           </a:p>
           <a:p>
             <a:pPr>
@@ -6724,6 +6492,7 @@
               <a:rPr lang="zh-CN" altLang="zh-CN" dirty="0" smtClean="0"/>
               <a:t>标准研制的成功。</a:t>
             </a:r>
+            <a:endParaRPr lang="zh-CN" altLang="zh-CN" dirty="0" smtClean="0"/>
           </a:p>
           <a:p>
             <a:pPr>
@@ -6745,6 +6514,7 @@
               <a:rPr lang="zh-CN" altLang="zh-CN" dirty="0" smtClean="0"/>
               <a:t>年夏季才正式发布。</a:t>
             </a:r>
+            <a:endParaRPr lang="zh-CN" altLang="zh-CN" dirty="0" smtClean="0"/>
           </a:p>
           <a:p>
             <a:pPr>
@@ -6779,7 +6549,7 @@
             </a:r>
             <a:r>
               <a:rPr lang="zh-CN" altLang="en-US" b="1" dirty="0" smtClean="0">
-                <a:hlinkClick r:id="rId2" action="ppaction://hlinksldjump"/>
+                <a:hlinkClick r:id="rId1" action="ppaction://hlinksldjump"/>
               </a:rPr>
               <a:t>₂</a:t>
             </a:r>
@@ -6876,6 +6646,7 @@
               <a:rPr lang="zh-CN" altLang="zh-CN" dirty="0" smtClean="0"/>
               <a:t>。</a:t>
             </a:r>
+            <a:endParaRPr lang="zh-CN" altLang="zh-CN" dirty="0" smtClean="0"/>
           </a:p>
           <a:p>
             <a:pPr lvl="0"/>
@@ -6891,6 +6662,7 @@
               <a:rPr lang="zh-CN" altLang="zh-CN" dirty="0" smtClean="0"/>
               <a:t>是支持面向对象软件开发的建模语言。</a:t>
             </a:r>
+            <a:endParaRPr lang="zh-CN" altLang="zh-CN" dirty="0" smtClean="0"/>
           </a:p>
           <a:p>
             <a:pPr lvl="0"/>
@@ -6898,6 +6670,7 @@
               <a:rPr lang="zh-CN" altLang="zh-CN" dirty="0" smtClean="0"/>
               <a:t>可视化，表达能力强大。</a:t>
             </a:r>
+            <a:endParaRPr lang="zh-CN" altLang="zh-CN" dirty="0" smtClean="0"/>
           </a:p>
           <a:p>
             <a:pPr lvl="0"/>
@@ -6921,6 +6694,7 @@
               <a:rPr lang="zh-CN" altLang="zh-CN" dirty="0" smtClean="0"/>
               <a:t>能被众多软件开发人员接受的一个原因。</a:t>
             </a:r>
+            <a:endParaRPr lang="zh-CN" altLang="zh-CN" dirty="0" smtClean="0"/>
           </a:p>
           <a:p>
             <a:pPr lvl="0"/>
@@ -6928,6 +6702,7 @@
               <a:rPr lang="zh-CN" altLang="zh-CN" dirty="0" smtClean="0"/>
               <a:t>概念明确，建模表示法简洁，图形结构清晰，容易掌握和使用。</a:t>
             </a:r>
+            <a:endParaRPr lang="zh-CN" altLang="zh-CN" dirty="0" smtClean="0"/>
           </a:p>
           <a:p>
             <a:endParaRPr lang="zh-CN" altLang="en-US" dirty="0"/>
@@ -7167,16 +6942,11 @@
           <a:ln w="9525">
             <a:noFill/>
             <a:miter lim="800000"/>
-            <a:headEnd/>
-            <a:tailEnd/>
           </a:ln>
           <a:effectLst/>
         </p:spPr>
         <p:txBody>
           <a:bodyPr vert="horz" wrap="none" lIns="91440" tIns="45720" rIns="91440" bIns="45720" numCol="1" anchor="ctr" anchorCtr="0" compatLnSpc="1">
-            <a:prstTxWarp prst="textNoShape">
-              <a:avLst/>
-            </a:prstTxWarp>
             <a:spAutoFit/>
           </a:bodyPr>
           <a:lstStyle/>
@@ -7194,7 +6964,7 @@
           <p:nvPr/>
         </p:nvPicPr>
         <p:blipFill>
-          <a:blip r:embed="rId3">
+          <a:blip r:embed="rId1">
             <a:extLst>
               <a:ext uri="{28A0092B-C50C-407E-A947-70E740481C1C}">
                 <a14:useLocalDpi xmlns:a14="http://schemas.microsoft.com/office/drawing/2010/main" val="0"/>
@@ -7276,6 +7046,7 @@
               <a:rPr lang="zh-CN" altLang="zh-CN" dirty="0" smtClean="0"/>
               <a:t>类主要元素：</a:t>
             </a:r>
+            <a:endParaRPr lang="zh-CN" altLang="zh-CN" dirty="0" smtClean="0"/>
           </a:p>
           <a:p>
             <a:pPr marL="514350" lvl="0" indent="-514350">
@@ -7294,6 +7065,7 @@
               <a:rPr lang="zh-CN" altLang="zh-CN" dirty="0" smtClean="0"/>
               <a:t>）</a:t>
             </a:r>
+            <a:endParaRPr lang="zh-CN" altLang="zh-CN" dirty="0" smtClean="0"/>
           </a:p>
           <a:p>
             <a:pPr marL="514350" lvl="0" indent="-514350">
@@ -7312,6 +7084,7 @@
               <a:rPr lang="zh-CN" altLang="zh-CN" dirty="0" smtClean="0"/>
               <a:t>）</a:t>
             </a:r>
+            <a:endParaRPr lang="zh-CN" altLang="zh-CN" dirty="0" smtClean="0"/>
           </a:p>
           <a:p>
             <a:pPr marL="514350" lvl="0" indent="-514350">
@@ -7428,6 +7201,7 @@
               <a:rPr lang="zh-CN" altLang="zh-CN" sz="2800" dirty="0" smtClean="0"/>
               <a:t>种类型：</a:t>
             </a:r>
+            <a:endParaRPr lang="zh-CN" altLang="zh-CN" sz="2800" dirty="0" smtClean="0"/>
           </a:p>
           <a:p>
             <a:pPr marL="514350" lvl="0" indent="-514350">
@@ -7446,6 +7220,7 @@
               <a:rPr lang="zh-CN" altLang="zh-CN" sz="2800" dirty="0" smtClean="0"/>
               <a:t>）</a:t>
             </a:r>
+            <a:endParaRPr lang="zh-CN" altLang="zh-CN" sz="2800" dirty="0" smtClean="0"/>
           </a:p>
           <a:p>
             <a:pPr marL="514350" lvl="0" indent="-514350">
@@ -7464,6 +7239,7 @@
               <a:rPr lang="zh-CN" altLang="zh-CN" sz="2800" dirty="0" smtClean="0"/>
               <a:t>）</a:t>
             </a:r>
+            <a:endParaRPr lang="zh-CN" altLang="zh-CN" sz="2800" dirty="0" smtClean="0"/>
           </a:p>
           <a:p>
             <a:pPr marL="514350" lvl="0" indent="-514350">
@@ -7580,6 +7356,7 @@
               <a:rPr lang="zh-CN" altLang="zh-CN" sz="2800" dirty="0" smtClean="0"/>
               <a:t>种类型：</a:t>
             </a:r>
+            <a:endParaRPr lang="zh-CN" altLang="zh-CN" sz="2800" dirty="0" smtClean="0"/>
           </a:p>
           <a:p>
             <a:pPr marL="514350" lvl="0" indent="-514350">
@@ -7662,6 +7439,7 @@
               <a:rPr lang="zh-CN" altLang="zh-CN" sz="2800" dirty="0" smtClean="0"/>
               <a:t>）。</a:t>
             </a:r>
+            <a:endParaRPr lang="zh-CN" altLang="zh-CN" sz="2800" dirty="0" smtClean="0"/>
           </a:p>
           <a:p>
             <a:pPr marL="514350" lvl="0" indent="-514350">
@@ -7704,6 +7482,7 @@
               <a:rPr lang="zh-CN" altLang="zh-CN" sz="2800" dirty="0" smtClean="0"/>
               <a:t>）</a:t>
             </a:r>
+            <a:endParaRPr lang="zh-CN" altLang="zh-CN" sz="2800" dirty="0" smtClean="0"/>
           </a:p>
           <a:p>
             <a:pPr marL="514350" lvl="0" indent="-514350">
@@ -7738,6 +7517,7 @@
               <a:rPr lang="zh-CN" altLang="zh-CN" sz="2800" dirty="0" smtClean="0"/>
               <a:t>）。</a:t>
             </a:r>
+            <a:endParaRPr lang="zh-CN" altLang="zh-CN" sz="2800" dirty="0" smtClean="0"/>
           </a:p>
           <a:p>
             <a:pPr marL="514350" lvl="0" indent="-514350">
@@ -7794,6 +7574,7 @@
               <a:rPr lang="zh-CN" altLang="zh-CN" dirty="0" smtClean="0"/>
               <a:t>中类型，</a:t>
             </a:r>
+            <a:endParaRPr lang="zh-CN" altLang="zh-CN" dirty="0" smtClean="0"/>
           </a:p>
           <a:p>
             <a:pPr marL="514350" lvl="0" indent="-514350">
@@ -7812,6 +7593,7 @@
               <a:rPr lang="zh-CN" altLang="zh-CN" dirty="0" smtClean="0"/>
               <a:t>）</a:t>
             </a:r>
+            <a:endParaRPr lang="zh-CN" altLang="zh-CN" dirty="0" smtClean="0"/>
           </a:p>
           <a:p>
             <a:pPr marL="514350" lvl="0" indent="-514350">
@@ -7830,6 +7612,7 @@
               <a:rPr lang="zh-CN" altLang="zh-CN" dirty="0" smtClean="0"/>
               <a:t>）</a:t>
             </a:r>
+            <a:endParaRPr lang="zh-CN" altLang="zh-CN" dirty="0" smtClean="0"/>
           </a:p>
           <a:p>
             <a:pPr marL="514350" lvl="0" indent="-514350">
@@ -7848,6 +7631,7 @@
               <a:rPr lang="zh-CN" altLang="zh-CN" dirty="0" smtClean="0"/>
               <a:t>）</a:t>
             </a:r>
+            <a:endParaRPr lang="zh-CN" altLang="zh-CN" dirty="0" smtClean="0"/>
           </a:p>
           <a:p>
             <a:pPr marL="514350" lvl="0" indent="-514350">
@@ -7866,6 +7650,7 @@
               <a:rPr lang="zh-CN" altLang="zh-CN" dirty="0" smtClean="0"/>
               <a:t>）</a:t>
             </a:r>
+            <a:endParaRPr lang="zh-CN" altLang="zh-CN" dirty="0" smtClean="0"/>
           </a:p>
           <a:p>
             <a:endParaRPr lang="zh-CN" altLang="en-US" dirty="0"/>
@@ -7966,6 +7751,7 @@
               <a:rPr lang="zh-CN" altLang="zh-CN" dirty="0" smtClean="0"/>
               <a:t>种类图：</a:t>
             </a:r>
+            <a:endParaRPr lang="zh-CN" altLang="zh-CN" dirty="0" smtClean="0"/>
           </a:p>
           <a:p>
             <a:pPr marL="514350" lvl="0" indent="-514350">
@@ -7984,6 +7770,7 @@
               <a:rPr lang="zh-CN" altLang="zh-CN" dirty="0" smtClean="0"/>
               <a:t>）</a:t>
             </a:r>
+            <a:endParaRPr lang="zh-CN" altLang="zh-CN" dirty="0" smtClean="0"/>
           </a:p>
           <a:p>
             <a:pPr marL="514350" lvl="0" indent="-514350">
@@ -8002,6 +7789,7 @@
               <a:rPr lang="zh-CN" altLang="zh-CN" dirty="0" smtClean="0"/>
               <a:t>）</a:t>
             </a:r>
+            <a:endParaRPr lang="zh-CN" altLang="zh-CN" dirty="0" smtClean="0"/>
           </a:p>
           <a:p>
             <a:pPr marL="514350" lvl="0" indent="-514350">
@@ -8020,6 +7808,7 @@
               <a:rPr lang="zh-CN" altLang="zh-CN" dirty="0" smtClean="0"/>
               <a:t>）</a:t>
             </a:r>
+            <a:endParaRPr lang="zh-CN" altLang="zh-CN" dirty="0" smtClean="0"/>
           </a:p>
           <a:p>
             <a:pPr marL="514350" lvl="0" indent="-514350">
@@ -8038,6 +7827,7 @@
               <a:rPr lang="zh-CN" altLang="zh-CN" dirty="0" smtClean="0"/>
               <a:t>）</a:t>
             </a:r>
+            <a:endParaRPr lang="zh-CN" altLang="zh-CN" dirty="0" smtClean="0"/>
           </a:p>
           <a:p>
             <a:pPr marL="514350" lvl="0" indent="-514350">
@@ -8056,6 +7846,7 @@
               <a:rPr lang="zh-CN" altLang="zh-CN" dirty="0" smtClean="0"/>
               <a:t>）</a:t>
             </a:r>
+            <a:endParaRPr lang="zh-CN" altLang="zh-CN" dirty="0" smtClean="0"/>
           </a:p>
           <a:p>
             <a:pPr marL="514350" lvl="0" indent="-514350">
@@ -8078,6 +7869,7 @@
               <a:rPr lang="zh-CN" altLang="zh-CN" dirty="0" smtClean="0"/>
               <a:t>）</a:t>
             </a:r>
+            <a:endParaRPr lang="zh-CN" altLang="zh-CN" dirty="0" smtClean="0"/>
           </a:p>
           <a:p>
             <a:pPr marL="514350" lvl="0" indent="-514350">
@@ -8096,6 +7888,7 @@
               <a:rPr lang="zh-CN" altLang="zh-CN" dirty="0" smtClean="0"/>
               <a:t>）</a:t>
             </a:r>
+            <a:endParaRPr lang="zh-CN" altLang="zh-CN" dirty="0" smtClean="0"/>
           </a:p>
           <a:p>
             <a:pPr marL="514350" lvl="0" indent="-514350">
@@ -8114,6 +7907,7 @@
               <a:rPr lang="zh-CN" altLang="zh-CN" dirty="0" smtClean="0"/>
               <a:t>）</a:t>
             </a:r>
+            <a:endParaRPr lang="zh-CN" altLang="zh-CN" dirty="0" smtClean="0"/>
           </a:p>
           <a:p>
             <a:pPr marL="514350" lvl="0" indent="-514350">
@@ -8132,6 +7926,7 @@
               <a:rPr lang="zh-CN" altLang="zh-CN" dirty="0" smtClean="0"/>
               <a:t>）</a:t>
             </a:r>
+            <a:endParaRPr lang="zh-CN" altLang="zh-CN" dirty="0" smtClean="0"/>
           </a:p>
           <a:p>
             <a:pPr>
@@ -8255,6 +8050,7 @@
               <a:rPr lang="zh-CN" altLang="zh-CN" dirty="0" smtClean="0"/>
               <a:t>描述了作为一个外部的观察者的视角对系统的印象。强调这个系统是什么而不是这个系统怎么工作。</a:t>
             </a:r>
+            <a:endParaRPr lang="zh-CN" altLang="zh-CN" dirty="0" smtClean="0"/>
           </a:p>
           <a:p>
             <a:pPr lvl="0">
@@ -8377,9 +8173,89 @@
             </a:r>
             <a:r>
               <a:rPr lang="zh-CN" altLang="en-US" dirty="0" smtClean="0">
+                <a:hlinkClick r:id="rId1" action="ppaction://hlinksldjump"/>
+              </a:rPr>
+              <a:t>葛来迪</a:t>
+            </a:r>
+            <a:r>
+              <a:rPr lang="en-US" altLang="zh-CN" dirty="0" smtClean="0">
+                <a:hlinkClick r:id="rId1" action="ppaction://hlinksldjump"/>
+              </a:rPr>
+              <a:t>·</a:t>
+            </a:r>
+            <a:r>
+              <a:rPr lang="zh-CN" altLang="en-US" dirty="0" smtClean="0">
+                <a:hlinkClick r:id="rId1" action="ppaction://hlinksldjump"/>
+              </a:rPr>
+              <a:t>布区（</a:t>
+            </a:r>
+            <a:r>
+              <a:rPr lang="en-US" altLang="zh-CN" dirty="0" smtClean="0">
+                <a:hlinkClick r:id="rId1" action="ppaction://hlinksldjump"/>
+              </a:rPr>
+              <a:t>Grady </a:t>
+            </a:r>
+            <a:r>
+              <a:rPr lang="en-US" altLang="zh-CN" dirty="0" err="1" smtClean="0">
+                <a:hlinkClick r:id="rId1" action="ppaction://hlinksldjump"/>
+              </a:rPr>
+              <a:t>Booch</a:t>
+            </a:r>
+            <a:r>
+              <a:rPr lang="zh-CN" altLang="en-US" dirty="0" smtClean="0">
+                <a:hlinkClick r:id="rId1" action="ppaction://hlinksldjump"/>
+              </a:rPr>
+              <a:t>）</a:t>
+            </a:r>
+            <a:r>
+              <a:rPr lang="zh-CN" altLang="en-US" dirty="0" smtClean="0"/>
+              <a:t>，</a:t>
+            </a:r>
+            <a:r>
+              <a:rPr lang="zh-CN" altLang="en-US" dirty="0" smtClean="0">
+                <a:hlinkClick r:id="rId2" action="ppaction://hlinksldjump"/>
+              </a:rPr>
+              <a:t>伊瓦尔</a:t>
+            </a:r>
+            <a:r>
+              <a:rPr lang="en-US" altLang="zh-CN" dirty="0" smtClean="0">
+                <a:hlinkClick r:id="rId2" action="ppaction://hlinksldjump"/>
+              </a:rPr>
+              <a:t>·</a:t>
+            </a:r>
+            <a:r>
+              <a:rPr lang="zh-CN" altLang="en-US" dirty="0" smtClean="0">
+                <a:hlinkClick r:id="rId2" action="ppaction://hlinksldjump"/>
+              </a:rPr>
+              <a:t>雅各布森（</a:t>
+            </a:r>
+            <a:r>
+              <a:rPr lang="en-US" altLang="zh-CN" dirty="0" smtClean="0">
+                <a:hlinkClick r:id="rId2" action="ppaction://hlinksldjump"/>
+              </a:rPr>
+              <a:t>James </a:t>
+            </a:r>
+            <a:r>
+              <a:rPr lang="en-US" altLang="zh-CN" dirty="0" err="1" smtClean="0">
+                <a:hlinkClick r:id="rId2" action="ppaction://hlinksldjump"/>
+              </a:rPr>
+              <a:t>Rumbaugh</a:t>
+            </a:r>
+            <a:r>
+              <a:rPr lang="zh-CN" altLang="en-US" dirty="0" smtClean="0">
+                <a:hlinkClick r:id="rId2" action="ppaction://hlinksldjump"/>
+              </a:rPr>
+              <a:t>）</a:t>
+            </a:r>
+            <a:r>
+              <a:rPr lang="zh-CN" altLang="en-US" dirty="0" smtClean="0"/>
+              <a:t>与</a:t>
+            </a:r>
+            <a:r>
+              <a:rPr lang="zh-CN" altLang="en-US" dirty="0" smtClean="0">
                 <a:hlinkClick r:id="rId3" action="ppaction://hlinksldjump"/>
               </a:rPr>
-              <a:t>葛来迪</a:t>
+              <a:t>詹姆士</a:t>
             </a:r>
             <a:r>
               <a:rPr lang="en-US" altLang="zh-CN" dirty="0" smtClean="0">
@@ -8391,19 +8267,19 @@
               <a:rPr lang="zh-CN" altLang="en-US" dirty="0" smtClean="0">
                 <a:hlinkClick r:id="rId3" action="ppaction://hlinksldjump"/>
               </a:rPr>
-              <a:t>布区（</a:t>
+              <a:t>兰宝（</a:t>
+            </a:r>
+            <a:r>
+              <a:rPr lang="en-US" altLang="zh-CN" dirty="0" err="1" smtClean="0">
+                <a:hlinkClick r:id="rId3" action="ppaction://hlinksldjump"/>
+              </a:rPr>
+              <a:t>Ivar</a:t>
             </a:r>
             <a:r>
               <a:rPr lang="en-US" altLang="zh-CN" dirty="0" smtClean="0">
                 <a:hlinkClick r:id="rId3" action="ppaction://hlinksldjump"/>
               </a:rPr>
-              <a:t>Grady </a:t>
-            </a:r>
-            <a:r>
-              <a:rPr lang="en-US" altLang="zh-CN" dirty="0" err="1" smtClean="0">
-                <a:hlinkClick r:id="rId3" action="ppaction://hlinksldjump"/>
-              </a:rPr>
-              <a:t>Booch</a:t>
+              <a:t> Jacobson</a:t>
             </a:r>
             <a:r>
               <a:rPr lang="zh-CN" altLang="en-US" dirty="0" smtClean="0">
@@ -8413,146 +8289,66 @@
             </a:r>
             <a:r>
               <a:rPr lang="zh-CN" altLang="en-US" dirty="0" smtClean="0"/>
-              <a:t>，</a:t>
-            </a:r>
-            <a:r>
-              <a:rPr lang="zh-CN" altLang="en-US" dirty="0" smtClean="0">
-                <a:hlinkClick r:id="rId4" action="ppaction://hlinksldjump"/>
-              </a:rPr>
-              <a:t>伊瓦尔</a:t>
+              <a:t>于</a:t>
+            </a:r>
+            <a:r>
+              <a:rPr lang="en-US" altLang="zh-CN" dirty="0" smtClean="0"/>
+              <a:t>1994</a:t>
+            </a:r>
+            <a:r>
+              <a:rPr lang="zh-CN" altLang="en-US" dirty="0" smtClean="0"/>
+              <a:t>年至</a:t>
+            </a:r>
+            <a:r>
+              <a:rPr lang="en-US" altLang="zh-CN" dirty="0" smtClean="0"/>
+              <a:t>1995</a:t>
+            </a:r>
+            <a:r>
+              <a:rPr lang="zh-CN" altLang="en-US" dirty="0" smtClean="0"/>
+              <a:t>年间，在</a:t>
+            </a:r>
+            <a:r>
+              <a:rPr lang="en-US" altLang="zh-CN" dirty="0" smtClean="0"/>
+              <a:t>Rational Software</a:t>
+            </a:r>
+            <a:r>
+              <a:rPr lang="zh-CN" altLang="en-US" dirty="0" smtClean="0"/>
+              <a:t>公司中开发</a:t>
+            </a:r>
+            <a:endParaRPr lang="zh-CN" altLang="zh-CN" dirty="0"/>
+          </a:p>
+        </p:txBody>
+      </p:sp>
+      <p:sp>
+        <p:nvSpPr>
+          <p:cNvPr id="2" name="标题 1"/>
+          <p:cNvSpPr>
+            <a:spLocks noGrp="1"/>
+          </p:cNvSpPr>
+          <p:nvPr>
+            <p:ph type="title"/>
+          </p:nvPr>
+        </p:nvSpPr>
+        <p:spPr/>
+        <p:txBody>
+          <a:bodyPr/>
+          <a:lstStyle/>
+          <a:p>
+            <a:r>
+              <a:rPr lang="en-US" altLang="zh-CN" dirty="0" smtClean="0"/>
+              <a:t>2.1</a:t>
+            </a:r>
+            <a:r>
+              <a:rPr lang="zh-CN" altLang="zh-CN" dirty="0" smtClean="0"/>
+              <a:t>为什么学习</a:t>
+            </a:r>
+            <a:r>
+              <a:rPr lang="en-US" altLang="zh-CN" dirty="0" smtClean="0"/>
+              <a:t>UML </a:t>
             </a:r>
             <a:r>
               <a:rPr lang="en-US" altLang="zh-CN" dirty="0" smtClean="0">
                 <a:hlinkClick r:id="rId4" action="ppaction://hlinksldjump"/>
-              </a:rPr>
-              <a:t>·</a:t>
-            </a:r>
-            <a:r>
-              <a:rPr lang="zh-CN" altLang="en-US" dirty="0" smtClean="0">
-                <a:hlinkClick r:id="rId4" action="ppaction://hlinksldjump"/>
-              </a:rPr>
-              <a:t>雅各布森（</a:t>
-            </a:r>
-            <a:r>
-              <a:rPr lang="en-US" altLang="zh-CN" dirty="0" smtClean="0">
-                <a:hlinkClick r:id="rId4" action="ppaction://hlinksldjump"/>
-              </a:rPr>
-              <a:t>James </a:t>
-            </a:r>
-            <a:r>
-              <a:rPr lang="en-US" altLang="zh-CN" dirty="0" err="1" smtClean="0">
-                <a:hlinkClick r:id="rId4" action="ppaction://hlinksldjump"/>
-              </a:rPr>
-              <a:t>Rumbaugh</a:t>
-            </a:r>
-            <a:r>
-              <a:rPr lang="zh-CN" altLang="en-US" dirty="0" smtClean="0">
-                <a:hlinkClick r:id="rId4" action="ppaction://hlinksldjump"/>
-              </a:rPr>
-              <a:t>）</a:t>
-            </a:r>
-            <a:r>
-              <a:rPr lang="zh-CN" altLang="en-US" dirty="0" smtClean="0"/>
-              <a:t>与</a:t>
-            </a:r>
-            <a:r>
-              <a:rPr lang="zh-CN" altLang="en-US" dirty="0" smtClean="0">
-                <a:hlinkClick r:id="rId5" action="ppaction://hlinksldjump"/>
-              </a:rPr>
-              <a:t>詹姆士</a:t>
-            </a:r>
-            <a:r>
-              <a:rPr lang="en-US" altLang="zh-CN" dirty="0" smtClean="0">
-                <a:hlinkClick r:id="rId5" action="ppaction://hlinksldjump"/>
-              </a:rPr>
-              <a:t>·</a:t>
-            </a:r>
-            <a:r>
-              <a:rPr lang="zh-CN" altLang="en-US" dirty="0" smtClean="0">
-                <a:hlinkClick r:id="rId5" action="ppaction://hlinksldjump"/>
-              </a:rPr>
-              <a:t>兰宝（</a:t>
-            </a:r>
-            <a:r>
-              <a:rPr lang="en-US" altLang="zh-CN" dirty="0" err="1" smtClean="0">
-                <a:hlinkClick r:id="rId5" action="ppaction://hlinksldjump"/>
-              </a:rPr>
-              <a:t>Ivar</a:t>
-            </a:r>
-            <a:r>
-              <a:rPr lang="en-US" altLang="zh-CN" dirty="0" smtClean="0">
-                <a:hlinkClick r:id="rId5" action="ppaction://hlinksldjump"/>
-              </a:rPr>
-              <a:t> Jacobson</a:t>
-            </a:r>
-            <a:r>
-              <a:rPr lang="zh-CN" altLang="en-US" dirty="0" smtClean="0">
-                <a:hlinkClick r:id="rId5" action="ppaction://hlinksldjump"/>
-              </a:rPr>
-              <a:t>）</a:t>
-            </a:r>
-            <a:r>
-              <a:rPr lang="zh-CN" altLang="en-US" dirty="0" smtClean="0"/>
-              <a:t>于</a:t>
-            </a:r>
-            <a:r>
-              <a:rPr lang="en-US" altLang="zh-CN" dirty="0" smtClean="0"/>
-              <a:t>1994</a:t>
-            </a:r>
-            <a:r>
-              <a:rPr lang="zh-CN" altLang="en-US" dirty="0" smtClean="0"/>
-              <a:t>年至</a:t>
-            </a:r>
-            <a:r>
-              <a:rPr lang="en-US" altLang="zh-CN" dirty="0" smtClean="0"/>
-              <a:t>1995</a:t>
-            </a:r>
-            <a:r>
-              <a:rPr lang="zh-CN" altLang="en-US" dirty="0" smtClean="0"/>
-              <a:t>年间，在</a:t>
-            </a:r>
-            <a:r>
-              <a:rPr lang="en-US" altLang="zh-CN" dirty="0" smtClean="0"/>
-              <a:t>Rational Software</a:t>
-            </a:r>
-            <a:r>
-              <a:rPr lang="zh-CN" altLang="en-US" dirty="0" smtClean="0"/>
-              <a:t>公司中开发</a:t>
-            </a:r>
-            <a:endParaRPr lang="zh-CN" altLang="zh-CN" dirty="0"/>
-          </a:p>
-        </p:txBody>
-      </p:sp>
-      <p:sp>
-        <p:nvSpPr>
-          <p:cNvPr id="2" name="标题 1"/>
-          <p:cNvSpPr>
-            <a:spLocks noGrp="1"/>
-          </p:cNvSpPr>
-          <p:nvPr>
-            <p:ph type="title"/>
-          </p:nvPr>
-        </p:nvSpPr>
-        <p:spPr/>
-        <p:txBody>
-          <a:bodyPr/>
-          <a:lstStyle/>
-          <a:p>
-            <a:r>
-              <a:rPr lang="en-US" altLang="zh-CN" dirty="0" smtClean="0"/>
-              <a:t>2.1</a:t>
-            </a:r>
-            <a:r>
-              <a:rPr lang="zh-CN" altLang="zh-CN" dirty="0" smtClean="0"/>
-              <a:t>为什么学习</a:t>
-            </a:r>
-            <a:r>
-              <a:rPr lang="en-US" altLang="zh-CN" dirty="0" smtClean="0"/>
-              <a:t>UML </a:t>
-            </a:r>
-            <a:r>
-              <a:rPr lang="en-US" altLang="zh-CN" dirty="0" smtClean="0">
-                <a:hlinkClick r:id="rId6" action="ppaction://hlinksldjump"/>
               </a:rPr>
               <a:t>₁</a:t>
             </a:r>
@@ -8621,6 +8417,7 @@
               <a:rPr lang="en-US" altLang="zh-CN" dirty="0" smtClean="0"/>
               <a:t>Class diagram</a:t>
             </a:r>
+            <a:endParaRPr lang="en-US" altLang="zh-CN" dirty="0" smtClean="0"/>
           </a:p>
           <a:p>
             <a:pPr>
@@ -8642,6 +8439,7 @@
               <a:rPr lang="zh-CN" altLang="zh-CN" dirty="0" smtClean="0"/>
               <a:t>通过显示出系统的类以及这些类之间的关系来表示系统。类图是静态的－它们显示出什么可以产生影响但不会告诉你什么时候产生影响。</a:t>
             </a:r>
+            <a:endParaRPr lang="zh-CN" altLang="zh-CN" dirty="0" smtClean="0"/>
           </a:p>
           <a:p>
             <a:endParaRPr lang="zh-CN" altLang="en-US" dirty="0"/>
@@ -8740,6 +8538,7 @@
               <a:rPr lang="en-US" altLang="zh-CN" dirty="0" smtClean="0"/>
               <a:t>Object diagrams</a:t>
             </a:r>
+            <a:endParaRPr lang="en-US" altLang="zh-CN" dirty="0" smtClean="0"/>
           </a:p>
           <a:p>
             <a:pPr lvl="0">
@@ -8761,6 +8560,7 @@
               <a:rPr lang="zh-CN" altLang="zh-CN" dirty="0" smtClean="0"/>
               <a:t>用来表示类的实例。他们在解释复杂关系的细小问题时（特别是递归关系时）很有用。</a:t>
             </a:r>
+            <a:endParaRPr lang="zh-CN" altLang="zh-CN" dirty="0" smtClean="0"/>
           </a:p>
           <a:p>
             <a:endParaRPr lang="zh-CN" altLang="en-US" dirty="0"/>
@@ -8902,6 +8702,7 @@
               <a:rPr lang="zh-CN" altLang="zh-CN" sz="2800" dirty="0" smtClean="0"/>
               <a:t>将交互关系表示为一个二维图。纵向是时间轴，时间沿竖线向下延伸。横向轴代表了在协作中各独立对象的类元角色。类元角色用生命线表示。当对象存在时，角色用一条虚线表示，当对象的过程处于激活状态时，生命线是一个双道线。</a:t>
             </a:r>
+            <a:endParaRPr lang="zh-CN" altLang="zh-CN" sz="2800" dirty="0" smtClean="0"/>
           </a:p>
           <a:p>
             <a:pPr>
@@ -9024,6 +8825,7 @@
               <a:rPr lang="zh-CN" altLang="zh-CN" dirty="0" smtClean="0"/>
               <a:t>协作图也是互动的图表。他们像序列图一样也传递相同的信息，但他们不关心什么时候消息被传递，只关心对象的角色。在序列图中，对象的角色放在上面而消息则是连接线。</a:t>
             </a:r>
+            <a:endParaRPr lang="zh-CN" altLang="zh-CN" dirty="0" smtClean="0"/>
           </a:p>
           <a:p>
             <a:pPr>
@@ -9129,6 +8931,7 @@
               <a:rPr lang="en-US" altLang="zh-CN" dirty="0" smtClean="0"/>
               <a:t> diagram</a:t>
             </a:r>
+            <a:endParaRPr lang="en-US" altLang="zh-CN" dirty="0" smtClean="0"/>
           </a:p>
           <a:p>
             <a:pPr lvl="0">
@@ -9252,6 +9055,7 @@
               <a:rPr lang="en-US" altLang="zh-CN" sz="2800" dirty="0" smtClean="0"/>
               <a:t>activity diagram</a:t>
             </a:r>
+            <a:endParaRPr lang="en-US" altLang="zh-CN" sz="2800" dirty="0" smtClean="0"/>
           </a:p>
           <a:p>
             <a:pPr lvl="0">
@@ -9367,6 +9171,7 @@
               <a:rPr lang="zh-CN" altLang="zh-CN" dirty="0" smtClean="0"/>
               <a:t>则是显示软件及硬件的配置。</a:t>
             </a:r>
+            <a:endParaRPr lang="zh-CN" altLang="zh-CN" dirty="0" smtClean="0"/>
           </a:p>
           <a:p>
             <a:endParaRPr lang="zh-CN" altLang="en-US" dirty="0"/>
@@ -9461,6 +9266,7 @@
               <a:rPr lang="zh-CN" altLang="zh-CN" dirty="0" smtClean="0"/>
               <a:t>个方面的语义规则：</a:t>
             </a:r>
+            <a:endParaRPr lang="zh-CN" altLang="zh-CN" dirty="0" smtClean="0"/>
           </a:p>
           <a:p>
             <a:pPr marL="514350" lvl="0" indent="-514350">
@@ -9479,6 +9285,7 @@
               <a:rPr lang="zh-CN" altLang="zh-CN" dirty="0" smtClean="0"/>
               <a:t>）</a:t>
             </a:r>
+            <a:endParaRPr lang="zh-CN" altLang="zh-CN" dirty="0" smtClean="0"/>
           </a:p>
           <a:p>
             <a:pPr marL="514350" lvl="0" indent="-514350">
@@ -9497,6 +9304,7 @@
               <a:rPr lang="zh-CN" altLang="zh-CN" dirty="0" smtClean="0"/>
               <a:t>）</a:t>
             </a:r>
+            <a:endParaRPr lang="zh-CN" altLang="zh-CN" dirty="0" smtClean="0"/>
           </a:p>
           <a:p>
             <a:pPr marL="514350" lvl="0" indent="-514350">
@@ -9515,6 +9323,7 @@
               <a:rPr lang="zh-CN" altLang="zh-CN" dirty="0" smtClean="0"/>
               <a:t>）</a:t>
             </a:r>
+            <a:endParaRPr lang="zh-CN" altLang="zh-CN" dirty="0" smtClean="0"/>
           </a:p>
           <a:p>
             <a:pPr marL="514350" lvl="0" indent="-514350">
@@ -9533,6 +9342,7 @@
               <a:rPr lang="zh-CN" altLang="zh-CN" dirty="0" smtClean="0"/>
               <a:t>）</a:t>
             </a:r>
+            <a:endParaRPr lang="zh-CN" altLang="zh-CN" dirty="0" smtClean="0"/>
           </a:p>
           <a:p>
             <a:pPr marL="514350" lvl="0" indent="-514350">
@@ -9551,6 +9361,7 @@
               <a:rPr lang="zh-CN" altLang="zh-CN" dirty="0" smtClean="0"/>
               <a:t>）</a:t>
             </a:r>
+            <a:endParaRPr lang="zh-CN" altLang="zh-CN" dirty="0" smtClean="0"/>
           </a:p>
           <a:p>
             <a:endParaRPr lang="zh-CN" altLang="en-US" dirty="0"/>
@@ -9645,6 +9456,7 @@
               <a:rPr lang="zh-CN" altLang="zh-CN" dirty="0" smtClean="0"/>
               <a:t>种类型的通用机制：</a:t>
             </a:r>
+            <a:endParaRPr lang="zh-CN" altLang="zh-CN" dirty="0" smtClean="0"/>
           </a:p>
           <a:p>
             <a:pPr marL="514350" lvl="0" indent="-514350">
@@ -9663,6 +9475,7 @@
               <a:rPr lang="zh-CN" altLang="zh-CN" dirty="0" smtClean="0"/>
               <a:t>）</a:t>
             </a:r>
+            <a:endParaRPr lang="zh-CN" altLang="zh-CN" dirty="0" smtClean="0"/>
           </a:p>
           <a:p>
             <a:pPr marL="514350" lvl="0" indent="-514350">
@@ -9681,6 +9494,7 @@
               <a:rPr lang="zh-CN" altLang="zh-CN" dirty="0" smtClean="0"/>
               <a:t>）</a:t>
             </a:r>
+            <a:endParaRPr lang="zh-CN" altLang="zh-CN" dirty="0" smtClean="0"/>
           </a:p>
           <a:p>
             <a:pPr marL="514350" lvl="0" indent="-514350">
@@ -9699,6 +9513,7 @@
               <a:rPr lang="zh-CN" altLang="zh-CN" dirty="0" smtClean="0"/>
               <a:t>）</a:t>
             </a:r>
+            <a:endParaRPr lang="zh-CN" altLang="zh-CN" dirty="0" smtClean="0"/>
           </a:p>
           <a:p>
             <a:pPr marL="514350" lvl="0" indent="-514350">
@@ -9717,6 +9532,7 @@
               <a:rPr lang="zh-CN" altLang="zh-CN" dirty="0" smtClean="0"/>
               <a:t>）</a:t>
             </a:r>
+            <a:endParaRPr lang="zh-CN" altLang="zh-CN" dirty="0" smtClean="0"/>
           </a:p>
           <a:p>
             <a:endParaRPr lang="zh-CN" altLang="en-US" dirty="0"/>
@@ -9807,6 +9623,7 @@
               <a:rPr lang="zh-CN" altLang="zh-CN" dirty="0" smtClean="0"/>
               <a:t>扩展机制包括：</a:t>
             </a:r>
+            <a:endParaRPr lang="zh-CN" altLang="zh-CN" dirty="0" smtClean="0"/>
           </a:p>
           <a:p>
             <a:pPr marL="514350" lvl="0" indent="-514350">
@@ -9825,6 +9642,7 @@
               <a:rPr lang="zh-CN" altLang="zh-CN" dirty="0" smtClean="0"/>
               <a:t>）</a:t>
             </a:r>
+            <a:endParaRPr lang="zh-CN" altLang="zh-CN" dirty="0" smtClean="0"/>
           </a:p>
           <a:p>
             <a:pPr marL="514350" lvl="0" indent="-514350">
@@ -9843,6 +9661,7 @@
               <a:rPr lang="zh-CN" altLang="zh-CN" dirty="0" smtClean="0"/>
               <a:t>）</a:t>
             </a:r>
+            <a:endParaRPr lang="zh-CN" altLang="zh-CN" dirty="0" smtClean="0"/>
           </a:p>
           <a:p>
             <a:pPr marL="514350" lvl="0" indent="-514350">
@@ -9861,6 +9680,7 @@
               <a:rPr lang="zh-CN" altLang="zh-CN" dirty="0" smtClean="0"/>
               <a:t>）</a:t>
             </a:r>
+            <a:endParaRPr lang="zh-CN" altLang="zh-CN" dirty="0" smtClean="0"/>
           </a:p>
           <a:p>
             <a:endParaRPr lang="zh-CN" altLang="en-US" dirty="0"/>
@@ -10090,7 +9910,7 @@
           <p:nvPr/>
         </p:nvPicPr>
         <p:blipFill>
-          <a:blip r:embed="rId2" cstate="print"/>
+          <a:blip r:embed="rId1" cstate="print"/>
           <a:srcRect/>
           <a:stretch>
             <a:fillRect/>
@@ -10174,6 +9994,7 @@
               <a:rPr lang="zh-CN" altLang="zh-CN" dirty="0" smtClean="0"/>
               <a:t>视图包括：</a:t>
             </a:r>
+            <a:endParaRPr lang="zh-CN" altLang="zh-CN" dirty="0" smtClean="0"/>
           </a:p>
           <a:p>
             <a:pPr marL="514350" lvl="0" indent="-514350">
@@ -10192,6 +10013,7 @@
               <a:rPr lang="zh-CN" altLang="zh-CN" dirty="0" smtClean="0"/>
               <a:t>）</a:t>
             </a:r>
+            <a:endParaRPr lang="zh-CN" altLang="zh-CN" dirty="0" smtClean="0"/>
           </a:p>
           <a:p>
             <a:pPr marL="514350" lvl="0" indent="-514350">
@@ -10210,6 +10032,7 @@
               <a:rPr lang="zh-CN" altLang="zh-CN" dirty="0" smtClean="0"/>
               <a:t>）</a:t>
             </a:r>
+            <a:endParaRPr lang="zh-CN" altLang="zh-CN" dirty="0" smtClean="0"/>
           </a:p>
           <a:p>
             <a:pPr marL="514350" lvl="0" indent="-514350">
@@ -10228,6 +10051,7 @@
               <a:rPr lang="zh-CN" altLang="zh-CN" dirty="0" smtClean="0"/>
               <a:t>）</a:t>
             </a:r>
+            <a:endParaRPr lang="zh-CN" altLang="zh-CN" dirty="0" smtClean="0"/>
           </a:p>
           <a:p>
             <a:pPr marL="514350" lvl="0" indent="-514350">
@@ -10246,6 +10070,7 @@
               <a:rPr lang="zh-CN" altLang="zh-CN" dirty="0" smtClean="0"/>
               <a:t>）</a:t>
             </a:r>
+            <a:endParaRPr lang="zh-CN" altLang="zh-CN" dirty="0" smtClean="0"/>
           </a:p>
           <a:p>
             <a:pPr marL="514350" lvl="0" indent="-514350">
@@ -10264,6 +10089,7 @@
               <a:rPr lang="zh-CN" altLang="zh-CN" dirty="0" smtClean="0"/>
               <a:t>）</a:t>
             </a:r>
+            <a:endParaRPr lang="zh-CN" altLang="zh-CN" dirty="0" smtClean="0"/>
           </a:p>
           <a:p>
             <a:endParaRPr lang="zh-CN" altLang="en-US" dirty="0"/>
@@ -10369,6 +10195,7 @@
               <a:rPr lang="zh-CN" altLang="zh-CN" dirty="0" smtClean="0"/>
               <a:t>”视图</a:t>
             </a:r>
+            <a:endParaRPr lang="zh-CN" altLang="zh-CN" dirty="0" smtClean="0"/>
           </a:p>
           <a:p>
             <a:r>
@@ -10383,6 +10210,7 @@
               <a:rPr lang="zh-CN" altLang="zh-CN" dirty="0" smtClean="0"/>
               <a:t>）表示系统的概要设计和子系统结构等</a:t>
             </a:r>
+            <a:endParaRPr lang="zh-CN" altLang="zh-CN" dirty="0" smtClean="0"/>
           </a:p>
           <a:p>
             <a:r>
@@ -10397,6 +10225,7 @@
               <a:rPr lang="zh-CN" altLang="zh-CN" dirty="0" smtClean="0"/>
               <a:t>）用于说明系统中并发执行和同步的情况。</a:t>
             </a:r>
+            <a:endParaRPr lang="zh-CN" altLang="zh-CN" dirty="0" smtClean="0"/>
           </a:p>
           <a:p>
             <a:r>
@@ -10411,6 +10240,7 @@
               <a:rPr lang="zh-CN" altLang="zh-CN" dirty="0" smtClean="0"/>
               <a:t>）用于定义硬件结点的物理结构。</a:t>
             </a:r>
+            <a:endParaRPr lang="zh-CN" altLang="zh-CN" dirty="0" smtClean="0"/>
           </a:p>
           <a:p>
             <a:r>
@@ -10425,6 +10255,7 @@
               <a:rPr lang="zh-CN" altLang="zh-CN" dirty="0" smtClean="0"/>
               <a:t>）用于说明代码的结构。</a:t>
             </a:r>
+            <a:endParaRPr lang="zh-CN" altLang="zh-CN" dirty="0" smtClean="0"/>
           </a:p>
           <a:p>
             <a:r>
@@ -10455,6 +10286,7 @@
               <a:rPr lang="zh-CN" altLang="zh-CN" dirty="0" smtClean="0"/>
               <a:t>）。</a:t>
             </a:r>
+            <a:endParaRPr lang="zh-CN" altLang="zh-CN" dirty="0" smtClean="0"/>
           </a:p>
           <a:p>
             <a:endParaRPr lang="zh-CN" altLang="en-US" dirty="0"/>
@@ -10508,16 +10340,11 @@
           <a:ln w="9525">
             <a:noFill/>
             <a:miter lim="800000"/>
-            <a:headEnd/>
-            <a:tailEnd/>
           </a:ln>
           <a:effectLst/>
         </p:spPr>
         <p:txBody>
           <a:bodyPr vert="horz" wrap="none" lIns="91440" tIns="45720" rIns="91440" bIns="45720" numCol="1" anchor="ctr" anchorCtr="0" compatLnSpc="1">
-            <a:prstTxWarp prst="textNoShape">
-              <a:avLst/>
-            </a:prstTxWarp>
             <a:spAutoFit/>
           </a:bodyPr>
           <a:lstStyle/>
@@ -10529,9 +10356,7 @@
       <p:grpSp>
         <p:nvGrpSpPr>
           <p:cNvPr id="4097" name="画布 43"/>
-          <p:cNvGrpSpPr>
-            <a:grpSpLocks/>
-          </p:cNvGrpSpPr>
+          <p:cNvGrpSpPr/>
           <p:nvPr/>
         </p:nvGrpSpPr>
         <p:grpSpPr bwMode="auto">
@@ -10561,11 +10386,7 @@
             <a:noFill/>
           </p:spPr>
           <p:txBody>
-            <a:bodyPr vert="horz" wrap="square" lIns="91440" tIns="45720" rIns="91440" bIns="45720" numCol="1" anchor="t" anchorCtr="0" compatLnSpc="1">
-              <a:prstTxWarp prst="textNoShape">
-                <a:avLst/>
-              </a:prstTxWarp>
-            </a:bodyPr>
+            <a:bodyPr vert="horz" wrap="square" lIns="91440" tIns="45720" rIns="91440" bIns="45720" numCol="1" anchor="t" anchorCtr="0" compatLnSpc="1"/>
             <a:lstStyle/>
             <a:p>
               <a:endParaRPr lang="zh-CN" altLang="en-US"/>
@@ -10596,16 +10417,10 @@
                 <a:srgbClr val="000000"/>
               </a:solidFill>
               <a:miter lim="800000"/>
-              <a:headEnd/>
-              <a:tailEnd/>
             </a:ln>
           </p:spPr>
           <p:txBody>
-            <a:bodyPr vert="horz" wrap="square" lIns="91440" tIns="45720" rIns="91440" bIns="45720" numCol="1" anchor="t" anchorCtr="0" compatLnSpc="1">
-              <a:prstTxWarp prst="textNoShape">
-                <a:avLst/>
-              </a:prstTxWarp>
-            </a:bodyPr>
+            <a:bodyPr vert="horz" wrap="square" lIns="91440" tIns="45720" rIns="91440" bIns="45720" numCol="1" anchor="t" anchorCtr="0" compatLnSpc="1"/>
             <a:lstStyle/>
             <a:p>
               <a:pPr marL="0" marR="0" lvl="0" indent="0" algn="l" defTabSz="914400" rtl="0" eaLnBrk="1" fontAlgn="base" latinLnBrk="0" hangingPunct="1">
@@ -10622,7 +10437,6 @@
                 <a:buSzTx/>
                 <a:buFontTx/>
                 <a:buNone/>
-                <a:tabLst/>
               </a:pPr>
               <a:r>
                 <a:rPr kumimoji="0" lang="en-US" altLang="zh-CN" sz="1600" b="0" i="0" u="none" strike="noStrike" cap="none" normalizeH="0" baseline="0" dirty="0" smtClean="0">
@@ -10633,9 +10447,9 @@
                     <a:schemeClr val="tx1"/>
                   </a:solidFill>
                   <a:effectLst/>
-                  <a:latin typeface="Calibri" pitchFamily="34" charset="0"/>
-                  <a:ea typeface="宋体" pitchFamily="2" charset="-122"/>
-                  <a:cs typeface="Calibri" pitchFamily="34" charset="0"/>
+                  <a:latin typeface="Calibri" panose="020F0502020204030204" pitchFamily="34" charset="0"/>
+                  <a:ea typeface="宋体" panose="02010600030101010101" pitchFamily="2" charset="-122"/>
+                  <a:cs typeface="Calibri" panose="020F0502020204030204" pitchFamily="34" charset="0"/>
                 </a:rPr>
                 <a:t>      </a:t>
               </a:r>
@@ -10648,9 +10462,9 @@
                     <a:schemeClr val="tx1"/>
                   </a:solidFill>
                   <a:effectLst/>
-                  <a:latin typeface="Calibri" pitchFamily="34" charset="0"/>
-                  <a:ea typeface="宋体" pitchFamily="2" charset="-122"/>
-                  <a:cs typeface="Calibri" pitchFamily="34" charset="0"/>
+                  <a:latin typeface="Calibri" panose="020F0502020204030204" pitchFamily="34" charset="0"/>
+                  <a:ea typeface="宋体" panose="02010600030101010101" pitchFamily="2" charset="-122"/>
+                  <a:cs typeface="Calibri" panose="020F0502020204030204" pitchFamily="34" charset="0"/>
                 </a:rPr>
                 <a:t>逻辑视图</a:t>
               </a:r>
@@ -10662,9 +10476,9 @@
                   <a:schemeClr val="tx1"/>
                 </a:solidFill>
                 <a:effectLst/>
-                <a:latin typeface="Arial" pitchFamily="34" charset="0"/>
-                <a:ea typeface="宋体" pitchFamily="2" charset="-122"/>
-                <a:cs typeface="宋体" pitchFamily="2" charset="-122"/>
+                <a:latin typeface="Arial" panose="020B0604020202020204" pitchFamily="34" charset="0"/>
+                <a:ea typeface="宋体" panose="02010600030101010101" pitchFamily="2" charset="-122"/>
+                <a:cs typeface="宋体" panose="02010600030101010101" pitchFamily="2" charset="-122"/>
               </a:endParaRPr>
             </a:p>
             <a:p>
@@ -10682,7 +10496,6 @@
                 <a:buSzTx/>
                 <a:buFontTx/>
                 <a:buNone/>
-                <a:tabLst/>
               </a:pPr>
               <a:r>
                 <a:rPr kumimoji="0" lang="zh-CN" altLang="en-US" sz="1600" b="0" i="0" u="none" strike="noStrike" cap="none" normalizeH="0" baseline="0" dirty="0" smtClean="0">
@@ -10693,9 +10506,9 @@
                     <a:schemeClr val="tx1"/>
                   </a:solidFill>
                   <a:effectLst/>
-                  <a:latin typeface="Calibri" pitchFamily="34" charset="0"/>
-                  <a:ea typeface="宋体" pitchFamily="2" charset="-122"/>
-                  <a:cs typeface="Calibri" pitchFamily="34" charset="0"/>
+                  <a:latin typeface="Calibri" panose="020F0502020204030204" pitchFamily="34" charset="0"/>
+                  <a:ea typeface="宋体" panose="02010600030101010101" pitchFamily="2" charset="-122"/>
+                  <a:cs typeface="Calibri" panose="020F0502020204030204" pitchFamily="34" charset="0"/>
                 </a:rPr>
                 <a:t>    （</a:t>
               </a:r>
@@ -10708,9 +10521,9 @@
                     <a:schemeClr val="tx1"/>
                   </a:solidFill>
                   <a:effectLst/>
-                  <a:latin typeface="Calibri" pitchFamily="34" charset="0"/>
-                  <a:ea typeface="宋体" pitchFamily="2" charset="-122"/>
-                  <a:cs typeface="Calibri" pitchFamily="34" charset="0"/>
+                  <a:latin typeface="Calibri" panose="020F0502020204030204" pitchFamily="34" charset="0"/>
+                  <a:ea typeface="宋体" panose="02010600030101010101" pitchFamily="2" charset="-122"/>
+                  <a:cs typeface="Calibri" panose="020F0502020204030204" pitchFamily="34" charset="0"/>
                 </a:rPr>
                 <a:t>Logical View</a:t>
               </a:r>
@@ -10723,9 +10536,9 @@
                     <a:schemeClr val="tx1"/>
                   </a:solidFill>
                   <a:effectLst/>
-                  <a:latin typeface="Calibri" pitchFamily="34" charset="0"/>
-                  <a:ea typeface="宋体" pitchFamily="2" charset="-122"/>
-                  <a:cs typeface="Calibri" pitchFamily="34" charset="0"/>
+                  <a:latin typeface="Calibri" panose="020F0502020204030204" pitchFamily="34" charset="0"/>
+                  <a:ea typeface="宋体" panose="02010600030101010101" pitchFamily="2" charset="-122"/>
+                  <a:cs typeface="Calibri" panose="020F0502020204030204" pitchFamily="34" charset="0"/>
                 </a:rPr>
                 <a:t>）</a:t>
               </a:r>
@@ -10737,9 +10550,9 @@
                   <a:schemeClr val="tx1"/>
                 </a:solidFill>
                 <a:effectLst/>
-                <a:latin typeface="Arial" pitchFamily="34" charset="0"/>
-                <a:ea typeface="宋体" pitchFamily="2" charset="-122"/>
-                <a:cs typeface="宋体" pitchFamily="2" charset="-122"/>
+                <a:latin typeface="Arial" panose="020B0604020202020204" pitchFamily="34" charset="0"/>
+                <a:ea typeface="宋体" panose="02010600030101010101" pitchFamily="2" charset="-122"/>
+                <a:cs typeface="宋体" panose="02010600030101010101" pitchFamily="2" charset="-122"/>
               </a:endParaRPr>
             </a:p>
           </p:txBody>
@@ -10768,16 +10581,10 @@
                 <a:srgbClr val="000000"/>
               </a:solidFill>
               <a:miter lim="800000"/>
-              <a:headEnd/>
-              <a:tailEnd/>
             </a:ln>
           </p:spPr>
           <p:txBody>
-            <a:bodyPr vert="horz" wrap="square" lIns="91440" tIns="45720" rIns="91440" bIns="45720" numCol="1" anchor="t" anchorCtr="0" compatLnSpc="1">
-              <a:prstTxWarp prst="textNoShape">
-                <a:avLst/>
-              </a:prstTxWarp>
-            </a:bodyPr>
+            <a:bodyPr vert="horz" wrap="square" lIns="91440" tIns="45720" rIns="91440" bIns="45720" numCol="1" anchor="t" anchorCtr="0" compatLnSpc="1"/>
             <a:lstStyle/>
             <a:p>
               <a:pPr marL="0" marR="0" lvl="0" indent="0" algn="l" defTabSz="914400" rtl="0" eaLnBrk="1" fontAlgn="base" latinLnBrk="0" hangingPunct="1">
@@ -10794,7 +10601,6 @@
                 <a:buSzTx/>
                 <a:buFontTx/>
                 <a:buNone/>
-                <a:tabLst/>
               </a:pPr>
               <a:r>
                 <a:rPr kumimoji="0" lang="en-US" altLang="zh-CN" sz="1600" b="0" i="0" u="none" strike="noStrike" cap="none" normalizeH="0" baseline="0" dirty="0" smtClean="0">
@@ -10805,9 +10611,9 @@
                     <a:schemeClr val="tx1"/>
                   </a:solidFill>
                   <a:effectLst/>
-                  <a:latin typeface="Calibri" pitchFamily="34" charset="0"/>
-                  <a:ea typeface="宋体" pitchFamily="2" charset="-122"/>
-                  <a:cs typeface="Calibri" pitchFamily="34" charset="0"/>
+                  <a:latin typeface="Calibri" panose="020F0502020204030204" pitchFamily="34" charset="0"/>
+                  <a:ea typeface="宋体" panose="02010600030101010101" pitchFamily="2" charset="-122"/>
+                  <a:cs typeface="Calibri" panose="020F0502020204030204" pitchFamily="34" charset="0"/>
                 </a:rPr>
                 <a:t>        </a:t>
               </a:r>
@@ -10820,9 +10626,9 @@
                     <a:schemeClr val="tx1"/>
                   </a:solidFill>
                   <a:effectLst/>
-                  <a:latin typeface="Calibri" pitchFamily="34" charset="0"/>
-                  <a:ea typeface="宋体" pitchFamily="2" charset="-122"/>
-                  <a:cs typeface="Calibri" pitchFamily="34" charset="0"/>
+                  <a:latin typeface="Calibri" panose="020F0502020204030204" pitchFamily="34" charset="0"/>
+                  <a:ea typeface="宋体" panose="02010600030101010101" pitchFamily="2" charset="-122"/>
+                  <a:cs typeface="Calibri" panose="020F0502020204030204" pitchFamily="34" charset="0"/>
                 </a:rPr>
                 <a:t>实现视图</a:t>
               </a:r>
@@ -10834,9 +10640,9 @@
                   <a:schemeClr val="tx1"/>
                 </a:solidFill>
                 <a:effectLst/>
-                <a:latin typeface="Arial" pitchFamily="34" charset="0"/>
-                <a:ea typeface="宋体" pitchFamily="2" charset="-122"/>
-                <a:cs typeface="宋体" pitchFamily="2" charset="-122"/>
+                <a:latin typeface="Arial" panose="020B0604020202020204" pitchFamily="34" charset="0"/>
+                <a:ea typeface="宋体" panose="02010600030101010101" pitchFamily="2" charset="-122"/>
+                <a:cs typeface="宋体" panose="02010600030101010101" pitchFamily="2" charset="-122"/>
               </a:endParaRPr>
             </a:p>
             <a:p>
@@ -10854,7 +10660,6 @@
                 <a:buSzTx/>
                 <a:buFontTx/>
                 <a:buNone/>
-                <a:tabLst/>
               </a:pPr>
               <a:r>
                 <a:rPr kumimoji="0" lang="en-US" altLang="zh-CN" sz="1600" b="0" i="0" u="none" strike="noStrike" cap="none" normalizeH="0" baseline="0" dirty="0" err="1" smtClean="0">
@@ -10865,9 +10670,9 @@
                     <a:schemeClr val="tx1"/>
                   </a:solidFill>
                   <a:effectLst/>
-                  <a:latin typeface="Calibri" pitchFamily="34" charset="0"/>
-                  <a:ea typeface="宋体" pitchFamily="2" charset="-122"/>
-                  <a:cs typeface="Calibri" pitchFamily="34" charset="0"/>
+                  <a:latin typeface="Calibri" panose="020F0502020204030204" pitchFamily="34" charset="0"/>
+                  <a:ea typeface="宋体" panose="02010600030101010101" pitchFamily="2" charset="-122"/>
+                  <a:cs typeface="Calibri" panose="020F0502020204030204" pitchFamily="34" charset="0"/>
                 </a:rPr>
                 <a:t>ImplementationV</a:t>
               </a:r>
@@ -10880,12 +10685,24 @@
                     <a:schemeClr val="tx1"/>
                   </a:solidFill>
                   <a:effectLst/>
-                  <a:latin typeface="Calibri" pitchFamily="34" charset="0"/>
-                  <a:ea typeface="宋体" pitchFamily="2" charset="-122"/>
-                  <a:cs typeface="Calibri" pitchFamily="34" charset="0"/>
+                  <a:latin typeface="Calibri" panose="020F0502020204030204" pitchFamily="34" charset="0"/>
+                  <a:ea typeface="宋体" panose="02010600030101010101" pitchFamily="2" charset="-122"/>
+                  <a:cs typeface="Calibri" panose="020F0502020204030204" pitchFamily="34" charset="0"/>
                 </a:rPr>
                 <a:t>  </a:t>
               </a:r>
+              <a:endParaRPr kumimoji="0" lang="en-US" altLang="zh-CN" sz="1600" b="0" i="0" u="none" strike="noStrike" cap="none" normalizeH="0" baseline="0" dirty="0" smtClean="0">
+                <a:ln>
+                  <a:noFill/>
+                </a:ln>
+                <a:solidFill>
+                  <a:schemeClr val="tx1"/>
+                </a:solidFill>
+                <a:effectLst/>
+                <a:latin typeface="Calibri" panose="020F0502020204030204" pitchFamily="34" charset="0"/>
+                <a:ea typeface="宋体" panose="02010600030101010101" pitchFamily="2" charset="-122"/>
+                <a:cs typeface="Calibri" panose="020F0502020204030204" pitchFamily="34" charset="0"/>
+              </a:endParaRPr>
             </a:p>
             <a:p>
               <a:pPr marL="0" marR="0" lvl="0" indent="0" algn="l" defTabSz="914400" rtl="0" eaLnBrk="0" fontAlgn="base" latinLnBrk="0" hangingPunct="0">
@@ -10902,7 +10719,6 @@
                 <a:buSzTx/>
                 <a:buFontTx/>
                 <a:buNone/>
-                <a:tabLst/>
               </a:pPr>
               <a:r>
                 <a:rPr kumimoji="0" lang="en-US" altLang="zh-CN" sz="1600" b="0" i="0" u="none" strike="noStrike" cap="none" normalizeH="0" baseline="0" dirty="0" smtClean="0">
@@ -10913,9 +10729,9 @@
                     <a:schemeClr val="tx1"/>
                   </a:solidFill>
                   <a:effectLst/>
-                  <a:latin typeface="Calibri" pitchFamily="34" charset="0"/>
-                  <a:ea typeface="宋体" pitchFamily="2" charset="-122"/>
-                  <a:cs typeface="Calibri" pitchFamily="34" charset="0"/>
+                  <a:latin typeface="Calibri" panose="020F0502020204030204" pitchFamily="34" charset="0"/>
+                  <a:ea typeface="宋体" panose="02010600030101010101" pitchFamily="2" charset="-122"/>
+                  <a:cs typeface="Calibri" panose="020F0502020204030204" pitchFamily="34" charset="0"/>
                 </a:rPr>
                 <a:t>            </a:t>
               </a:r>
@@ -10928,9 +10744,9 @@
                     <a:schemeClr val="tx1"/>
                   </a:solidFill>
                   <a:effectLst/>
-                  <a:latin typeface="Calibri" pitchFamily="34" charset="0"/>
-                  <a:ea typeface="宋体" pitchFamily="2" charset="-122"/>
-                  <a:cs typeface="Calibri" pitchFamily="34" charset="0"/>
+                  <a:latin typeface="Calibri" panose="020F0502020204030204" pitchFamily="34" charset="0"/>
+                  <a:ea typeface="宋体" panose="02010600030101010101" pitchFamily="2" charset="-122"/>
+                  <a:cs typeface="Calibri" panose="020F0502020204030204" pitchFamily="34" charset="0"/>
                 </a:rPr>
                 <a:t>iew</a:t>
               </a:r>
@@ -10942,9 +10758,9 @@
                   <a:schemeClr val="tx1"/>
                 </a:solidFill>
                 <a:effectLst/>
-                <a:latin typeface="Arial" pitchFamily="34" charset="0"/>
-                <a:ea typeface="宋体" pitchFamily="2" charset="-122"/>
-                <a:cs typeface="宋体" pitchFamily="2" charset="-122"/>
+                <a:latin typeface="Arial" panose="020B0604020202020204" pitchFamily="34" charset="0"/>
+                <a:ea typeface="宋体" panose="02010600030101010101" pitchFamily="2" charset="-122"/>
+                <a:cs typeface="宋体" panose="02010600030101010101" pitchFamily="2" charset="-122"/>
               </a:endParaRPr>
             </a:p>
           </p:txBody>
@@ -10973,16 +10789,10 @@
                 <a:srgbClr val="000000"/>
               </a:solidFill>
               <a:miter lim="800000"/>
-              <a:headEnd/>
-              <a:tailEnd/>
             </a:ln>
           </p:spPr>
           <p:txBody>
-            <a:bodyPr vert="horz" wrap="square" lIns="91440" tIns="45720" rIns="91440" bIns="45720" numCol="1" anchor="t" anchorCtr="0" compatLnSpc="1">
-              <a:prstTxWarp prst="textNoShape">
-                <a:avLst/>
-              </a:prstTxWarp>
-            </a:bodyPr>
+            <a:bodyPr vert="horz" wrap="square" lIns="91440" tIns="45720" rIns="91440" bIns="45720" numCol="1" anchor="t" anchorCtr="0" compatLnSpc="1"/>
             <a:lstStyle/>
             <a:p>
               <a:pPr lvl="0" fontAlgn="base">
@@ -11028,9 +10838,9 @@
                   <a:schemeClr val="tx1"/>
                 </a:solidFill>
                 <a:effectLst/>
-                <a:latin typeface="Arial" pitchFamily="34" charset="0"/>
-                <a:ea typeface="宋体" pitchFamily="2" charset="-122"/>
-                <a:cs typeface="宋体" pitchFamily="2" charset="-122"/>
+                <a:latin typeface="Arial" panose="020B0604020202020204" pitchFamily="34" charset="0"/>
+                <a:ea typeface="宋体" panose="02010600030101010101" pitchFamily="2" charset="-122"/>
+                <a:cs typeface="宋体" panose="02010600030101010101" pitchFamily="2" charset="-122"/>
               </a:endParaRPr>
             </a:p>
           </p:txBody>
@@ -11059,16 +10869,10 @@
                 <a:srgbClr val="000000"/>
               </a:solidFill>
               <a:miter lim="800000"/>
-              <a:headEnd/>
-              <a:tailEnd/>
             </a:ln>
           </p:spPr>
           <p:txBody>
-            <a:bodyPr vert="horz" wrap="square" lIns="91440" tIns="45720" rIns="91440" bIns="45720" numCol="1" anchor="t" anchorCtr="0" compatLnSpc="1">
-              <a:prstTxWarp prst="textNoShape">
-                <a:avLst/>
-              </a:prstTxWarp>
-            </a:bodyPr>
+            <a:bodyPr vert="horz" wrap="square" lIns="91440" tIns="45720" rIns="91440" bIns="45720" numCol="1" anchor="t" anchorCtr="0" compatLnSpc="1"/>
             <a:lstStyle/>
             <a:p>
               <a:pPr lvl="0" fontAlgn="base">
@@ -11118,9 +10922,9 @@
                   <a:schemeClr val="tx1"/>
                 </a:solidFill>
                 <a:effectLst/>
-                <a:latin typeface="Arial" pitchFamily="34" charset="0"/>
-                <a:ea typeface="宋体" pitchFamily="2" charset="-122"/>
-                <a:cs typeface="宋体" pitchFamily="2" charset="-122"/>
+                <a:latin typeface="Arial" panose="020B0604020202020204" pitchFamily="34" charset="0"/>
+                <a:ea typeface="宋体" panose="02010600030101010101" pitchFamily="2" charset="-122"/>
+                <a:cs typeface="宋体" panose="02010600030101010101" pitchFamily="2" charset="-122"/>
               </a:endParaRPr>
             </a:p>
           </p:txBody>
@@ -11149,16 +10953,10 @@
                 <a:srgbClr val="000000"/>
               </a:solidFill>
               <a:round/>
-              <a:headEnd/>
-              <a:tailEnd/>
             </a:ln>
           </p:spPr>
           <p:txBody>
-            <a:bodyPr vert="horz" wrap="square" lIns="91440" tIns="45720" rIns="91440" bIns="45720" numCol="1" anchor="t" anchorCtr="0" compatLnSpc="1">
-              <a:prstTxWarp prst="textNoShape">
-                <a:avLst/>
-              </a:prstTxWarp>
-            </a:bodyPr>
+            <a:bodyPr vert="horz" wrap="square" lIns="91440" tIns="45720" rIns="91440" bIns="45720" numCol="1" anchor="t" anchorCtr="0" compatLnSpc="1"/>
             <a:lstStyle/>
             <a:p>
               <a:pPr marL="0" marR="0" lvl="0" indent="0" algn="l" defTabSz="914400" rtl="0" eaLnBrk="1" fontAlgn="base" latinLnBrk="0" hangingPunct="1">
@@ -11175,7 +10973,6 @@
                 <a:buSzTx/>
                 <a:buFontTx/>
                 <a:buNone/>
-                <a:tabLst/>
               </a:pPr>
               <a:r>
                 <a:rPr kumimoji="0" lang="en-US" altLang="zh-CN" sz="1600" b="0" i="0" u="none" strike="noStrike" cap="none" normalizeH="0" baseline="0" dirty="0" smtClean="0">
@@ -11186,9 +10983,9 @@
                     <a:schemeClr val="tx1"/>
                   </a:solidFill>
                   <a:effectLst/>
-                  <a:latin typeface="Calibri" pitchFamily="34" charset="0"/>
-                  <a:ea typeface="宋体" pitchFamily="2" charset="-122"/>
-                  <a:cs typeface="Calibri" pitchFamily="34" charset="0"/>
+                  <a:latin typeface="Calibri" panose="020F0502020204030204" pitchFamily="34" charset="0"/>
+                  <a:ea typeface="宋体" panose="02010600030101010101" pitchFamily="2" charset="-122"/>
+                  <a:cs typeface="Calibri" panose="020F0502020204030204" pitchFamily="34" charset="0"/>
                 </a:rPr>
                 <a:t>  </a:t>
               </a:r>
@@ -11201,9 +10998,9 @@
                     <a:schemeClr val="tx1"/>
                   </a:solidFill>
                   <a:effectLst/>
-                  <a:latin typeface="Calibri" pitchFamily="34" charset="0"/>
-                  <a:ea typeface="宋体" pitchFamily="2" charset="-122"/>
-                  <a:cs typeface="Calibri" pitchFamily="34" charset="0"/>
+                  <a:latin typeface="Calibri" panose="020F0502020204030204" pitchFamily="34" charset="0"/>
+                  <a:ea typeface="宋体" panose="02010600030101010101" pitchFamily="2" charset="-122"/>
+                  <a:cs typeface="Calibri" panose="020F0502020204030204" pitchFamily="34" charset="0"/>
                 </a:rPr>
                 <a:t>用例视图</a:t>
               </a:r>
@@ -11215,9 +11012,9 @@
                   <a:schemeClr val="tx1"/>
                 </a:solidFill>
                 <a:effectLst/>
-                <a:latin typeface="Arial" pitchFamily="34" charset="0"/>
-                <a:ea typeface="宋体" pitchFamily="2" charset="-122"/>
-                <a:cs typeface="宋体" pitchFamily="2" charset="-122"/>
+                <a:latin typeface="Arial" panose="020B0604020202020204" pitchFamily="34" charset="0"/>
+                <a:ea typeface="宋体" panose="02010600030101010101" pitchFamily="2" charset="-122"/>
+                <a:cs typeface="宋体" panose="02010600030101010101" pitchFamily="2" charset="-122"/>
               </a:endParaRPr>
             </a:p>
             <a:p>
@@ -11235,7 +11032,6 @@
                 <a:buSzTx/>
                 <a:buFontTx/>
                 <a:buNone/>
-                <a:tabLst/>
               </a:pPr>
               <a:r>
                 <a:rPr kumimoji="0" lang="zh-CN" altLang="en-US" sz="1600" b="0" i="0" u="none" strike="noStrike" cap="none" normalizeH="0" baseline="0" dirty="0" smtClean="0">
@@ -11246,9 +11042,9 @@
                     <a:schemeClr val="tx1"/>
                   </a:solidFill>
                   <a:effectLst/>
-                  <a:latin typeface="Calibri" pitchFamily="34" charset="0"/>
-                  <a:ea typeface="宋体" pitchFamily="2" charset="-122"/>
-                  <a:cs typeface="Calibri" pitchFamily="34" charset="0"/>
+                  <a:latin typeface="Calibri" panose="020F0502020204030204" pitchFamily="34" charset="0"/>
+                  <a:ea typeface="宋体" panose="02010600030101010101" pitchFamily="2" charset="-122"/>
+                  <a:cs typeface="Calibri" panose="020F0502020204030204" pitchFamily="34" charset="0"/>
                 </a:rPr>
                 <a:t>（</a:t>
               </a:r>
@@ -11261,9 +11057,9 @@
                     <a:schemeClr val="tx1"/>
                   </a:solidFill>
                   <a:effectLst/>
-                  <a:latin typeface="Calibri" pitchFamily="34" charset="0"/>
-                  <a:ea typeface="宋体" pitchFamily="2" charset="-122"/>
-                  <a:cs typeface="Calibri" pitchFamily="34" charset="0"/>
+                  <a:latin typeface="Calibri" panose="020F0502020204030204" pitchFamily="34" charset="0"/>
+                  <a:ea typeface="宋体" panose="02010600030101010101" pitchFamily="2" charset="-122"/>
+                  <a:cs typeface="Calibri" panose="020F0502020204030204" pitchFamily="34" charset="0"/>
                 </a:rPr>
                 <a:t>Use Case View</a:t>
               </a:r>
@@ -11276,9 +11072,9 @@
                     <a:schemeClr val="tx1"/>
                   </a:solidFill>
                   <a:effectLst/>
-                  <a:latin typeface="Calibri" pitchFamily="34" charset="0"/>
-                  <a:ea typeface="宋体" pitchFamily="2" charset="-122"/>
-                  <a:cs typeface="Calibri" pitchFamily="34" charset="0"/>
+                  <a:latin typeface="Calibri" panose="020F0502020204030204" pitchFamily="34" charset="0"/>
+                  <a:ea typeface="宋体" panose="02010600030101010101" pitchFamily="2" charset="-122"/>
+                  <a:cs typeface="Calibri" panose="020F0502020204030204" pitchFamily="34" charset="0"/>
                 </a:rPr>
                 <a:t>）</a:t>
               </a:r>
@@ -11290,9 +11086,9 @@
                   <a:schemeClr val="tx1"/>
                 </a:solidFill>
                 <a:effectLst/>
-                <a:latin typeface="Arial" pitchFamily="34" charset="0"/>
-                <a:ea typeface="宋体" pitchFamily="2" charset="-122"/>
-                <a:cs typeface="宋体" pitchFamily="2" charset="-122"/>
+                <a:latin typeface="Arial" panose="020B0604020202020204" pitchFamily="34" charset="0"/>
+                <a:ea typeface="宋体" panose="02010600030101010101" pitchFamily="2" charset="-122"/>
+                <a:cs typeface="宋体" panose="02010600030101010101" pitchFamily="2" charset="-122"/>
               </a:endParaRPr>
             </a:p>
           </p:txBody>
@@ -11383,6 +11179,7 @@
               <a:rPr lang="zh-CN" altLang="zh-CN" dirty="0" smtClean="0"/>
               <a:t>的服务。</a:t>
             </a:r>
+            <a:endParaRPr lang="zh-CN" altLang="zh-CN" dirty="0" smtClean="0"/>
           </a:p>
           <a:p>
             <a:pPr>
@@ -11396,6 +11193,7 @@
               <a:rPr lang="zh-CN" altLang="zh-CN" dirty="0" smtClean="0"/>
               <a:t>还可以用来描述非软件系统，如一个机构的组成或机构中的工作流程。</a:t>
             </a:r>
+            <a:endParaRPr lang="zh-CN" altLang="zh-CN" dirty="0" smtClean="0"/>
           </a:p>
           <a:p>
             <a:endParaRPr lang="zh-CN" altLang="en-US" dirty="0"/>
@@ -11494,6 +11292,7 @@
               <a:rPr lang="zh-CN" altLang="zh-CN" dirty="0" smtClean="0"/>
               <a:t>在系统开发各个阶段的应用：</a:t>
             </a:r>
+            <a:endParaRPr lang="zh-CN" altLang="zh-CN" dirty="0" smtClean="0"/>
           </a:p>
           <a:p>
             <a:pPr marL="514350" indent="-514350">
@@ -11512,6 +11311,7 @@
               <a:rPr lang="zh-CN" altLang="zh-CN" dirty="0" smtClean="0"/>
               <a:t>用例图来描述</a:t>
             </a:r>
+            <a:endParaRPr lang="zh-CN" altLang="zh-CN" dirty="0" smtClean="0"/>
           </a:p>
           <a:p>
             <a:pPr marL="514350" indent="-514350">
@@ -11522,6 +11322,7 @@
               <a:rPr lang="zh-CN" altLang="zh-CN" dirty="0" smtClean="0"/>
               <a:t>设计阶段：引入具体的类来处理用户接口，数据库存取，通信和并行性等问题</a:t>
             </a:r>
+            <a:endParaRPr lang="zh-CN" altLang="zh-CN" dirty="0" smtClean="0"/>
           </a:p>
           <a:p>
             <a:pPr marL="514350" indent="-514350">
@@ -11532,6 +11333,7 @@
               <a:rPr lang="zh-CN" altLang="zh-CN" dirty="0" smtClean="0"/>
               <a:t>实现阶段：用面向对象程序设计语言将来自设计阶段的类转化为实际的代码</a:t>
             </a:r>
+            <a:endParaRPr lang="zh-CN" altLang="zh-CN" dirty="0" smtClean="0"/>
           </a:p>
           <a:p>
             <a:pPr marL="514350" indent="-514350">
@@ -11550,6 +11352,7 @@
               <a:rPr lang="zh-CN" altLang="zh-CN" dirty="0" smtClean="0"/>
               <a:t>模型作为生成测试用例的依据。如单元测试时使用类和类规格说明，集成测试时使用构件图和协作图，系统测试时使用用例图来验证系统的行为等。</a:t>
             </a:r>
+            <a:endParaRPr lang="zh-CN" altLang="zh-CN" dirty="0" smtClean="0"/>
           </a:p>
           <a:p>
             <a:endParaRPr lang="zh-CN" altLang="en-US" dirty="0"/>
@@ -11717,6 +11520,7 @@
               <a:rPr lang="zh-CN" altLang="en-US" dirty="0"/>
               <a:t>：是开放源代码项目，可以获得其源代码。</a:t>
             </a:r>
+            <a:endParaRPr lang="zh-CN" altLang="en-US" dirty="0"/>
           </a:p>
           <a:p>
             <a:endParaRPr lang="zh-CN" altLang="en-US" dirty="0"/>
@@ -11759,11 +11563,6 @@
         </p:txBody>
       </p:sp>
     </p:spTree>
-    <p:extLst>
-      <p:ext uri="{BB962C8B-B14F-4D97-AF65-F5344CB8AC3E}">
-        <p14:creationId xmlns:p14="http://schemas.microsoft.com/office/powerpoint/2010/main" val="232210226"/>
-      </p:ext>
-    </p:extLst>
   </p:cSld>
   <p:clrMapOvr>
     <a:masterClrMapping/>
@@ -11820,18 +11619,21 @@
               <a:rPr lang="zh-CN" altLang="en-US" dirty="0"/>
               <a:t>工具：</a:t>
             </a:r>
+            <a:endParaRPr lang="zh-CN" altLang="en-US" dirty="0"/>
           </a:p>
           <a:p>
             <a:r>
               <a:rPr lang="en-US" altLang="zh-CN" dirty="0"/>
               <a:t>Enterprise Architect 13</a:t>
             </a:r>
+            <a:endParaRPr lang="en-US" altLang="zh-CN" dirty="0"/>
           </a:p>
           <a:p>
             <a:r>
               <a:rPr lang="en-US" altLang="zh-CN" dirty="0"/>
               <a:t>Rational Software Architect 9.5</a:t>
             </a:r>
+            <a:endParaRPr lang="en-US" altLang="zh-CN" dirty="0"/>
           </a:p>
           <a:p>
             <a:r>
@@ -11854,18 +11656,21 @@
               <a:rPr lang="en-US" altLang="zh-CN" dirty="0"/>
               <a:t>	</a:t>
             </a:r>
+            <a:endParaRPr lang="en-US" altLang="zh-CN" dirty="0"/>
           </a:p>
           <a:p>
             <a:r>
               <a:rPr lang="en-US" altLang="zh-CN" dirty="0"/>
               <a:t>Rational Rhapsody 8.1.5</a:t>
             </a:r>
+            <a:endParaRPr lang="en-US" altLang="zh-CN" dirty="0"/>
           </a:p>
           <a:p>
             <a:r>
               <a:rPr lang="en-US" altLang="zh-CN" dirty="0"/>
               <a:t>Visual Paradigm for UML 13.2</a:t>
             </a:r>
+            <a:endParaRPr lang="en-US" altLang="zh-CN" dirty="0"/>
           </a:p>
           <a:p>
             <a:r>
@@ -11876,12 +11681,14 @@
               <a:rPr lang="en-US" altLang="zh-CN" dirty="0"/>
               <a:t> UML 7.1</a:t>
             </a:r>
+            <a:endParaRPr lang="en-US" altLang="zh-CN" dirty="0"/>
           </a:p>
           <a:p>
             <a:r>
               <a:rPr lang="en-US" altLang="zh-CN" dirty="0"/>
               <a:t>StarUML2 2.7.0</a:t>
             </a:r>
+            <a:endParaRPr lang="en-US" altLang="zh-CN" dirty="0"/>
           </a:p>
           <a:p>
             <a:endParaRPr lang="zh-CN" altLang="en-US" dirty="0"/>
@@ -11925,7 +11732,7 @@
             </a:r>
             <a:r>
               <a:rPr lang="en-US" altLang="zh-CN" baseline="-25000" dirty="0" smtClean="0">
-                <a:hlinkClick r:id="rId2" action="ppaction://hlinksldjump"/>
+                <a:hlinkClick r:id="rId1" action="ppaction://hlinksldjump"/>
               </a:rPr>
               <a:t>4</a:t>
             </a:r>
@@ -11934,11 +11741,6 @@
         </p:txBody>
       </p:sp>
     </p:spTree>
-    <p:extLst>
-      <p:ext uri="{BB962C8B-B14F-4D97-AF65-F5344CB8AC3E}">
-        <p14:creationId xmlns:p14="http://schemas.microsoft.com/office/powerpoint/2010/main" val="3101192727"/>
-      </p:ext>
-    </p:extLst>
   </p:cSld>
   <p:clrMapOvr>
     <a:masterClrMapping/>
@@ -12003,7 +11805,7 @@
             </a:r>
             <a:r>
               <a:rPr lang="en-US" altLang="zh-CN" dirty="0" smtClean="0">
-                <a:hlinkClick r:id="rId2"/>
+                <a:hlinkClick r:id="rId1"/>
               </a:rPr>
               <a:t>https://zh.wikipedia.org/wiki/%E7%BB%9F%E4%B8%80%E5%BB%BA%E6%A8%A1%E8%AF%AD%E8%A8%80</a:t>
             </a:r>
@@ -12027,11 +11829,7 @@
             </a:r>
             <a:r>
               <a:rPr lang="zh-CN" altLang="zh-CN" dirty="0" smtClean="0"/>
-              <a:t>方法实践（杜育根 机械工业出版社</a:t>
-            </a:r>
-            <a:r>
-              <a:rPr lang="zh-CN" altLang="zh-CN" dirty="0" smtClean="0"/>
-              <a:t>）</a:t>
+              <a:t>方法实践（杜育根 机械工业出版社）</a:t>
             </a:r>
             <a:endParaRPr lang="en-US" altLang="zh-CN" dirty="0" smtClean="0"/>
           </a:p>
@@ -12041,11 +11839,7 @@
             </a:pPr>
             <a:r>
               <a:rPr lang="en-US" altLang="zh-CN" dirty="0" smtClean="0"/>
-              <a:t>	</a:t>
-            </a:r>
-            <a:r>
-              <a:rPr lang="en-US" altLang="zh-CN" dirty="0" smtClean="0"/>
-              <a:t>[3]</a:t>
+              <a:t>	[3]</a:t>
             </a:r>
             <a:r>
               <a:rPr lang="zh-CN" altLang="en-US" dirty="0" smtClean="0"/>
@@ -12065,19 +11859,19 @@
             </a:r>
             <a:r>
               <a:rPr lang="en-US" altLang="zh-CN" dirty="0" smtClean="0">
-                <a:hlinkClick r:id="rId3"/>
+                <a:hlinkClick r:id="rId2"/>
               </a:rPr>
               <a:t>http</a:t>
             </a:r>
             <a:r>
               <a:rPr lang="en-US" altLang="zh-CN" dirty="0">
-                <a:hlinkClick r:id="rId3"/>
+                <a:hlinkClick r:id="rId2"/>
               </a:rPr>
               <a:t>://</a:t>
             </a:r>
             <a:r>
               <a:rPr lang="en-US" altLang="zh-CN" dirty="0" smtClean="0">
-                <a:hlinkClick r:id="rId3"/>
+                <a:hlinkClick r:id="rId2"/>
               </a:rPr>
               <a:t>www.umlchina.com/Tools/Newindex1.htm</a:t>
             </a:r>
@@ -12129,7 +11923,7 @@
           <p:nvPr/>
         </p:nvPicPr>
         <p:blipFill>
-          <a:blip r:embed="rId4">
+          <a:blip r:embed="rId3">
             <a:extLst>
               <a:ext uri="{28A0092B-C50C-407E-A947-70E740481C1C}">
                 <a14:useLocalDpi xmlns:a14="http://schemas.microsoft.com/office/drawing/2010/main" val="0"/>
@@ -12296,11 +12090,6 @@
         </p:txBody>
       </p:sp>
     </p:spTree>
-    <p:extLst>
-      <p:ext uri="{BB962C8B-B14F-4D97-AF65-F5344CB8AC3E}">
-        <p14:creationId xmlns:p14="http://schemas.microsoft.com/office/powerpoint/2010/main" val="661627350"/>
-      </p:ext>
-    </p:extLst>
   </p:cSld>
   <p:clrMapOvr>
     <a:masterClrMapping/>
@@ -12494,21 +12283,31 @@
         <p:spPr/>
         <p:txBody>
           <a:bodyPr>
-            <a:normAutofit fontScale="90000"/>
+            <a:normAutofit/>
           </a:bodyPr>
           <a:lstStyle/>
           <a:p>
             <a:r>
+              <a:rPr lang="zh-CN" altLang="en-US" dirty="0" smtClean="0">
+                <a:sym typeface="+mn-ea"/>
+              </a:rPr>
+              <a:t>詹姆士</a:t>
+            </a:r>
+            <a:r>
+              <a:rPr lang="en-US" altLang="zh-CN" dirty="0" smtClean="0">
+                <a:sym typeface="+mn-ea"/>
+              </a:rPr>
+              <a:t>·</a:t>
+            </a:r>
+            <a:r>
+              <a:rPr lang="zh-CN" altLang="en-US" dirty="0" smtClean="0">
+                <a:sym typeface="+mn-ea"/>
+              </a:rPr>
+              <a:t>兰宝</a:t>
+            </a:r>
+            <a:r>
               <a:rPr lang="zh-CN" altLang="en-US" dirty="0" smtClean="0"/>
-              <a:t>伊瓦尔</a:t>
-            </a:r>
-            <a:r>
-              <a:rPr lang="en-US" altLang="zh-CN" dirty="0" smtClean="0"/>
-              <a:t>·</a:t>
-            </a:r>
-            <a:r>
-              <a:rPr lang="zh-CN" altLang="en-US" dirty="0" smtClean="0"/>
-              <a:t>雅各布森（</a:t>
+              <a:t>（</a:t>
             </a:r>
             <a:r>
               <a:rPr lang="en-US" altLang="zh-CN" dirty="0" smtClean="0"/>
@@ -12535,7 +12334,7 @@
           <p:nvPr/>
         </p:nvPicPr>
         <p:blipFill>
-          <a:blip r:embed="rId2" cstate="print"/>
+          <a:blip r:embed="rId1" cstate="print"/>
           <a:srcRect/>
           <a:stretch>
             <a:fillRect/>
@@ -12666,6 +12465,7 @@
               <a:rPr lang="zh-CN" altLang="zh-CN" dirty="0" smtClean="0"/>
               <a:t>行业影响深远。</a:t>
             </a:r>
+            <a:endParaRPr lang="zh-CN" altLang="zh-CN" dirty="0" smtClean="0"/>
           </a:p>
           <a:p>
             <a:endParaRPr lang="zh-CN" altLang="en-US" dirty="0"/>
@@ -12688,16 +12488,26 @@
           <a:lstStyle/>
           <a:p>
             <a:r>
+              <a:rPr lang="zh-CN" altLang="en-US" dirty="0" smtClean="0">
+                <a:sym typeface="+mn-ea"/>
+              </a:rPr>
+              <a:t>伊瓦尔</a:t>
+            </a:r>
+            <a:r>
+              <a:rPr lang="en-US" altLang="zh-CN" dirty="0" smtClean="0">
+                <a:sym typeface="+mn-ea"/>
+              </a:rPr>
+              <a:t>·</a:t>
+            </a:r>
+            <a:r>
+              <a:rPr lang="zh-CN" altLang="en-US" dirty="0" smtClean="0">
+                <a:sym typeface="+mn-ea"/>
+              </a:rPr>
+              <a:t>雅各布森</a:t>
+            </a:r>
+            <a:r>
               <a:rPr lang="zh-CN" altLang="en-US" dirty="0" smtClean="0"/>
-              <a:t>詹姆士</a:t>
-            </a:r>
-            <a:r>
-              <a:rPr lang="en-US" altLang="zh-CN" dirty="0" smtClean="0"/>
-              <a:t>·</a:t>
-            </a:r>
-            <a:r>
-              <a:rPr lang="zh-CN" altLang="en-US" dirty="0" smtClean="0"/>
-              <a:t>兰宝（</a:t>
+              <a:t>（</a:t>
             </a:r>
             <a:r>
               <a:rPr lang="en-US" altLang="zh-CN" dirty="0" err="1" smtClean="0"/>
@@ -12724,7 +12534,7 @@
           <p:nvPr/>
         </p:nvPicPr>
         <p:blipFill>
-          <a:blip r:embed="rId2" cstate="print"/>
+          <a:blip r:embed="rId1" cstate="print"/>
           <a:srcRect/>
           <a:stretch>
             <a:fillRect/>
@@ -12865,7 +12675,7 @@
           <p:nvPr/>
         </p:nvPicPr>
         <p:blipFill>
-          <a:blip r:embed="rId3" cstate="print"/>
+          <a:blip r:embed="rId1" cstate="print"/>
           <a:srcRect/>
           <a:stretch>
             <a:fillRect/>
@@ -12969,6 +12779,7 @@
               <a:rPr lang="zh-CN" altLang="zh-CN" dirty="0" smtClean="0"/>
               <a:t>：</a:t>
             </a:r>
+            <a:endParaRPr lang="zh-CN" altLang="zh-CN" dirty="0" smtClean="0"/>
           </a:p>
           <a:p>
             <a:pPr marL="514350" lvl="0" indent="-514350">
@@ -12979,6 +12790,7 @@
               <a:rPr lang="zh-CN" altLang="zh-CN" dirty="0" smtClean="0"/>
               <a:t>使用模型可以更好地理解问题</a:t>
             </a:r>
+            <a:endParaRPr lang="zh-CN" altLang="zh-CN" dirty="0" smtClean="0"/>
           </a:p>
           <a:p>
             <a:pPr marL="514350" lvl="0" indent="-514350">
@@ -12989,6 +12801,7 @@
               <a:rPr lang="zh-CN" altLang="zh-CN" dirty="0" smtClean="0"/>
               <a:t>使用模型可以加强人员之间的沟通</a:t>
             </a:r>
+            <a:endParaRPr lang="zh-CN" altLang="zh-CN" dirty="0" smtClean="0"/>
           </a:p>
           <a:p>
             <a:pPr marL="514350" lvl="0" indent="-514350">
@@ -12999,6 +12812,7 @@
               <a:rPr lang="zh-CN" altLang="zh-CN" dirty="0" smtClean="0"/>
               <a:t>使用模型可以更早地发现错误或疏漏的地方</a:t>
             </a:r>
+            <a:endParaRPr lang="zh-CN" altLang="zh-CN" dirty="0" smtClean="0"/>
           </a:p>
           <a:p>
             <a:pPr marL="514350" lvl="0" indent="-514350">
@@ -13009,6 +12823,7 @@
               <a:rPr lang="zh-CN" altLang="zh-CN" dirty="0" smtClean="0"/>
               <a:t>使用模型可以获取设计结果</a:t>
             </a:r>
+            <a:endParaRPr lang="zh-CN" altLang="zh-CN" dirty="0" smtClean="0"/>
           </a:p>
           <a:p>
             <a:pPr marL="514350" lvl="0" indent="-514350">
@@ -13019,6 +12834,7 @@
               <a:rPr lang="zh-CN" altLang="zh-CN" dirty="0" smtClean="0"/>
               <a:t>模型为最后的代码生成提供依据</a:t>
             </a:r>
+            <a:endParaRPr lang="zh-CN" altLang="zh-CN" dirty="0" smtClean="0"/>
           </a:p>
           <a:p>
             <a:pPr>
@@ -13143,16 +12959,11 @@
           <a:ln w="9525">
             <a:noFill/>
             <a:miter lim="800000"/>
-            <a:headEnd/>
-            <a:tailEnd/>
           </a:ln>
           <a:effectLst/>
         </p:spPr>
         <p:txBody>
           <a:bodyPr vert="horz" wrap="none" lIns="91440" tIns="45720" rIns="91440" bIns="45720" numCol="1" anchor="ctr" anchorCtr="0" compatLnSpc="1">
-            <a:prstTxWarp prst="textNoShape">
-              <a:avLst/>
-            </a:prstTxWarp>
             <a:spAutoFit/>
           </a:bodyPr>
           <a:lstStyle/>
@@ -13170,7 +12981,7 @@
           <p:nvPr/>
         </p:nvPicPr>
         <p:blipFill>
-          <a:blip r:embed="rId3">
+          <a:blip r:embed="rId1">
             <a:extLst>
               <a:ext uri="{28A0092B-C50C-407E-A947-70E740481C1C}">
                 <a14:useLocalDpi xmlns:a14="http://schemas.microsoft.com/office/drawing/2010/main" val="0"/>
@@ -13390,6 +13201,11 @@
               </a:rPr>
               <a:t>OMT-2</a:t>
             </a:r>
+            <a:endParaRPr lang="en-US" altLang="zh-CN" dirty="0" smtClean="0">
+              <a:solidFill>
+                <a:srgbClr val="FF0000"/>
+              </a:solidFill>
+            </a:endParaRPr>
           </a:p>
           <a:p>
             <a:pPr>
@@ -13569,6 +13385,11 @@
               </a:rPr>
               <a:t>UM .08</a:t>
             </a:r>
+            <a:endParaRPr lang="en-US" altLang="zh-CN" dirty="0" smtClean="0">
+              <a:solidFill>
+                <a:srgbClr val="FF0000"/>
+              </a:solidFill>
+            </a:endParaRPr>
           </a:p>
           <a:p>
             <a:pPr>
@@ -13606,6 +13427,11 @@
               </a:rPr>
               <a:t>。</a:t>
             </a:r>
+            <a:endParaRPr lang="zh-CN" altLang="zh-CN" dirty="0" smtClean="0">
+              <a:solidFill>
+                <a:srgbClr val="FF0000"/>
+              </a:solidFill>
+            </a:endParaRPr>
           </a:p>
           <a:p>
             <a:pPr>
@@ -13644,7 +13470,7 @@
             </a:r>
             <a:r>
               <a:rPr lang="zh-CN" altLang="en-US" b="1" dirty="0" smtClean="0">
-                <a:hlinkClick r:id="rId3" action="ppaction://hlinksldjump"/>
+                <a:hlinkClick r:id="rId1" action="ppaction://hlinksldjump"/>
               </a:rPr>
               <a:t>₂</a:t>
             </a:r>
@@ -13952,6 +13778,11 @@
   </a:themeElements>
   <a:objectDefaults/>
   <a:extraClrSchemeLst/>
+  <a:extLst>
+    <a:ext uri="{05A4C25C-085E-4340-85A3-A5531E510DB2}">
+      <thm15:themeFamily xmlns:thm15="http://schemas.microsoft.com/office/thememl/2012/main" name="Office Theme" id="{62F939B6-93AF-4DB8-9C6B-D6C7DFDC589F}" vid="{4A3C46E8-61CC-4603-A589-7422A47A8E4A}"/>
+    </a:ext>
+  </a:extLst>
 </a:theme>
 </file>
 
@@ -14235,5 +14066,10 @@
   </a:themeElements>
   <a:objectDefaults/>
   <a:extraClrSchemeLst/>
+  <a:extLst>
+    <a:ext uri="{05A4C25C-085E-4340-85A3-A5531E510DB2}">
+      <thm15:themeFamily xmlns:thm15="http://schemas.microsoft.com/office/thememl/2012/main" name="Office Theme" id="{62F939B6-93AF-4DB8-9C6B-D6C7DFDC589F}" vid="{4A3C46E8-61CC-4603-A589-7422A47A8E4A}"/>
+    </a:ext>
+  </a:extLst>
 </a:theme>
 </file>
--- a/UML/UML概述-G16.pptx
+++ b/UML/UML概述-G16.pptx
@@ -29,7 +29,7 @@
     <p:sldId id="288" r:id="rId20"/>
     <p:sldId id="289" r:id="rId21"/>
     <p:sldId id="296" r:id="rId22"/>
-    <p:sldId id="299" r:id="rId23"/>
+    <p:sldId id="300" r:id="rId23"/>
     <p:sldId id="298" r:id="rId24"/>
     <p:sldId id="297" r:id="rId25"/>
     <p:sldId id="292" r:id="rId26"/>
@@ -2293,57 +2293,57 @@
     </dgm:pt>
   </dgm:ptLst>
   <dgm:cxnLst>
+    <dgm:cxn modelId="{E334F52D-0E8E-466F-816C-4983DBBCB2A1}" type="presOf" srcId="{97015D0E-E5D9-4C35-83CB-9ECA528CC6EF}" destId="{F7B0D9CE-59E8-4D60-AF4A-CC60A40982E8}" srcOrd="0" destOrd="0" presId="urn:microsoft.com/office/officeart/2005/8/layout/hierarchy6"/>
+    <dgm:cxn modelId="{2EC95BBA-9C7A-4FE5-AF1A-D29E67D68C11}" type="presOf" srcId="{E1F704DB-60B1-4A2F-A275-79E379BEC793}" destId="{2499F6B0-2B62-4AAE-AF92-B5FC2037BC3E}" srcOrd="0" destOrd="0" presId="urn:microsoft.com/office/officeart/2005/8/layout/hierarchy6"/>
+    <dgm:cxn modelId="{C71D166F-820E-4013-A477-286686C0D6D7}" type="presOf" srcId="{BBF5560B-5984-479F-85AC-A5002A2F600F}" destId="{B3788765-7417-433D-9CC7-6398829276D4}" srcOrd="0" destOrd="0" presId="urn:microsoft.com/office/officeart/2005/8/layout/hierarchy6"/>
+    <dgm:cxn modelId="{94699CE2-3D85-4C54-8CEC-DCB7004C49BF}" type="presOf" srcId="{84333FEC-32D7-4525-9D40-0F02179E58F4}" destId="{F5B6D937-AA2E-4877-BED2-487ECB262CD1}" srcOrd="0" destOrd="0" presId="urn:microsoft.com/office/officeart/2005/8/layout/hierarchy6"/>
+    <dgm:cxn modelId="{4DCA9EED-4D17-46FF-B8AA-73E55559910D}" srcId="{D6A3A75B-1987-4DAC-A55A-A1126D58B4CF}" destId="{2337E9D0-4211-4B54-95F6-156630F1AF64}" srcOrd="5" destOrd="0" parTransId="{7B9B97C5-AE34-4EAB-820A-44BF7B8481E5}" sibTransId="{2C535BCD-BA55-468D-889B-3E0F50E61D35}"/>
+    <dgm:cxn modelId="{EFE098B7-1175-4EEC-86B1-F3D8476EB2BE}" type="presOf" srcId="{548A9BDD-E2EE-4FA6-A84A-3DE5F1341D4D}" destId="{A9B711F5-B62E-461C-8644-E7F90FDC4020}" srcOrd="0" destOrd="0" presId="urn:microsoft.com/office/officeart/2005/8/layout/hierarchy6"/>
+    <dgm:cxn modelId="{1155F646-E8EF-47A2-AA65-4DFDD74A8EE1}" srcId="{D6A3A75B-1987-4DAC-A55A-A1126D58B4CF}" destId="{21438C51-2241-4C1C-A043-1133F019B7D1}" srcOrd="2" destOrd="0" parTransId="{64E995D7-F456-4A89-98E6-8AB6008E47D8}" sibTransId="{B8B87709-2EF1-48F6-BD55-CE03EDB745EB}"/>
+    <dgm:cxn modelId="{404872A0-93C6-42D8-9403-18948E90D3DC}" type="presOf" srcId="{E2E13CCC-F34F-4350-810D-E3BDE50AFD30}" destId="{5A967D27-C9AA-4B91-83E0-DC51A5E276BF}" srcOrd="0" destOrd="0" presId="urn:microsoft.com/office/officeart/2005/8/layout/hierarchy6"/>
+    <dgm:cxn modelId="{52D373E2-384A-430A-904A-6BA962C53064}" type="presOf" srcId="{64E995D7-F456-4A89-98E6-8AB6008E47D8}" destId="{4E203C10-5E7A-446E-A9FF-53536F962B79}" srcOrd="0" destOrd="0" presId="urn:microsoft.com/office/officeart/2005/8/layout/hierarchy6"/>
+    <dgm:cxn modelId="{04E5E679-6F8D-4B0A-B319-EEC1D2E0417D}" srcId="{A82B9DAE-72AD-4D58-8F10-CF1109FC96A1}" destId="{98EE05D7-E1C2-4D5A-9B23-3D1AE7B89D16}" srcOrd="0" destOrd="0" parTransId="{8FB6BB61-2F51-4658-8144-C180B5A235BD}" sibTransId="{C606590C-9016-4C9D-BB13-BDC2F9FA2224}"/>
+    <dgm:cxn modelId="{5DDF0C6B-42BA-488C-9526-E29417E8496F}" srcId="{D6A3A75B-1987-4DAC-A55A-A1126D58B4CF}" destId="{6445CC08-EDDC-4BD8-AF32-0CDD38F5E548}" srcOrd="4" destOrd="0" parTransId="{BBF5560B-5984-479F-85AC-A5002A2F600F}" sibTransId="{B13A6F0C-7EC7-40C3-BCB5-D6E3EDDBBC35}"/>
+    <dgm:cxn modelId="{401061FE-FA30-4386-B37E-4BDF25523A90}" type="presOf" srcId="{A8DB966D-2F15-4AD2-8538-167EF3E5551D}" destId="{255D76A5-8F63-4112-80DE-184459F5C7A7}" srcOrd="0" destOrd="0" presId="urn:microsoft.com/office/officeart/2005/8/layout/hierarchy6"/>
+    <dgm:cxn modelId="{7332894C-4E06-4E27-AA13-A563923647DE}" srcId="{FDCD405E-70FC-4986-96CB-E66B57FDF31B}" destId="{84333FEC-32D7-4525-9D40-0F02179E58F4}" srcOrd="0" destOrd="0" parTransId="{796BF2CB-47D8-4D5D-BDAA-D26CD176E23D}" sibTransId="{7AA84C2D-A0A4-4A60-9A21-C3DB4DA13F81}"/>
+    <dgm:cxn modelId="{CE0CD97C-7135-4A87-96A8-F41793DFCB72}" srcId="{D6A3A75B-1987-4DAC-A55A-A1126D58B4CF}" destId="{8795EE7B-3301-477C-AB4B-70837574156E}" srcOrd="0" destOrd="0" parTransId="{E1F704DB-60B1-4A2F-A275-79E379BEC793}" sibTransId="{E475555F-971C-4418-98BC-947D5E3ACA07}"/>
+    <dgm:cxn modelId="{29EF9AAB-BA07-4262-8835-1BC3213DA00E}" type="presOf" srcId="{D6A3A75B-1987-4DAC-A55A-A1126D58B4CF}" destId="{C475E0D4-B8AB-4141-A3D5-0882884E87D7}" srcOrd="0" destOrd="0" presId="urn:microsoft.com/office/officeart/2005/8/layout/hierarchy6"/>
+    <dgm:cxn modelId="{BA8CFEC0-A689-428D-84FE-A9CED147762F}" type="presOf" srcId="{6596AC0D-588E-4ABE-B7E3-E0F08CADA0D2}" destId="{2E17FCD7-001D-4B73-91FA-CBA757D3B9FB}" srcOrd="0" destOrd="0" presId="urn:microsoft.com/office/officeart/2005/8/layout/hierarchy6"/>
+    <dgm:cxn modelId="{F1D14EBD-D7EF-433A-B96E-3241A4C27684}" type="presOf" srcId="{21438C51-2241-4C1C-A043-1133F019B7D1}" destId="{ED169BEE-8FBB-4CE6-BDF6-214E1D7C521E}" srcOrd="0" destOrd="0" presId="urn:microsoft.com/office/officeart/2005/8/layout/hierarchy6"/>
+    <dgm:cxn modelId="{024F82B6-9781-4EEF-9BF3-E62D226C48CA}" type="presOf" srcId="{EC915A81-C0A5-4BFA-A3FC-925D127CE5C4}" destId="{F237A0D1-9DFF-4F7F-B0F6-0CCE4A7A6D9B}" srcOrd="0" destOrd="0" presId="urn:microsoft.com/office/officeart/2005/8/layout/hierarchy6"/>
+    <dgm:cxn modelId="{78271F4C-DFDB-435D-BDAA-87863584BDCD}" srcId="{6596AC0D-588E-4ABE-B7E3-E0F08CADA0D2}" destId="{EC915A81-C0A5-4BFA-A3FC-925D127CE5C4}" srcOrd="0" destOrd="0" parTransId="{D13EA43D-E8F0-49BD-BF48-DB17FAC589E7}" sibTransId="{F8734EB3-E55E-4199-B2CE-F414201B6A59}"/>
+    <dgm:cxn modelId="{3F1F891C-7667-46A3-808F-E22FE115C00B}" type="presOf" srcId="{27A1DDD4-C5DE-4AC8-A43E-9DC7BFB00621}" destId="{36AE0FC8-957E-47B4-856E-D48B173D432A}" srcOrd="0" destOrd="0" presId="urn:microsoft.com/office/officeart/2005/8/layout/hierarchy6"/>
+    <dgm:cxn modelId="{AAB33742-7603-4B97-BA80-D3EF60F3C3E9}" type="presOf" srcId="{FDCD405E-70FC-4986-96CB-E66B57FDF31B}" destId="{F23B094E-3E0E-45AA-A7E3-514F0FA94017}" srcOrd="0" destOrd="0" presId="urn:microsoft.com/office/officeart/2005/8/layout/hierarchy6"/>
+    <dgm:cxn modelId="{541CAAA5-7898-445D-91E3-FDB79FE0B19E}" type="presOf" srcId="{A82B9DAE-72AD-4D58-8F10-CF1109FC96A1}" destId="{9CEE8D61-15D0-4C88-8722-7E0D4B25819B}" srcOrd="0" destOrd="0" presId="urn:microsoft.com/office/officeart/2005/8/layout/hierarchy6"/>
+    <dgm:cxn modelId="{EC2F9E79-F069-4349-9C67-9D15FC2E86A5}" type="presOf" srcId="{2337E9D0-4211-4B54-95F6-156630F1AF64}" destId="{E5FEB81F-1268-4921-A6A9-F5E7A1E3F6F4}" srcOrd="0" destOrd="0" presId="urn:microsoft.com/office/officeart/2005/8/layout/hierarchy6"/>
+    <dgm:cxn modelId="{9F526F11-D94B-4285-8A9F-C44E49764083}" srcId="{D6A3A75B-1987-4DAC-A55A-A1126D58B4CF}" destId="{7ADCBA20-6475-4BC0-8ACD-3C18FC4360B2}" srcOrd="3" destOrd="0" parTransId="{7005293C-B6DF-42EC-B3D6-4CCD1CFC662E}" sibTransId="{3CEF870D-EE65-46A1-819B-628C76A061C6}"/>
+    <dgm:cxn modelId="{48E7E0EE-E467-4B81-BED1-CEE6DB570C50}" srcId="{A82B9DAE-72AD-4D58-8F10-CF1109FC96A1}" destId="{5720897E-482E-4971-BA85-F4888518720D}" srcOrd="3" destOrd="0" parTransId="{547DB6D6-6C98-4022-921F-DD2FFB79EEBC}" sibTransId="{242E955D-F416-40F2-AFAB-6EF0101AE3AC}"/>
+    <dgm:cxn modelId="{178C8FBE-ABA4-4006-898E-4DDD0EF084AF}" srcId="{D6A3A75B-1987-4DAC-A55A-A1126D58B4CF}" destId="{28163C9B-D4C5-4633-BB18-F4A7445ACD3E}" srcOrd="1" destOrd="0" parTransId="{1CC3BA66-AD8A-42D5-97A8-F9A8537315AC}" sibTransId="{E4870CBB-E7F9-45C4-900F-63225EDC40A3}"/>
+    <dgm:cxn modelId="{A379AA05-52D4-4938-8B8D-D85A360DE9B4}" type="presOf" srcId="{7ADCBA20-6475-4BC0-8ACD-3C18FC4360B2}" destId="{CB0ED768-99D6-4E54-82AD-19485A30C998}" srcOrd="0" destOrd="0" presId="urn:microsoft.com/office/officeart/2005/8/layout/hierarchy6"/>
+    <dgm:cxn modelId="{0F5A1588-3D22-42B9-A899-5BAE4674FC14}" srcId="{FDCD405E-70FC-4986-96CB-E66B57FDF31B}" destId="{548A9BDD-E2EE-4FA6-A84A-3DE5F1341D4D}" srcOrd="1" destOrd="0" parTransId="{4A7BF541-6075-4235-950C-0DDBAFC25603}" sibTransId="{875500AE-3469-4A52-87CF-74A1EF030A56}"/>
+    <dgm:cxn modelId="{CF762C50-F627-4B33-BAAE-65F6290058CA}" type="presOf" srcId="{796BF2CB-47D8-4D5D-BDAA-D26CD176E23D}" destId="{945CCC36-7E2E-4211-A694-B1EACC4010F1}" srcOrd="0" destOrd="0" presId="urn:microsoft.com/office/officeart/2005/8/layout/hierarchy6"/>
+    <dgm:cxn modelId="{B7E58EC4-4301-4ECB-9368-5875D166792E}" type="presOf" srcId="{547DB6D6-6C98-4022-921F-DD2FFB79EEBC}" destId="{19D04BEC-8002-4A8B-A907-0E79FF133B17}" srcOrd="0" destOrd="0" presId="urn:microsoft.com/office/officeart/2005/8/layout/hierarchy6"/>
+    <dgm:cxn modelId="{3BB30F6D-2A81-47AB-914B-D5AE72CB812C}" type="presOf" srcId="{8795EE7B-3301-477C-AB4B-70837574156E}" destId="{FCBEFAF9-D199-44F4-881A-BB9E49CDD815}" srcOrd="0" destOrd="0" presId="urn:microsoft.com/office/officeart/2005/8/layout/hierarchy6"/>
+    <dgm:cxn modelId="{75B4496D-5C67-4906-BECE-B7F21EED0881}" srcId="{A82B9DAE-72AD-4D58-8F10-CF1109FC96A1}" destId="{139CC881-A654-476B-A1DD-9B78F06FB167}" srcOrd="2" destOrd="0" parTransId="{E2E13CCC-F34F-4350-810D-E3BDE50AFD30}" sibTransId="{715510D6-3722-44C8-9F8C-5914599727D1}"/>
+    <dgm:cxn modelId="{C4AD3455-ECC9-44CA-AAAF-CCC7F5A4F4DD}" type="presOf" srcId="{5720897E-482E-4971-BA85-F4888518720D}" destId="{60288CBA-18B4-4214-9D14-4A2F53177DA5}" srcOrd="0" destOrd="0" presId="urn:microsoft.com/office/officeart/2005/8/layout/hierarchy6"/>
+    <dgm:cxn modelId="{38BEA711-5063-45A6-A005-51EC583188ED}" type="presOf" srcId="{7B9B97C5-AE34-4EAB-820A-44BF7B8481E5}" destId="{F03C7C6C-4074-43F3-A9DE-AFC2592403B4}" srcOrd="0" destOrd="0" presId="urn:microsoft.com/office/officeart/2005/8/layout/hierarchy6"/>
+    <dgm:cxn modelId="{34EE984E-A589-47A5-87A3-17936215C3B1}" type="presOf" srcId="{B1A4F135-D930-4972-8B9F-848773756AD4}" destId="{7BF07432-25DC-41DA-8A5B-712DAC572A81}" srcOrd="0" destOrd="0" presId="urn:microsoft.com/office/officeart/2005/8/layout/hierarchy6"/>
+    <dgm:cxn modelId="{835484F2-A505-462C-95BC-DAFAA371CE49}" srcId="{EC915A81-C0A5-4BFA-A3FC-925D127CE5C4}" destId="{D6A3A75B-1987-4DAC-A55A-A1126D58B4CF}" srcOrd="0" destOrd="0" parTransId="{6DCE0C32-4BF7-4455-BBF7-22614B8A08EC}" sibTransId="{58D9D75F-5FF0-4E90-9D5E-7BA43D6DB21C}"/>
+    <dgm:cxn modelId="{5ED55509-9FC2-4D18-B059-32567BC71A0D}" type="presOf" srcId="{27AC80D3-D3D8-4437-859B-85CC06E04F24}" destId="{33C89180-AB7B-435D-B628-1707978D5BDF}" srcOrd="0" destOrd="0" presId="urn:microsoft.com/office/officeart/2005/8/layout/hierarchy6"/>
+    <dgm:cxn modelId="{95DF4C71-7A3F-4C0C-85AE-D9EDEA749FEC}" type="presOf" srcId="{7005293C-B6DF-42EC-B3D6-4CCD1CFC662E}" destId="{D1FF7D84-BD93-4631-BE61-7283E0737283}" srcOrd="0" destOrd="0" presId="urn:microsoft.com/office/officeart/2005/8/layout/hierarchy6"/>
+    <dgm:cxn modelId="{1ADAA20C-F39D-4DDB-853E-527FB4755721}" type="presOf" srcId="{98EE05D7-E1C2-4D5A-9B23-3D1AE7B89D16}" destId="{8FC9A340-C35E-4CEB-913B-027426C368D6}" srcOrd="0" destOrd="0" presId="urn:microsoft.com/office/officeart/2005/8/layout/hierarchy6"/>
+    <dgm:cxn modelId="{00CB2A86-25B6-49CC-BF84-09342B8B576C}" type="presOf" srcId="{6220826F-6216-45C6-84F0-3D2FD9F4E7F3}" destId="{A6C934CE-7BCF-4948-978D-6A0B04EB6548}" srcOrd="0" destOrd="0" presId="urn:microsoft.com/office/officeart/2005/8/layout/hierarchy6"/>
+    <dgm:cxn modelId="{BEBE701C-1916-4C8C-86B6-D9C16EF26002}" type="presOf" srcId="{1CC3BA66-AD8A-42D5-97A8-F9A8537315AC}" destId="{3B412A90-05A9-436B-B68C-3A3555A7412B}" srcOrd="0" destOrd="0" presId="urn:microsoft.com/office/officeart/2005/8/layout/hierarchy6"/>
+    <dgm:cxn modelId="{0DD39F3A-3670-41CB-A2AD-240F8B7F6176}" type="presOf" srcId="{28163C9B-D4C5-4633-BB18-F4A7445ACD3E}" destId="{8299FC63-DA56-4B23-86AD-9DF141624C65}" srcOrd="0" destOrd="0" presId="urn:microsoft.com/office/officeart/2005/8/layout/hierarchy6"/>
+    <dgm:cxn modelId="{7450DE0A-B51B-42BB-8D25-9F066B6EC016}" srcId="{FDCD405E-70FC-4986-96CB-E66B57FDF31B}" destId="{A8DB966D-2F15-4AD2-8538-167EF3E5551D}" srcOrd="2" destOrd="0" parTransId="{27AC80D3-D3D8-4437-859B-85CC06E04F24}" sibTransId="{D35D95FA-D5F4-4506-BCC5-E4F8107BD8A5}"/>
+    <dgm:cxn modelId="{92D387AB-9F3B-409C-A2D4-EAB63ED09C92}" type="presOf" srcId="{6445CC08-EDDC-4BD8-AF32-0CDD38F5E548}" destId="{0A1F954B-A5F8-435A-A601-81A967BBB8EC}" srcOrd="0" destOrd="0" presId="urn:microsoft.com/office/officeart/2005/8/layout/hierarchy6"/>
+    <dgm:cxn modelId="{DA0E1879-B5F1-4A8D-9AFD-213AFB26285E}" srcId="{EC915A81-C0A5-4BFA-A3FC-925D127CE5C4}" destId="{FDCD405E-70FC-4986-96CB-E66B57FDF31B}" srcOrd="1" destOrd="0" parTransId="{97015D0E-E5D9-4C35-83CB-9ECA528CC6EF}" sibTransId="{F0874D80-F7E9-4495-9BA4-16D8AD0E423C}"/>
+    <dgm:cxn modelId="{10291B34-44BA-478E-AA71-EB95A22C84A0}" srcId="{A82B9DAE-72AD-4D58-8F10-CF1109FC96A1}" destId="{6220826F-6216-45C6-84F0-3D2FD9F4E7F3}" srcOrd="1" destOrd="0" parTransId="{B1A4F135-D930-4972-8B9F-848773756AD4}" sibTransId="{A73F44D1-9CA2-447E-B38B-C3938C68FCFB}"/>
+    <dgm:cxn modelId="{D7D69E21-E5C1-44B5-815C-7B02FB4D20E4}" type="presOf" srcId="{139CC881-A654-476B-A1DD-9B78F06FB167}" destId="{691D0627-A209-4CCA-8C65-704994773752}" srcOrd="0" destOrd="0" presId="urn:microsoft.com/office/officeart/2005/8/layout/hierarchy6"/>
+    <dgm:cxn modelId="{DFEB1F14-F8D6-4A22-B01D-96390C117ED6}" srcId="{FDCD405E-70FC-4986-96CB-E66B57FDF31B}" destId="{A82B9DAE-72AD-4D58-8F10-CF1109FC96A1}" srcOrd="3" destOrd="0" parTransId="{27A1DDD4-C5DE-4AC8-A43E-9DC7BFB00621}" sibTransId="{660C5E6D-6C35-4578-B559-453223991EFB}"/>
     <dgm:cxn modelId="{DF10E370-5480-46F9-BD33-F15AC3F22779}" type="presOf" srcId="{4A7BF541-6075-4235-950C-0DDBAFC25603}" destId="{98495F41-C73B-408F-ADE6-AADB791C7C5E}" srcOrd="0" destOrd="0" presId="urn:microsoft.com/office/officeart/2005/8/layout/hierarchy6"/>
-    <dgm:cxn modelId="{D7D69E21-E5C1-44B5-815C-7B02FB4D20E4}" type="presOf" srcId="{139CC881-A654-476B-A1DD-9B78F06FB167}" destId="{691D0627-A209-4CCA-8C65-704994773752}" srcOrd="0" destOrd="0" presId="urn:microsoft.com/office/officeart/2005/8/layout/hierarchy6"/>
-    <dgm:cxn modelId="{5ED55509-9FC2-4D18-B059-32567BC71A0D}" type="presOf" srcId="{27AC80D3-D3D8-4437-859B-85CC06E04F24}" destId="{33C89180-AB7B-435D-B628-1707978D5BDF}" srcOrd="0" destOrd="0" presId="urn:microsoft.com/office/officeart/2005/8/layout/hierarchy6"/>
-    <dgm:cxn modelId="{04E5E679-6F8D-4B0A-B319-EEC1D2E0417D}" srcId="{A82B9DAE-72AD-4D58-8F10-CF1109FC96A1}" destId="{98EE05D7-E1C2-4D5A-9B23-3D1AE7B89D16}" srcOrd="0" destOrd="0" parTransId="{8FB6BB61-2F51-4658-8144-C180B5A235BD}" sibTransId="{C606590C-9016-4C9D-BB13-BDC2F9FA2224}"/>
-    <dgm:cxn modelId="{75B4496D-5C67-4906-BECE-B7F21EED0881}" srcId="{A82B9DAE-72AD-4D58-8F10-CF1109FC96A1}" destId="{139CC881-A654-476B-A1DD-9B78F06FB167}" srcOrd="2" destOrd="0" parTransId="{E2E13CCC-F34F-4350-810D-E3BDE50AFD30}" sibTransId="{715510D6-3722-44C8-9F8C-5914599727D1}"/>
-    <dgm:cxn modelId="{401061FE-FA30-4386-B37E-4BDF25523A90}" type="presOf" srcId="{A8DB966D-2F15-4AD2-8538-167EF3E5551D}" destId="{255D76A5-8F63-4112-80DE-184459F5C7A7}" srcOrd="0" destOrd="0" presId="urn:microsoft.com/office/officeart/2005/8/layout/hierarchy6"/>
-    <dgm:cxn modelId="{CF762C50-F627-4B33-BAAE-65F6290058CA}" type="presOf" srcId="{796BF2CB-47D8-4D5D-BDAA-D26CD176E23D}" destId="{945CCC36-7E2E-4211-A694-B1EACC4010F1}" srcOrd="0" destOrd="0" presId="urn:microsoft.com/office/officeart/2005/8/layout/hierarchy6"/>
-    <dgm:cxn modelId="{DFEB1F14-F8D6-4A22-B01D-96390C117ED6}" srcId="{FDCD405E-70FC-4986-96CB-E66B57FDF31B}" destId="{A82B9DAE-72AD-4D58-8F10-CF1109FC96A1}" srcOrd="3" destOrd="0" parTransId="{27A1DDD4-C5DE-4AC8-A43E-9DC7BFB00621}" sibTransId="{660C5E6D-6C35-4578-B559-453223991EFB}"/>
-    <dgm:cxn modelId="{024F82B6-9781-4EEF-9BF3-E62D226C48CA}" type="presOf" srcId="{EC915A81-C0A5-4BFA-A3FC-925D127CE5C4}" destId="{F237A0D1-9DFF-4F7F-B0F6-0CCE4A7A6D9B}" srcOrd="0" destOrd="0" presId="urn:microsoft.com/office/officeart/2005/8/layout/hierarchy6"/>
-    <dgm:cxn modelId="{00CB2A86-25B6-49CC-BF84-09342B8B576C}" type="presOf" srcId="{6220826F-6216-45C6-84F0-3D2FD9F4E7F3}" destId="{A6C934CE-7BCF-4948-978D-6A0B04EB6548}" srcOrd="0" destOrd="0" presId="urn:microsoft.com/office/officeart/2005/8/layout/hierarchy6"/>
-    <dgm:cxn modelId="{2EC95BBA-9C7A-4FE5-AF1A-D29E67D68C11}" type="presOf" srcId="{E1F704DB-60B1-4A2F-A275-79E379BEC793}" destId="{2499F6B0-2B62-4AAE-AF92-B5FC2037BC3E}" srcOrd="0" destOrd="0" presId="urn:microsoft.com/office/officeart/2005/8/layout/hierarchy6"/>
-    <dgm:cxn modelId="{10291B34-44BA-478E-AA71-EB95A22C84A0}" srcId="{A82B9DAE-72AD-4D58-8F10-CF1109FC96A1}" destId="{6220826F-6216-45C6-84F0-3D2FD9F4E7F3}" srcOrd="1" destOrd="0" parTransId="{B1A4F135-D930-4972-8B9F-848773756AD4}" sibTransId="{A73F44D1-9CA2-447E-B38B-C3938C68FCFB}"/>
-    <dgm:cxn modelId="{541CAAA5-7898-445D-91E3-FDB79FE0B19E}" type="presOf" srcId="{A82B9DAE-72AD-4D58-8F10-CF1109FC96A1}" destId="{9CEE8D61-15D0-4C88-8722-7E0D4B25819B}" srcOrd="0" destOrd="0" presId="urn:microsoft.com/office/officeart/2005/8/layout/hierarchy6"/>
-    <dgm:cxn modelId="{1ADAA20C-F39D-4DDB-853E-527FB4755721}" type="presOf" srcId="{98EE05D7-E1C2-4D5A-9B23-3D1AE7B89D16}" destId="{8FC9A340-C35E-4CEB-913B-027426C368D6}" srcOrd="0" destOrd="0" presId="urn:microsoft.com/office/officeart/2005/8/layout/hierarchy6"/>
-    <dgm:cxn modelId="{E334F52D-0E8E-466F-816C-4983DBBCB2A1}" type="presOf" srcId="{97015D0E-E5D9-4C35-83CB-9ECA528CC6EF}" destId="{F7B0D9CE-59E8-4D60-AF4A-CC60A40982E8}" srcOrd="0" destOrd="0" presId="urn:microsoft.com/office/officeart/2005/8/layout/hierarchy6"/>
-    <dgm:cxn modelId="{1155F646-E8EF-47A2-AA65-4DFDD74A8EE1}" srcId="{D6A3A75B-1987-4DAC-A55A-A1126D58B4CF}" destId="{21438C51-2241-4C1C-A043-1133F019B7D1}" srcOrd="2" destOrd="0" parTransId="{64E995D7-F456-4A89-98E6-8AB6008E47D8}" sibTransId="{B8B87709-2EF1-48F6-BD55-CE03EDB745EB}"/>
-    <dgm:cxn modelId="{0F5A1588-3D22-42B9-A899-5BAE4674FC14}" srcId="{FDCD405E-70FC-4986-96CB-E66B57FDF31B}" destId="{548A9BDD-E2EE-4FA6-A84A-3DE5F1341D4D}" srcOrd="1" destOrd="0" parTransId="{4A7BF541-6075-4235-950C-0DDBAFC25603}" sibTransId="{875500AE-3469-4A52-87CF-74A1EF030A56}"/>
     <dgm:cxn modelId="{75C9B4D4-88E2-4335-A2E7-9F824408A43D}" type="presOf" srcId="{6DCE0C32-4BF7-4455-BBF7-22614B8A08EC}" destId="{95D56808-93E1-4E6C-B28F-13D00D4DB0CE}" srcOrd="0" destOrd="0" presId="urn:microsoft.com/office/officeart/2005/8/layout/hierarchy6"/>
-    <dgm:cxn modelId="{48E7E0EE-E467-4B81-BED1-CEE6DB570C50}" srcId="{A82B9DAE-72AD-4D58-8F10-CF1109FC96A1}" destId="{5720897E-482E-4971-BA85-F4888518720D}" srcOrd="3" destOrd="0" parTransId="{547DB6D6-6C98-4022-921F-DD2FFB79EEBC}" sibTransId="{242E955D-F416-40F2-AFAB-6EF0101AE3AC}"/>
-    <dgm:cxn modelId="{38BEA711-5063-45A6-A005-51EC583188ED}" type="presOf" srcId="{7B9B97C5-AE34-4EAB-820A-44BF7B8481E5}" destId="{F03C7C6C-4074-43F3-A9DE-AFC2592403B4}" srcOrd="0" destOrd="0" presId="urn:microsoft.com/office/officeart/2005/8/layout/hierarchy6"/>
-    <dgm:cxn modelId="{C4AD3455-ECC9-44CA-AAAF-CCC7F5A4F4DD}" type="presOf" srcId="{5720897E-482E-4971-BA85-F4888518720D}" destId="{60288CBA-18B4-4214-9D14-4A2F53177DA5}" srcOrd="0" destOrd="0" presId="urn:microsoft.com/office/officeart/2005/8/layout/hierarchy6"/>
-    <dgm:cxn modelId="{92D387AB-9F3B-409C-A2D4-EAB63ED09C92}" type="presOf" srcId="{6445CC08-EDDC-4BD8-AF32-0CDD38F5E548}" destId="{0A1F954B-A5F8-435A-A601-81A967BBB8EC}" srcOrd="0" destOrd="0" presId="urn:microsoft.com/office/officeart/2005/8/layout/hierarchy6"/>
-    <dgm:cxn modelId="{3F1F891C-7667-46A3-808F-E22FE115C00B}" type="presOf" srcId="{27A1DDD4-C5DE-4AC8-A43E-9DC7BFB00621}" destId="{36AE0FC8-957E-47B4-856E-D48B173D432A}" srcOrd="0" destOrd="0" presId="urn:microsoft.com/office/officeart/2005/8/layout/hierarchy6"/>
-    <dgm:cxn modelId="{404872A0-93C6-42D8-9403-18948E90D3DC}" type="presOf" srcId="{E2E13CCC-F34F-4350-810D-E3BDE50AFD30}" destId="{5A967D27-C9AA-4B91-83E0-DC51A5E276BF}" srcOrd="0" destOrd="0" presId="urn:microsoft.com/office/officeart/2005/8/layout/hierarchy6"/>
     <dgm:cxn modelId="{02C83986-C7ED-4637-B461-AE74C44A33B8}" type="presOf" srcId="{8FB6BB61-2F51-4658-8144-C180B5A235BD}" destId="{E3536EA8-A106-440A-A201-FA606C23C8BF}" srcOrd="0" destOrd="0" presId="urn:microsoft.com/office/officeart/2005/8/layout/hierarchy6"/>
-    <dgm:cxn modelId="{7450DE0A-B51B-42BB-8D25-9F066B6EC016}" srcId="{FDCD405E-70FC-4986-96CB-E66B57FDF31B}" destId="{A8DB966D-2F15-4AD2-8538-167EF3E5551D}" srcOrd="2" destOrd="0" parTransId="{27AC80D3-D3D8-4437-859B-85CC06E04F24}" sibTransId="{D35D95FA-D5F4-4506-BCC5-E4F8107BD8A5}"/>
-    <dgm:cxn modelId="{52D373E2-384A-430A-904A-6BA962C53064}" type="presOf" srcId="{64E995D7-F456-4A89-98E6-8AB6008E47D8}" destId="{4E203C10-5E7A-446E-A9FF-53536F962B79}" srcOrd="0" destOrd="0" presId="urn:microsoft.com/office/officeart/2005/8/layout/hierarchy6"/>
-    <dgm:cxn modelId="{0DD39F3A-3670-41CB-A2AD-240F8B7F6176}" type="presOf" srcId="{28163C9B-D4C5-4633-BB18-F4A7445ACD3E}" destId="{8299FC63-DA56-4B23-86AD-9DF141624C65}" srcOrd="0" destOrd="0" presId="urn:microsoft.com/office/officeart/2005/8/layout/hierarchy6"/>
-    <dgm:cxn modelId="{3BB30F6D-2A81-47AB-914B-D5AE72CB812C}" type="presOf" srcId="{8795EE7B-3301-477C-AB4B-70837574156E}" destId="{FCBEFAF9-D199-44F4-881A-BB9E49CDD815}" srcOrd="0" destOrd="0" presId="urn:microsoft.com/office/officeart/2005/8/layout/hierarchy6"/>
-    <dgm:cxn modelId="{9F526F11-D94B-4285-8A9F-C44E49764083}" srcId="{D6A3A75B-1987-4DAC-A55A-A1126D58B4CF}" destId="{7ADCBA20-6475-4BC0-8ACD-3C18FC4360B2}" srcOrd="3" destOrd="0" parTransId="{7005293C-B6DF-42EC-B3D6-4CCD1CFC662E}" sibTransId="{3CEF870D-EE65-46A1-819B-628C76A061C6}"/>
-    <dgm:cxn modelId="{F1D14EBD-D7EF-433A-B96E-3241A4C27684}" type="presOf" srcId="{21438C51-2241-4C1C-A043-1133F019B7D1}" destId="{ED169BEE-8FBB-4CE6-BDF6-214E1D7C521E}" srcOrd="0" destOrd="0" presId="urn:microsoft.com/office/officeart/2005/8/layout/hierarchy6"/>
-    <dgm:cxn modelId="{95DF4C71-7A3F-4C0C-85AE-D9EDEA749FEC}" type="presOf" srcId="{7005293C-B6DF-42EC-B3D6-4CCD1CFC662E}" destId="{D1FF7D84-BD93-4631-BE61-7283E0737283}" srcOrd="0" destOrd="0" presId="urn:microsoft.com/office/officeart/2005/8/layout/hierarchy6"/>
-    <dgm:cxn modelId="{DA0E1879-B5F1-4A8D-9AFD-213AFB26285E}" srcId="{EC915A81-C0A5-4BFA-A3FC-925D127CE5C4}" destId="{FDCD405E-70FC-4986-96CB-E66B57FDF31B}" srcOrd="1" destOrd="0" parTransId="{97015D0E-E5D9-4C35-83CB-9ECA528CC6EF}" sibTransId="{F0874D80-F7E9-4495-9BA4-16D8AD0E423C}"/>
-    <dgm:cxn modelId="{B7E58EC4-4301-4ECB-9368-5875D166792E}" type="presOf" srcId="{547DB6D6-6C98-4022-921F-DD2FFB79EEBC}" destId="{19D04BEC-8002-4A8B-A907-0E79FF133B17}" srcOrd="0" destOrd="0" presId="urn:microsoft.com/office/officeart/2005/8/layout/hierarchy6"/>
-    <dgm:cxn modelId="{4DCA9EED-4D17-46FF-B8AA-73E55559910D}" srcId="{D6A3A75B-1987-4DAC-A55A-A1126D58B4CF}" destId="{2337E9D0-4211-4B54-95F6-156630F1AF64}" srcOrd="5" destOrd="0" parTransId="{7B9B97C5-AE34-4EAB-820A-44BF7B8481E5}" sibTransId="{2C535BCD-BA55-468D-889B-3E0F50E61D35}"/>
-    <dgm:cxn modelId="{7332894C-4E06-4E27-AA13-A563923647DE}" srcId="{FDCD405E-70FC-4986-96CB-E66B57FDF31B}" destId="{84333FEC-32D7-4525-9D40-0F02179E58F4}" srcOrd="0" destOrd="0" parTransId="{796BF2CB-47D8-4D5D-BDAA-D26CD176E23D}" sibTransId="{7AA84C2D-A0A4-4A60-9A21-C3DB4DA13F81}"/>
-    <dgm:cxn modelId="{178C8FBE-ABA4-4006-898E-4DDD0EF084AF}" srcId="{D6A3A75B-1987-4DAC-A55A-A1126D58B4CF}" destId="{28163C9B-D4C5-4633-BB18-F4A7445ACD3E}" srcOrd="1" destOrd="0" parTransId="{1CC3BA66-AD8A-42D5-97A8-F9A8537315AC}" sibTransId="{E4870CBB-E7F9-45C4-900F-63225EDC40A3}"/>
-    <dgm:cxn modelId="{BA8CFEC0-A689-428D-84FE-A9CED147762F}" type="presOf" srcId="{6596AC0D-588E-4ABE-B7E3-E0F08CADA0D2}" destId="{2E17FCD7-001D-4B73-91FA-CBA757D3B9FB}" srcOrd="0" destOrd="0" presId="urn:microsoft.com/office/officeart/2005/8/layout/hierarchy6"/>
-    <dgm:cxn modelId="{C71D166F-820E-4013-A477-286686C0D6D7}" type="presOf" srcId="{BBF5560B-5984-479F-85AC-A5002A2F600F}" destId="{B3788765-7417-433D-9CC7-6398829276D4}" srcOrd="0" destOrd="0" presId="urn:microsoft.com/office/officeart/2005/8/layout/hierarchy6"/>
-    <dgm:cxn modelId="{AAB33742-7603-4B97-BA80-D3EF60F3C3E9}" type="presOf" srcId="{FDCD405E-70FC-4986-96CB-E66B57FDF31B}" destId="{F23B094E-3E0E-45AA-A7E3-514F0FA94017}" srcOrd="0" destOrd="0" presId="urn:microsoft.com/office/officeart/2005/8/layout/hierarchy6"/>
-    <dgm:cxn modelId="{CE0CD97C-7135-4A87-96A8-F41793DFCB72}" srcId="{D6A3A75B-1987-4DAC-A55A-A1126D58B4CF}" destId="{8795EE7B-3301-477C-AB4B-70837574156E}" srcOrd="0" destOrd="0" parTransId="{E1F704DB-60B1-4A2F-A275-79E379BEC793}" sibTransId="{E475555F-971C-4418-98BC-947D5E3ACA07}"/>
-    <dgm:cxn modelId="{34EE984E-A589-47A5-87A3-17936215C3B1}" type="presOf" srcId="{B1A4F135-D930-4972-8B9F-848773756AD4}" destId="{7BF07432-25DC-41DA-8A5B-712DAC572A81}" srcOrd="0" destOrd="0" presId="urn:microsoft.com/office/officeart/2005/8/layout/hierarchy6"/>
-    <dgm:cxn modelId="{EC2F9E79-F069-4349-9C67-9D15FC2E86A5}" type="presOf" srcId="{2337E9D0-4211-4B54-95F6-156630F1AF64}" destId="{E5FEB81F-1268-4921-A6A9-F5E7A1E3F6F4}" srcOrd="0" destOrd="0" presId="urn:microsoft.com/office/officeart/2005/8/layout/hierarchy6"/>
-    <dgm:cxn modelId="{A379AA05-52D4-4938-8B8D-D85A360DE9B4}" type="presOf" srcId="{7ADCBA20-6475-4BC0-8ACD-3C18FC4360B2}" destId="{CB0ED768-99D6-4E54-82AD-19485A30C998}" srcOrd="0" destOrd="0" presId="urn:microsoft.com/office/officeart/2005/8/layout/hierarchy6"/>
-    <dgm:cxn modelId="{94699CE2-3D85-4C54-8CEC-DCB7004C49BF}" type="presOf" srcId="{84333FEC-32D7-4525-9D40-0F02179E58F4}" destId="{F5B6D937-AA2E-4877-BED2-487ECB262CD1}" srcOrd="0" destOrd="0" presId="urn:microsoft.com/office/officeart/2005/8/layout/hierarchy6"/>
-    <dgm:cxn modelId="{78271F4C-DFDB-435D-BDAA-87863584BDCD}" srcId="{6596AC0D-588E-4ABE-B7E3-E0F08CADA0D2}" destId="{EC915A81-C0A5-4BFA-A3FC-925D127CE5C4}" srcOrd="0" destOrd="0" parTransId="{D13EA43D-E8F0-49BD-BF48-DB17FAC589E7}" sibTransId="{F8734EB3-E55E-4199-B2CE-F414201B6A59}"/>
-    <dgm:cxn modelId="{29EF9AAB-BA07-4262-8835-1BC3213DA00E}" type="presOf" srcId="{D6A3A75B-1987-4DAC-A55A-A1126D58B4CF}" destId="{C475E0D4-B8AB-4141-A3D5-0882884E87D7}" srcOrd="0" destOrd="0" presId="urn:microsoft.com/office/officeart/2005/8/layout/hierarchy6"/>
-    <dgm:cxn modelId="{835484F2-A505-462C-95BC-DAFAA371CE49}" srcId="{EC915A81-C0A5-4BFA-A3FC-925D127CE5C4}" destId="{D6A3A75B-1987-4DAC-A55A-A1126D58B4CF}" srcOrd="0" destOrd="0" parTransId="{6DCE0C32-4BF7-4455-BBF7-22614B8A08EC}" sibTransId="{58D9D75F-5FF0-4E90-9D5E-7BA43D6DB21C}"/>
-    <dgm:cxn modelId="{5DDF0C6B-42BA-488C-9526-E29417E8496F}" srcId="{D6A3A75B-1987-4DAC-A55A-A1126D58B4CF}" destId="{6445CC08-EDDC-4BD8-AF32-0CDD38F5E548}" srcOrd="4" destOrd="0" parTransId="{BBF5560B-5984-479F-85AC-A5002A2F600F}" sibTransId="{B13A6F0C-7EC7-40C3-BCB5-D6E3EDDBBC35}"/>
-    <dgm:cxn modelId="{BEBE701C-1916-4C8C-86B6-D9C16EF26002}" type="presOf" srcId="{1CC3BA66-AD8A-42D5-97A8-F9A8537315AC}" destId="{3B412A90-05A9-436B-B68C-3A3555A7412B}" srcOrd="0" destOrd="0" presId="urn:microsoft.com/office/officeart/2005/8/layout/hierarchy6"/>
-    <dgm:cxn modelId="{EFE098B7-1175-4EEC-86B1-F3D8476EB2BE}" type="presOf" srcId="{548A9BDD-E2EE-4FA6-A84A-3DE5F1341D4D}" destId="{A9B711F5-B62E-461C-8644-E7F90FDC4020}" srcOrd="0" destOrd="0" presId="urn:microsoft.com/office/officeart/2005/8/layout/hierarchy6"/>
     <dgm:cxn modelId="{41355531-6EE5-40DF-8B67-C5AE8A374C9C}" type="presParOf" srcId="{2E17FCD7-001D-4B73-91FA-CBA757D3B9FB}" destId="{F482F4D7-0934-45FF-8799-B49D6B5FA0A4}" srcOrd="0" destOrd="0" presId="urn:microsoft.com/office/officeart/2005/8/layout/hierarchy6"/>
     <dgm:cxn modelId="{CAB6FB93-1CF4-4740-9A1D-DD3F8D7B05B9}" type="presParOf" srcId="{F482F4D7-0934-45FF-8799-B49D6B5FA0A4}" destId="{C44A3CFA-71A1-4473-91CE-786026B00BE4}" srcOrd="0" destOrd="0" presId="urn:microsoft.com/office/officeart/2005/8/layout/hierarchy6"/>
     <dgm:cxn modelId="{3641646E-C9E6-4F6D-B796-C6383668117F}" type="presParOf" srcId="{C44A3CFA-71A1-4473-91CE-786026B00BE4}" destId="{947A4895-90F9-4EBE-80FD-C8519A6B4997}" srcOrd="0" destOrd="0" presId="urn:microsoft.com/office/officeart/2005/8/layout/hierarchy6"/>
@@ -2419,14 +2419,14 @@
   <dgm:whole/>
   <dgm:extLst>
     <a:ext uri="http://schemas.microsoft.com/office/drawing/2008/diagram">
-      <dsp:dataModelExt xmlns:dsp="http://schemas.microsoft.com/office/drawing/2008/diagram" xmlns="" relId="rId6" minVer="http://schemas.openxmlformats.org/drawingml/2006/diagram"/>
+      <dsp:dataModelExt xmlns:dsp="http://schemas.microsoft.com/office/drawing/2008/diagram" relId="rId6" minVer="http://schemas.openxmlformats.org/drawingml/2006/diagram"/>
     </a:ext>
   </dgm:extLst>
 </dgm:dataModel>
 </file>
 
 <file path=ppt/diagrams/drawing1.xml><?xml version="1.0" encoding="utf-8"?>
-<dsp:drawing xmlns:dgm="http://schemas.openxmlformats.org/drawingml/2006/diagram" xmlns:a="http://schemas.openxmlformats.org/drawingml/2006/main" xmlns:dsp="http://schemas.microsoft.com/office/drawing/2008/diagram">
+<dsp:drawing xmlns:dgm="http://schemas.openxmlformats.org/drawingml/2006/diagram" xmlns:dsp="http://schemas.microsoft.com/office/drawing/2008/diagram" xmlns:a="http://schemas.openxmlformats.org/drawingml/2006/main">
   <dsp:spTree>
     <dsp:nvGrpSpPr>
       <dsp:cNvPr id="0" name=""/>
@@ -2517,8 +2517,8 @@
         </a:p>
       </dsp:txBody>
       <dsp:txXfrm>
-        <a:off x="3063405" y="927342"/>
-        <a:ext cx="1906870" cy="446681"/>
+        <a:off x="3076488" y="940425"/>
+        <a:ext cx="1880704" cy="420515"/>
       </dsp:txXfrm>
     </dsp:sp>
     <dsp:sp modelId="{95D56808-93E1-4E6C-B28F-13D00D4DB0CE}">
@@ -2666,8 +2666,8 @@
         </a:p>
       </dsp:txBody>
       <dsp:txXfrm>
-        <a:off x="1244293" y="1583919"/>
-        <a:ext cx="1852277" cy="672150"/>
+        <a:off x="1263980" y="1603606"/>
+        <a:ext cx="1812903" cy="632776"/>
       </dsp:txXfrm>
     </dsp:sp>
     <dsp:sp modelId="{2499F6B0-2B62-4AAE-AF92-B5FC2037BC3E}">
@@ -2815,8 +2815,8 @@
         </a:p>
       </dsp:txBody>
       <dsp:txXfrm>
-        <a:off x="171245" y="2465964"/>
-        <a:ext cx="464155" cy="1251343"/>
+        <a:off x="184840" y="2479559"/>
+        <a:ext cx="436965" cy="1224153"/>
       </dsp:txXfrm>
     </dsp:sp>
     <dsp:sp modelId="{3B412A90-05A9-436B-B68C-3A3555A7412B}">
@@ -2964,8 +2964,8 @@
         </a:p>
       </dsp:txBody>
       <dsp:txXfrm>
-        <a:off x="871532" y="2465964"/>
-        <a:ext cx="579907" cy="1667779"/>
+        <a:off x="888517" y="2482949"/>
+        <a:ext cx="545937" cy="1633809"/>
       </dsp:txXfrm>
     </dsp:sp>
     <dsp:sp modelId="{4E203C10-5E7A-446E-A9FF-53536F962B79}">
@@ -3113,8 +3113,8 @@
         </a:p>
       </dsp:txBody>
       <dsp:txXfrm>
-        <a:off x="1687570" y="2465964"/>
-        <a:ext cx="523802" cy="1283641"/>
+        <a:off x="1702912" y="2481306"/>
+        <a:ext cx="493118" cy="1252957"/>
       </dsp:txXfrm>
     </dsp:sp>
     <dsp:sp modelId="{D1FF7D84-BD93-4631-BE61-7283E0737283}">
@@ -3262,8 +3262,8 @@
         </a:p>
       </dsp:txBody>
       <dsp:txXfrm>
-        <a:off x="2447504" y="2465964"/>
-        <a:ext cx="469051" cy="1137035"/>
+        <a:off x="2461242" y="2479702"/>
+        <a:ext cx="441575" cy="1109559"/>
       </dsp:txXfrm>
     </dsp:sp>
     <dsp:sp modelId="{B3788765-7417-433D-9CC7-6398829276D4}">
@@ -3411,8 +3411,8 @@
         </a:p>
       </dsp:txBody>
       <dsp:txXfrm>
-        <a:off x="3152687" y="2465964"/>
-        <a:ext cx="473396" cy="1137035"/>
+        <a:off x="3166552" y="2479829"/>
+        <a:ext cx="445666" cy="1109305"/>
       </dsp:txXfrm>
     </dsp:sp>
     <dsp:sp modelId="{F03C7C6C-4074-43F3-A9DE-AFC2592403B4}">
@@ -3560,8 +3560,8 @@
         </a:p>
       </dsp:txBody>
       <dsp:txXfrm>
-        <a:off x="3862214" y="2465964"/>
-        <a:ext cx="307403" cy="1137035"/>
+        <a:off x="3871218" y="2474968"/>
+        <a:ext cx="289395" cy="1119027"/>
       </dsp:txXfrm>
     </dsp:sp>
     <dsp:sp modelId="{F7B0D9CE-59E8-4D60-AF4A-CC60A40982E8}">
@@ -3709,8 +3709,8 @@
         </a:p>
       </dsp:txBody>
       <dsp:txXfrm>
-        <a:off x="5961315" y="1604703"/>
-        <a:ext cx="1830435" cy="672150"/>
+        <a:off x="5981002" y="1624390"/>
+        <a:ext cx="1791061" cy="632776"/>
       </dsp:txXfrm>
     </dsp:sp>
     <dsp:sp modelId="{945CCC36-7E2E-4211-A694-B1EACC4010F1}">
@@ -3858,8 +3858,8 @@
         </a:p>
       </dsp:txBody>
       <dsp:txXfrm>
-        <a:off x="4762732" y="2465964"/>
-        <a:ext cx="505313" cy="1137035"/>
+        <a:off x="4777532" y="2480764"/>
+        <a:ext cx="475713" cy="1107435"/>
       </dsp:txXfrm>
     </dsp:sp>
     <dsp:sp modelId="{98495F41-C73B-408F-ADE6-AADB791C7C5E}">
@@ -4002,8 +4002,8 @@
         </a:p>
       </dsp:txBody>
       <dsp:txXfrm>
-        <a:off x="5415337" y="2465964"/>
-        <a:ext cx="524825" cy="1137035"/>
+        <a:off x="5430709" y="2481336"/>
+        <a:ext cx="494081" cy="1106291"/>
       </dsp:txXfrm>
     </dsp:sp>
     <dsp:sp modelId="{33C89180-AB7B-435D-B628-1707978D5BDF}">
@@ -4151,8 +4151,8 @@
         </a:p>
       </dsp:txBody>
       <dsp:txXfrm>
-        <a:off x="6176293" y="2465964"/>
-        <a:ext cx="579623" cy="1137035"/>
+        <a:off x="6193270" y="2482941"/>
+        <a:ext cx="545669" cy="1103081"/>
       </dsp:txXfrm>
     </dsp:sp>
     <dsp:sp modelId="{36AE0FC8-957E-47B4-856E-D48B173D432A}">
@@ -4300,8 +4300,8 @@
         </a:p>
       </dsp:txBody>
       <dsp:txXfrm>
-        <a:off x="6992048" y="2465964"/>
-        <a:ext cx="618687" cy="1137035"/>
+        <a:off x="7010169" y="2484085"/>
+        <a:ext cx="582445" cy="1100793"/>
       </dsp:txXfrm>
     </dsp:sp>
     <dsp:sp modelId="{E3536EA8-A106-440A-A201-FA606C23C8BF}">
@@ -4449,8 +4449,8 @@
         </a:p>
       </dsp:txBody>
       <dsp:txXfrm>
-        <a:off x="5757424" y="3812893"/>
-        <a:ext cx="419109" cy="1137035"/>
+        <a:off x="5769699" y="3825168"/>
+        <a:ext cx="394559" cy="1112485"/>
       </dsp:txXfrm>
     </dsp:sp>
     <dsp:sp modelId="{7BF07432-25DC-41DA-8A5B-712DAC572A81}">
@@ -4598,8 +4598,8 @@
         </a:p>
       </dsp:txBody>
       <dsp:txXfrm>
-        <a:off x="6412665" y="3812893"/>
-        <a:ext cx="526746" cy="1137035"/>
+        <a:off x="6428093" y="3828321"/>
+        <a:ext cx="495890" cy="1106179"/>
       </dsp:txXfrm>
     </dsp:sp>
     <dsp:sp modelId="{5A967D27-C9AA-4B91-83E0-DC51A5E276BF}">
@@ -4742,8 +4742,8 @@
         </a:p>
       </dsp:txBody>
       <dsp:txXfrm>
-        <a:off x="7175542" y="3812893"/>
-        <a:ext cx="787104" cy="1137035"/>
+        <a:off x="7198595" y="3835946"/>
+        <a:ext cx="740998" cy="1090929"/>
       </dsp:txXfrm>
     </dsp:sp>
     <dsp:sp modelId="{19D04BEC-8002-4A8B-A907-0E79FF133B17}">
@@ -4886,8 +4886,8 @@
         </a:p>
       </dsp:txBody>
       <dsp:txXfrm>
-        <a:off x="8101881" y="3812893"/>
-        <a:ext cx="646582" cy="1137035"/>
+        <a:off x="8120819" y="3831831"/>
+        <a:ext cx="608706" cy="1099159"/>
       </dsp:txXfrm>
     </dsp:sp>
   </dsp:spTree>
@@ -6522,7 +6522,7 @@
             <a:fld id="{75BDC840-154E-4A34-854B-0E2A67CAE8A9}" type="datetimeFigureOut">
               <a:rPr lang="zh-CN" altLang="en-US" smtClean="0"/>
               <a:pPr/>
-              <a:t>2016/11/5</a:t>
+              <a:t>2016-11-05</a:t>
             </a:fld>
             <a:endParaRPr lang="zh-CN" altLang="en-US"/>
           </a:p>
@@ -6691,6 +6691,11 @@
         </p:txBody>
       </p:sp>
     </p:spTree>
+    <p:extLst>
+      <p:ext uri="{BB962C8B-B14F-4D97-AF65-F5344CB8AC3E}">
+        <p14:creationId xmlns:p14="http://schemas.microsoft.com/office/powerpoint/2010/main" val="3207769106"/>
+      </p:ext>
+    </p:extLst>
   </p:cSld>
   <p:clrMap bg1="lt1" tx1="dk1" bg2="lt2" tx2="dk2" accent1="accent1" accent2="accent2" accent3="accent3" accent4="accent4" accent5="accent5" accent6="accent6" hlink="hlink" folHlink="folHlink"/>
   <p:notesStyle>
@@ -6829,23 +6834,9 @@
         </p:nvSpPr>
         <p:spPr/>
         <p:txBody>
-          <a:bodyPr>
-            <a:normAutofit/>
-          </a:bodyPr>
+          <a:bodyPr/>
           <a:lstStyle/>
           <a:p>
-            <a:r>
-              <a:rPr lang="zh-CN" altLang="en-US" dirty="0" smtClean="0"/>
-              <a:t>首先，在学习之前，我们要先了解一下</a:t>
-            </a:r>
-            <a:r>
-              <a:rPr lang="en-US" altLang="zh-CN" dirty="0" err="1" smtClean="0"/>
-              <a:t>uml</a:t>
-            </a:r>
-            <a:r>
-              <a:rPr lang="zh-CN" altLang="en-US" dirty="0" smtClean="0"/>
-              <a:t>是什么东西。  蓝色超链接可以点进去任务介绍</a:t>
-            </a:r>
             <a:endParaRPr lang="zh-CN" altLang="en-US" dirty="0"/>
           </a:p>
         </p:txBody>
@@ -6868,7 +6859,102 @@
             <a:fld id="{B74F251D-9964-4CEC-9109-C29DE7342EB0}" type="slidenum">
               <a:rPr lang="zh-CN" altLang="en-US" smtClean="0"/>
               <a:pPr/>
-              <a:t>2</a:t>
+              <a:t>1</a:t>
+            </a:fld>
+            <a:endParaRPr lang="zh-CN" altLang="en-US"/>
+          </a:p>
+        </p:txBody>
+      </p:sp>
+    </p:spTree>
+    <p:extLst>
+      <p:ext uri="{BB962C8B-B14F-4D97-AF65-F5344CB8AC3E}">
+        <p14:creationId xmlns:p14="http://schemas.microsoft.com/office/powerpoint/2010/main" val="3012443431"/>
+      </p:ext>
+    </p:extLst>
+  </p:cSld>
+  <p:clrMapOvr>
+    <a:masterClrMapping/>
+  </p:clrMapOvr>
+</p:notes>
+</file>
+
+<file path=ppt/notesSlides/notesSlide10.xml><?xml version="1.0" encoding="utf-8"?>
+<p:notes xmlns:a="http://schemas.openxmlformats.org/drawingml/2006/main" xmlns:r="http://schemas.openxmlformats.org/officeDocument/2006/relationships" xmlns:p="http://schemas.openxmlformats.org/presentationml/2006/main">
+  <p:cSld>
+    <p:spTree>
+      <p:nvGrpSpPr>
+        <p:cNvPr id="1" name=""/>
+        <p:cNvGrpSpPr/>
+        <p:nvPr/>
+      </p:nvGrpSpPr>
+      <p:grpSpPr>
+        <a:xfrm>
+          <a:off x="0" y="0"/>
+          <a:ext cx="0" cy="0"/>
+          <a:chOff x="0" y="0"/>
+          <a:chExt cx="0" cy="0"/>
+        </a:xfrm>
+      </p:grpSpPr>
+      <p:sp>
+        <p:nvSpPr>
+          <p:cNvPr id="2" name="幻灯片图像占位符 1"/>
+          <p:cNvSpPr>
+            <a:spLocks noGrp="1" noRot="1" noChangeAspect="1"/>
+          </p:cNvSpPr>
+          <p:nvPr>
+            <p:ph type="sldImg"/>
+          </p:nvPr>
+        </p:nvSpPr>
+        <p:spPr/>
+      </p:sp>
+      <p:sp>
+        <p:nvSpPr>
+          <p:cNvPr id="3" name="备注占位符 2"/>
+          <p:cNvSpPr>
+            <a:spLocks noGrp="1"/>
+          </p:cNvSpPr>
+          <p:nvPr>
+            <p:ph type="body" idx="1"/>
+          </p:nvPr>
+        </p:nvSpPr>
+        <p:spPr/>
+        <p:txBody>
+          <a:bodyPr>
+            <a:normAutofit/>
+          </a:bodyPr>
+          <a:lstStyle/>
+          <a:p>
+            <a:r>
+              <a:rPr lang="en-US" altLang="zh-CN" dirty="0" smtClean="0"/>
+              <a:t>P15</a:t>
+            </a:r>
+            <a:r>
+              <a:rPr lang="zh-CN" altLang="en-US" dirty="0" smtClean="0"/>
+              <a:t>页图的中文</a:t>
+            </a:r>
+            <a:endParaRPr lang="zh-CN" altLang="en-US" dirty="0"/>
+          </a:p>
+        </p:txBody>
+      </p:sp>
+      <p:sp>
+        <p:nvSpPr>
+          <p:cNvPr id="4" name="灯片编号占位符 3"/>
+          <p:cNvSpPr>
+            <a:spLocks noGrp="1"/>
+          </p:cNvSpPr>
+          <p:nvPr>
+            <p:ph type="sldNum" sz="quarter" idx="10"/>
+          </p:nvPr>
+        </p:nvSpPr>
+        <p:spPr/>
+        <p:txBody>
+          <a:bodyPr/>
+          <a:lstStyle/>
+          <a:p>
+            <a:fld id="{B74F251D-9964-4CEC-9109-C29DE7342EB0}" type="slidenum">
+              <a:rPr lang="zh-CN" altLang="en-US" smtClean="0"/>
+              <a:pPr/>
+              <a:t>16</a:t>
             </a:fld>
             <a:endParaRPr lang="zh-CN" altLang="en-US"/>
           </a:p>
@@ -6930,15 +7016,15 @@
           <a:p>
             <a:r>
               <a:rPr lang="zh-CN" altLang="en-US" dirty="0" smtClean="0"/>
-              <a:t>为什么要学习</a:t>
-            </a:r>
-            <a:r>
-              <a:rPr lang="en-US" altLang="zh-CN" dirty="0" smtClean="0"/>
-              <a:t>UML</a:t>
+              <a:t>首先，在学习之前，我们要先了解一下</a:t>
+            </a:r>
+            <a:r>
+              <a:rPr lang="en-US" altLang="zh-CN" dirty="0" err="1" smtClean="0"/>
+              <a:t>uml</a:t>
             </a:r>
             <a:r>
               <a:rPr lang="zh-CN" altLang="en-US" dirty="0" smtClean="0"/>
-              <a:t>开始</a:t>
+              <a:t>是什么东西。  蓝色超链接可以点进去任务介绍</a:t>
             </a:r>
             <a:endParaRPr lang="zh-CN" altLang="en-US" dirty="0"/>
           </a:p>
@@ -6962,7 +7048,7 @@
             <a:fld id="{B74F251D-9964-4CEC-9109-C29DE7342EB0}" type="slidenum">
               <a:rPr lang="zh-CN" altLang="en-US" smtClean="0"/>
               <a:pPr/>
-              <a:t>6</a:t>
+              <a:t>2</a:t>
             </a:fld>
             <a:endParaRPr lang="zh-CN" altLang="en-US"/>
           </a:p>
@@ -7023,12 +7109,16 @@
           <a:lstStyle/>
           <a:p>
             <a:r>
+              <a:rPr lang="zh-CN" altLang="en-US" dirty="0" smtClean="0"/>
+              <a:t>为什么要学习</a:t>
+            </a:r>
+            <a:r>
               <a:rPr lang="en-US" altLang="zh-CN" dirty="0" smtClean="0"/>
               <a:t>UML</a:t>
             </a:r>
             <a:r>
               <a:rPr lang="zh-CN" altLang="en-US" dirty="0" smtClean="0"/>
-              <a:t>的好处</a:t>
+              <a:t>开始</a:t>
             </a:r>
             <a:endParaRPr lang="zh-CN" altLang="en-US" dirty="0"/>
           </a:p>
@@ -7052,7 +7142,7 @@
             <a:fld id="{B74F251D-9964-4CEC-9109-C29DE7342EB0}" type="slidenum">
               <a:rPr lang="zh-CN" altLang="en-US" smtClean="0"/>
               <a:pPr/>
-              <a:t>7</a:t>
+              <a:t>6</a:t>
             </a:fld>
             <a:endParaRPr lang="zh-CN" altLang="en-US"/>
           </a:p>
@@ -7113,16 +7203,12 @@
           <a:lstStyle/>
           <a:p>
             <a:r>
+              <a:rPr lang="en-US" altLang="zh-CN" dirty="0" smtClean="0"/>
+              <a:t>UML</a:t>
+            </a:r>
+            <a:r>
               <a:rPr lang="zh-CN" altLang="en-US" dirty="0" smtClean="0"/>
-              <a:t>先看图，注意书上</a:t>
-            </a:r>
-            <a:r>
-              <a:rPr lang="en-US" altLang="zh-CN" dirty="0" smtClean="0"/>
-              <a:t>uml2.0</a:t>
-            </a:r>
-            <a:r>
-              <a:rPr lang="zh-CN" altLang="en-US" dirty="0" smtClean="0"/>
-              <a:t>显示是即将</a:t>
+              <a:t>的好处</a:t>
             </a:r>
             <a:endParaRPr lang="zh-CN" altLang="en-US" dirty="0"/>
           </a:p>
@@ -7146,7 +7232,7 @@
             <a:fld id="{B74F251D-9964-4CEC-9109-C29DE7342EB0}" type="slidenum">
               <a:rPr lang="zh-CN" altLang="en-US" smtClean="0"/>
               <a:pPr/>
-              <a:t>8</a:t>
+              <a:t>7</a:t>
             </a:fld>
             <a:endParaRPr lang="zh-CN" altLang="en-US"/>
           </a:p>
@@ -7208,7 +7294,15 @@
           <a:p>
             <a:r>
               <a:rPr lang="zh-CN" altLang="en-US" dirty="0" smtClean="0"/>
-              <a:t>重要人名加粗，重要方法加粗</a:t>
+              <a:t>先看图，注意书上</a:t>
+            </a:r>
+            <a:r>
+              <a:rPr lang="en-US" altLang="zh-CN" dirty="0" smtClean="0"/>
+              <a:t>uml2.0</a:t>
+            </a:r>
+            <a:r>
+              <a:rPr lang="zh-CN" altLang="en-US" dirty="0" smtClean="0"/>
+              <a:t>显示是即将</a:t>
             </a:r>
             <a:endParaRPr lang="zh-CN" altLang="en-US" dirty="0"/>
           </a:p>
@@ -7232,7 +7326,7 @@
             <a:fld id="{B74F251D-9964-4CEC-9109-C29DE7342EB0}" type="slidenum">
               <a:rPr lang="zh-CN" altLang="en-US" smtClean="0"/>
               <a:pPr/>
-              <a:t>10</a:t>
+              <a:t>8</a:t>
             </a:fld>
             <a:endParaRPr lang="zh-CN" altLang="en-US"/>
           </a:p>
@@ -7294,7 +7388,7 @@
           <a:p>
             <a:r>
               <a:rPr lang="zh-CN" altLang="en-US" dirty="0" smtClean="0"/>
-              <a:t>重要加粗</a:t>
+              <a:t>重要人名加粗，重要方法加粗</a:t>
             </a:r>
             <a:endParaRPr lang="zh-CN" altLang="en-US" dirty="0"/>
           </a:p>
@@ -7318,7 +7412,7 @@
             <a:fld id="{B74F251D-9964-4CEC-9109-C29DE7342EB0}" type="slidenum">
               <a:rPr lang="zh-CN" altLang="en-US" smtClean="0"/>
               <a:pPr/>
-              <a:t>11</a:t>
+              <a:t>10</a:t>
             </a:fld>
             <a:endParaRPr lang="zh-CN" altLang="en-US"/>
           </a:p>
@@ -7380,15 +7474,7 @@
           <a:p>
             <a:r>
               <a:rPr lang="zh-CN" altLang="en-US" dirty="0" smtClean="0"/>
-              <a:t>历史介绍完了，那么就可以开始介绍</a:t>
-            </a:r>
-            <a:r>
-              <a:rPr lang="en-US" altLang="zh-CN" dirty="0" err="1" smtClean="0"/>
-              <a:t>uml</a:t>
-            </a:r>
-            <a:r>
-              <a:rPr lang="zh-CN" altLang="en-US" dirty="0" smtClean="0"/>
-              <a:t>的特点了</a:t>
+              <a:t>重要加粗</a:t>
             </a:r>
             <a:endParaRPr lang="zh-CN" altLang="en-US" dirty="0"/>
           </a:p>
@@ -7412,7 +7498,7 @@
             <a:fld id="{B74F251D-9964-4CEC-9109-C29DE7342EB0}" type="slidenum">
               <a:rPr lang="zh-CN" altLang="en-US" smtClean="0"/>
               <a:pPr/>
-              <a:t>14</a:t>
+              <a:t>11</a:t>
             </a:fld>
             <a:endParaRPr lang="zh-CN" altLang="en-US"/>
           </a:p>
@@ -7474,15 +7560,15 @@
           <a:p>
             <a:r>
               <a:rPr lang="zh-CN" altLang="en-US" dirty="0" smtClean="0"/>
-              <a:t>有关</a:t>
-            </a:r>
-            <a:r>
-              <a:rPr lang="en-US" altLang="zh-CN" dirty="0" smtClean="0"/>
-              <a:t>UML</a:t>
+              <a:t>历史介绍完了，那么就可以开始介绍</a:t>
+            </a:r>
+            <a:r>
+              <a:rPr lang="en-US" altLang="zh-CN" dirty="0" err="1" smtClean="0"/>
+              <a:t>uml</a:t>
             </a:r>
             <a:r>
               <a:rPr lang="zh-CN" altLang="en-US" dirty="0" smtClean="0"/>
-              <a:t>的误区</a:t>
+              <a:t>的特点了</a:t>
             </a:r>
             <a:endParaRPr lang="zh-CN" altLang="en-US" dirty="0"/>
           </a:p>
@@ -7506,7 +7592,7 @@
             <a:fld id="{B74F251D-9964-4CEC-9109-C29DE7342EB0}" type="slidenum">
               <a:rPr lang="zh-CN" altLang="en-US" smtClean="0"/>
               <a:pPr/>
-              <a:t>15</a:t>
+              <a:t>14</a:t>
             </a:fld>
             <a:endParaRPr lang="zh-CN" altLang="en-US"/>
           </a:p>
@@ -7567,12 +7653,16 @@
           <a:lstStyle/>
           <a:p>
             <a:r>
-              <a:rPr lang="en-US" altLang="zh-CN" dirty="0" smtClean="0"/>
-              <a:t>P15</a:t>
-            </a:r>
-            <a:r>
               <a:rPr lang="zh-CN" altLang="en-US" dirty="0" smtClean="0"/>
-              <a:t>页图的中文</a:t>
+              <a:t>有关</a:t>
+            </a:r>
+            <a:r>
+              <a:rPr lang="en-US" altLang="zh-CN" dirty="0" smtClean="0"/>
+              <a:t>UML</a:t>
+            </a:r>
+            <a:r>
+              <a:rPr lang="zh-CN" altLang="en-US" dirty="0" smtClean="0"/>
+              <a:t>的误区</a:t>
             </a:r>
             <a:endParaRPr lang="zh-CN" altLang="en-US" dirty="0"/>
           </a:p>
@@ -7596,7 +7686,7 @@
             <a:fld id="{B74F251D-9964-4CEC-9109-C29DE7342EB0}" type="slidenum">
               <a:rPr lang="zh-CN" altLang="en-US" smtClean="0"/>
               <a:pPr/>
-              <a:t>16</a:t>
+              <a:t>15</a:t>
             </a:fld>
             <a:endParaRPr lang="zh-CN" altLang="en-US"/>
           </a:p>
@@ -8219,7 +8309,7 @@
             <a:fld id="{530820CF-B880-4189-942D-D702A7CBA730}" type="datetimeFigureOut">
               <a:rPr lang="zh-CN" altLang="en-US" smtClean="0"/>
               <a:pPr/>
-              <a:t>2016/11/5</a:t>
+              <a:t>2016-11-05</a:t>
             </a:fld>
             <a:endParaRPr lang="zh-CN" altLang="en-US"/>
           </a:p>
@@ -8419,7 +8509,7 @@
             <a:fld id="{530820CF-B880-4189-942D-D702A7CBA730}" type="datetimeFigureOut">
               <a:rPr lang="zh-CN" altLang="en-US" smtClean="0"/>
               <a:pPr/>
-              <a:t>2016/11/5</a:t>
+              <a:t>2016-11-05</a:t>
             </a:fld>
             <a:endParaRPr lang="zh-CN" altLang="en-US"/>
           </a:p>
@@ -8606,7 +8696,7 @@
             <a:fld id="{530820CF-B880-4189-942D-D702A7CBA730}" type="datetimeFigureOut">
               <a:rPr lang="zh-CN" altLang="en-US" smtClean="0"/>
               <a:pPr/>
-              <a:t>2016/11/5</a:t>
+              <a:t>2016-11-05</a:t>
             </a:fld>
             <a:endParaRPr lang="zh-CN" altLang="en-US"/>
           </a:p>
@@ -8760,7 +8850,7 @@
             <a:fld id="{530820CF-B880-4189-942D-D702A7CBA730}" type="datetimeFigureOut">
               <a:rPr lang="zh-CN" altLang="en-US" smtClean="0"/>
               <a:pPr/>
-              <a:t>2016/11/5</a:t>
+              <a:t>2016-11-05</a:t>
             </a:fld>
             <a:endParaRPr lang="zh-CN" altLang="en-US"/>
           </a:p>
@@ -9017,7 +9107,7 @@
             <a:fld id="{530820CF-B880-4189-942D-D702A7CBA730}" type="datetimeFigureOut">
               <a:rPr lang="zh-CN" altLang="en-US" smtClean="0"/>
               <a:pPr/>
-              <a:t>2016/11/5</a:t>
+              <a:t>2016-11-05</a:t>
             </a:fld>
             <a:endParaRPr lang="zh-CN" altLang="en-US"/>
           </a:p>
@@ -9426,7 +9516,7 @@
             <a:fld id="{530820CF-B880-4189-942D-D702A7CBA730}" type="datetimeFigureOut">
               <a:rPr lang="zh-CN" altLang="en-US" smtClean="0"/>
               <a:pPr/>
-              <a:t>2016/11/5</a:t>
+              <a:t>2016-11-05</a:t>
             </a:fld>
             <a:endParaRPr lang="zh-CN" altLang="en-US"/>
           </a:p>
@@ -9871,7 +9961,7 @@
             <a:fld id="{530820CF-B880-4189-942D-D702A7CBA730}" type="datetimeFigureOut">
               <a:rPr lang="zh-CN" altLang="en-US" smtClean="0"/>
               <a:pPr/>
-              <a:t>2016/11/5</a:t>
+              <a:t>2016-11-05</a:t>
             </a:fld>
             <a:endParaRPr lang="zh-CN" altLang="en-US"/>
           </a:p>
@@ -9978,7 +10068,7 @@
             <a:fld id="{530820CF-B880-4189-942D-D702A7CBA730}" type="datetimeFigureOut">
               <a:rPr lang="zh-CN" altLang="en-US" smtClean="0"/>
               <a:pPr/>
-              <a:t>2016/11/5</a:t>
+              <a:t>2016-11-05</a:t>
             </a:fld>
             <a:endParaRPr lang="zh-CN" altLang="en-US"/>
           </a:p>
@@ -10103,7 +10193,7 @@
             <a:fld id="{530820CF-B880-4189-942D-D702A7CBA730}" type="datetimeFigureOut">
               <a:rPr lang="zh-CN" altLang="en-US" smtClean="0"/>
               <a:pPr/>
-              <a:t>2016/11/5</a:t>
+              <a:t>2016-11-05</a:t>
             </a:fld>
             <a:endParaRPr lang="zh-CN" altLang="en-US"/>
           </a:p>
@@ -10380,7 +10470,7 @@
             <a:fld id="{530820CF-B880-4189-942D-D702A7CBA730}" type="datetimeFigureOut">
               <a:rPr lang="zh-CN" altLang="en-US" smtClean="0"/>
               <a:pPr/>
-              <a:t>2016/11/5</a:t>
+              <a:t>2016-11-05</a:t>
             </a:fld>
             <a:endParaRPr lang="zh-CN" altLang="en-US"/>
           </a:p>
@@ -10590,7 +10680,7 @@
             <a:fld id="{530820CF-B880-4189-942D-D702A7CBA730}" type="datetimeFigureOut">
               <a:rPr lang="zh-CN" altLang="en-US" smtClean="0"/>
               <a:pPr/>
-              <a:t>2016/11/5</a:t>
+              <a:t>2016-11-05</a:t>
             </a:fld>
             <a:endParaRPr lang="zh-CN" altLang="en-US"/>
           </a:p>
@@ -11675,7 +11765,7 @@
             <a:fld id="{530820CF-B880-4189-942D-D702A7CBA730}" type="datetimeFigureOut">
               <a:rPr lang="zh-CN" altLang="en-US" smtClean="0"/>
               <a:pPr/>
-              <a:t>2016/11/5</a:t>
+              <a:t>2016-11-05</a:t>
             </a:fld>
             <a:endParaRPr lang="zh-CN" altLang="en-US"/>
           </a:p>
@@ -13464,11 +13554,19 @@
               <a:t>	</a:t>
             </a:r>
             <a:r>
-              <a:rPr lang="zh-CN" altLang="en-US" dirty="0" smtClean="0"/>
+              <a:rPr lang="zh-CN" altLang="en-US" dirty="0" smtClean="0">
+                <a:solidFill>
+                  <a:srgbClr val="FF0000"/>
+                </a:solidFill>
+              </a:rPr>
               <a:t> </a:t>
             </a:r>
             <a:r>
-              <a:rPr lang="en-US" altLang="zh-CN" dirty="0" smtClean="0"/>
+              <a:rPr lang="en-US" altLang="zh-CN" dirty="0" smtClean="0">
+                <a:solidFill>
+                  <a:srgbClr val="FF0000"/>
+                </a:solidFill>
+              </a:rPr>
               <a:t>UML2.3</a:t>
             </a:r>
             <a:r>
@@ -13499,27 +13597,47 @@
             </a:pPr>
             <a:r>
               <a:rPr lang="en-US" altLang="zh-CN" dirty="0" smtClean="0"/>
-              <a:t>	UML 2.4.1</a:t>
-            </a:r>
-            <a:r>
-              <a:rPr lang="zh-CN" altLang="en-US" dirty="0" smtClean="0"/>
-              <a:t>正式公布</a:t>
-            </a:r>
-            <a:r>
-              <a:rPr lang="en-US" altLang="zh-CN" dirty="0" smtClean="0"/>
+              <a:t>	</a:t>
+            </a:r>
+            <a:r>
+              <a:rPr lang="en-US" altLang="zh-CN" dirty="0"/>
               <a:t>2011</a:t>
             </a:r>
             <a:r>
-              <a:rPr lang="zh-CN" altLang="en-US" dirty="0" smtClean="0"/>
+              <a:rPr lang="zh-CN" altLang="en-US" dirty="0"/>
               <a:t>年</a:t>
             </a:r>
             <a:r>
-              <a:rPr lang="en-US" altLang="zh-CN" dirty="0" smtClean="0"/>
+              <a:rPr lang="en-US" altLang="zh-CN" dirty="0"/>
               <a:t>8</a:t>
             </a:r>
             <a:r>
               <a:rPr lang="zh-CN" altLang="en-US" dirty="0" smtClean="0"/>
               <a:t>月</a:t>
+            </a:r>
+            <a:r>
+              <a:rPr lang="en-US" altLang="zh-CN" dirty="0" smtClean="0"/>
+              <a:t>UML </a:t>
+            </a:r>
+            <a:r>
+              <a:rPr lang="en-US" altLang="zh-CN" dirty="0" smtClean="0">
+                <a:solidFill>
+                  <a:srgbClr val="FF0000"/>
+                </a:solidFill>
+              </a:rPr>
+              <a:t>2.4.1</a:t>
+            </a:r>
+            <a:r>
+              <a:rPr lang="zh-CN" altLang="en-US" dirty="0" smtClean="0"/>
+              <a:t>正式</a:t>
+            </a:r>
+            <a:r>
+              <a:rPr lang="zh-CN" altLang="en-US" dirty="0" smtClean="0"/>
+              <a:t>公布</a:t>
+            </a:r>
+            <a:r>
+              <a:rPr lang="en-US" altLang="zh-CN" dirty="0" smtClean="0"/>
+              <a:t>	</a:t>
             </a:r>
             <a:endParaRPr lang="en-US" altLang="zh-CN" dirty="0" smtClean="0"/>
           </a:p>
@@ -13529,7 +13647,27 @@
             </a:pPr>
             <a:r>
               <a:rPr lang="en-US" altLang="zh-CN" dirty="0" smtClean="0"/>
-              <a:t>	UML 2.5 2012</a:t>
+              <a:t>	</a:t>
+            </a:r>
+            <a:r>
+              <a:rPr lang="en-US" altLang="zh-CN" dirty="0" smtClean="0">
+                <a:solidFill>
+                  <a:srgbClr val="FF0000"/>
+                </a:solidFill>
+              </a:rPr>
+              <a:t>UML </a:t>
+            </a:r>
+            <a:r>
+              <a:rPr lang="en-US" altLang="zh-CN" dirty="0" smtClean="0">
+                <a:solidFill>
+                  <a:srgbClr val="FF0000"/>
+                </a:solidFill>
+              </a:rPr>
+              <a:t>2.5 </a:t>
+            </a:r>
+            <a:r>
+              <a:rPr lang="en-US" altLang="zh-CN" dirty="0" smtClean="0"/>
+              <a:t>2012</a:t>
             </a:r>
             <a:r>
               <a:rPr lang="zh-CN" altLang="en-US" dirty="0" smtClean="0"/>
@@ -13565,7 +13703,11 @@
             </a:r>
             <a:r>
               <a:rPr lang="zh-CN" altLang="en-US" dirty="0" smtClean="0"/>
-              <a:t>月正式发布了</a:t>
+              <a:t>月正式</a:t>
+            </a:r>
+            <a:r>
+              <a:rPr lang="zh-CN" altLang="en-US" dirty="0" smtClean="0"/>
+              <a:t>发布</a:t>
             </a:r>
             <a:endParaRPr lang="zh-CN" altLang="en-US" dirty="0"/>
           </a:p>
@@ -13652,11 +13794,14 @@
         <p:spPr/>
         <p:txBody>
           <a:bodyPr>
-            <a:normAutofit/>
+            <a:normAutofit lnSpcReduction="10000"/>
           </a:bodyPr>
           <a:lstStyle/>
           <a:p>
-            <a:pPr lvl="0"/>
+            <a:pPr marL="624205" lvl="0" indent="-514350">
+              <a:buFont typeface="+mj-lt"/>
+              <a:buAutoNum type="arabicPeriod"/>
+            </a:pPr>
             <a:r>
               <a:rPr lang="zh-CN" altLang="zh-CN" dirty="0" smtClean="0"/>
               <a:t>统一的标准。</a:t>
@@ -13695,7 +13840,10 @@
             </a:r>
           </a:p>
           <a:p>
-            <a:pPr lvl="0"/>
+            <a:pPr marL="624205" lvl="0" indent="-514350">
+              <a:buFont typeface="+mj-lt"/>
+              <a:buAutoNum type="arabicPeriod"/>
+            </a:pPr>
             <a:r>
               <a:rPr lang="zh-CN" altLang="zh-CN" dirty="0" smtClean="0"/>
               <a:t>面向对象。</a:t>
@@ -13710,14 +13858,20 @@
             </a:r>
           </a:p>
           <a:p>
-            <a:pPr lvl="0"/>
+            <a:pPr marL="624205" lvl="0" indent="-514350">
+              <a:buFont typeface="+mj-lt"/>
+              <a:buAutoNum type="arabicPeriod"/>
+            </a:pPr>
             <a:r>
               <a:rPr lang="zh-CN" altLang="zh-CN" dirty="0" smtClean="0"/>
               <a:t>可视化，表达能力强大。</a:t>
             </a:r>
           </a:p>
           <a:p>
-            <a:pPr lvl="0"/>
+            <a:pPr marL="624205" lvl="0" indent="-514350">
+              <a:buFont typeface="+mj-lt"/>
+              <a:buAutoNum type="arabicPeriod"/>
+            </a:pPr>
             <a:r>
               <a:rPr lang="zh-CN" altLang="zh-CN" dirty="0" smtClean="0"/>
               <a:t>独立于过程。</a:t>
@@ -13740,7 +13894,10 @@
             </a:r>
           </a:p>
           <a:p>
-            <a:pPr lvl="0"/>
+            <a:pPr marL="624205" lvl="0" indent="-514350">
+              <a:buFont typeface="+mj-lt"/>
+              <a:buAutoNum type="arabicPeriod"/>
+            </a:pPr>
             <a:r>
               <a:rPr lang="zh-CN" altLang="zh-CN" dirty="0" smtClean="0"/>
               <a:t>概念明确，建模表示法简洁，图形结构清晰，容易掌握和使用。</a:t>
@@ -14009,7 +14166,7 @@
           <a:blip r:embed="rId3" cstate="print">
             <a:extLst>
               <a:ext uri="{28A0092B-C50C-407E-A947-70E740481C1C}">
-                <a14:useLocalDpi xmlns:a14="http://schemas.microsoft.com/office/drawing/2010/main" xmlns="" val="0"/>
+                <a14:useLocalDpi xmlns:a14="http://schemas.microsoft.com/office/drawing/2010/main" val="0"/>
               </a:ext>
             </a:extLst>
           </a:blip>
@@ -15940,21 +16097,32 @@
             <p:ph idx="1"/>
           </p:nvPr>
         </p:nvSpPr>
-        <p:spPr/>
+        <p:spPr>
+          <a:xfrm>
+            <a:off x="467544" y="1484784"/>
+            <a:ext cx="8229600" cy="4525963"/>
+          </a:xfrm>
+        </p:spPr>
         <p:txBody>
-          <a:bodyPr/>
+          <a:bodyPr>
+            <a:normAutofit fontScale="92500" lnSpcReduction="10000"/>
+          </a:bodyPr>
           <a:lstStyle/>
           <a:p>
-            <a:pPr>
+            <a:pPr marL="109855" indent="0">
               <a:buNone/>
             </a:pPr>
             <a:r>
-              <a:rPr lang="en-US" altLang="zh-CN" dirty="0" smtClean="0"/>
+              <a:rPr lang="en-US" altLang="zh-CN" dirty="0"/>
               <a:t>UML2.x</a:t>
             </a:r>
             <a:r>
+              <a:rPr lang="zh-CN" altLang="en-US" dirty="0"/>
+              <a:t>基本由以下四个部分</a:t>
+            </a:r>
+            <a:r>
               <a:rPr lang="zh-CN" altLang="en-US" dirty="0" smtClean="0"/>
-              <a:t>基本由以下四个部分组成</a:t>
+              <a:t>组成</a:t>
             </a:r>
             <a:endParaRPr lang="en-US" altLang="zh-CN" dirty="0" smtClean="0"/>
           </a:p>
@@ -15965,90 +16133,201 @@
             </a:pPr>
             <a:r>
               <a:rPr lang="zh-CN" altLang="en-US" dirty="0" smtClean="0"/>
-              <a:t>“上层建筑</a:t>
+              <a:t>基础</a:t>
+            </a:r>
+            <a:r>
+              <a:rPr lang="zh-CN" altLang="en-US" dirty="0"/>
+              <a:t>结构（元模型</a:t>
             </a:r>
             <a:r>
               <a:rPr lang="zh-CN" altLang="en-US" dirty="0" smtClean="0"/>
-              <a:t>”</a:t>
+              <a:t>）</a:t>
+            </a:r>
+            <a:endParaRPr lang="en-US" altLang="zh-CN" dirty="0" smtClean="0"/>
+          </a:p>
+          <a:p>
+            <a:pPr marL="109855" indent="0">
+              <a:buNone/>
+            </a:pPr>
+            <a:r>
+              <a:rPr lang="en-US" altLang="zh-CN" dirty="0" smtClean="0"/>
+              <a:t>	</a:t>
+            </a:r>
+            <a:r>
+              <a:rPr lang="zh-CN" altLang="en-US" dirty="0" smtClean="0"/>
+              <a:t>使</a:t>
+            </a:r>
+            <a:r>
+              <a:rPr lang="en-US" altLang="zh-CN" dirty="0" smtClean="0"/>
+              <a:t>UML</a:t>
+            </a:r>
+            <a:r>
+              <a:rPr lang="zh-CN" altLang="en-US" dirty="0" smtClean="0"/>
+              <a:t>模块化，易于扩展，是上层建筑的基本</a:t>
+            </a:r>
+            <a:endParaRPr lang="en-US" altLang="zh-CN" dirty="0" smtClean="0"/>
+          </a:p>
+          <a:p>
+            <a:pPr marL="624205" indent="-514350">
+              <a:buFont typeface="+mj-lt"/>
+              <a:buAutoNum type="arabicPeriod" startAt="2"/>
+            </a:pPr>
+            <a:r>
+              <a:rPr lang="zh-CN" altLang="en-US" dirty="0"/>
+              <a:t>“上层建筑”</a:t>
+            </a:r>
+            <a:endParaRPr lang="en-US" altLang="zh-CN" dirty="0"/>
+          </a:p>
+          <a:p>
+            <a:pPr marL="109855" indent="0">
+              <a:buNone/>
+            </a:pPr>
+            <a:r>
+              <a:rPr lang="en-US" altLang="zh-CN" dirty="0" smtClean="0"/>
+              <a:t>	</a:t>
             </a:r>
             <a:r>
               <a:rPr lang="zh-CN" altLang="en-US" dirty="0" smtClean="0"/>
               <a:t>由</a:t>
             </a:r>
             <a:r>
+              <a:rPr lang="zh-CN" altLang="en-US" dirty="0"/>
+              <a:t>图表和模型元素的符号和语义构成</a:t>
+            </a:r>
+            <a:r>
               <a:rPr lang="zh-CN" altLang="en-US" dirty="0" smtClean="0"/>
-              <a:t>图表和模型元素的符号和</a:t>
+              <a:t>。，使</a:t>
+            </a:r>
+            <a:r>
+              <a:rPr lang="en-US" altLang="zh-CN" dirty="0" smtClean="0"/>
+              <a:t>UML</a:t>
+            </a:r>
+            <a:r>
+              <a:rPr lang="zh-CN" altLang="en-US" dirty="0"/>
+              <a:t>更</a:t>
             </a:r>
             <a:r>
               <a:rPr lang="zh-CN" altLang="en-US" dirty="0" smtClean="0"/>
-              <a:t>语义构成。</a:t>
+              <a:t>具可用性</a:t>
             </a:r>
             <a:endParaRPr lang="en-US" altLang="zh-CN" dirty="0" smtClean="0"/>
           </a:p>
           <a:p>
             <a:pPr marL="624205" indent="-514350">
               <a:buFont typeface="+mj-lt"/>
-              <a:buAutoNum type="arabicPeriod"/>
+              <a:buAutoNum type="arabicPeriod" startAt="3"/>
             </a:pPr>
             <a:r>
+              <a:rPr lang="en-US" altLang="zh-CN" dirty="0"/>
+              <a:t>OCL</a:t>
+            </a:r>
+            <a:r>
+              <a:rPr lang="zh-CN" altLang="en-US" dirty="0"/>
+              <a:t>（对象约束语言</a:t>
+            </a:r>
+            <a:r>
+              <a:rPr lang="zh-CN" altLang="en-US" dirty="0"/>
+              <a:t>）</a:t>
+            </a:r>
+            <a:endParaRPr lang="en-US" altLang="zh-CN" dirty="0"/>
+          </a:p>
+          <a:p>
+            <a:pPr marL="109855" indent="0">
+              <a:buNone/>
+            </a:pPr>
+            <a:r>
+              <a:rPr lang="en-US" altLang="zh-CN" dirty="0" smtClean="0"/>
+              <a:t>	</a:t>
+            </a:r>
+            <a:r>
               <a:rPr lang="zh-CN" altLang="en-US" dirty="0" smtClean="0"/>
-              <a:t>定义核心</a:t>
+              <a:t>为</a:t>
+            </a:r>
+            <a:r>
+              <a:rPr lang="zh-CN" altLang="en-US" dirty="0"/>
+              <a:t>模型元素定义了</a:t>
             </a:r>
             <a:r>
               <a:rPr lang="zh-CN" altLang="en-US" dirty="0" smtClean="0"/>
-              <a:t>模型是上层建筑的</a:t>
-            </a:r>
-            <a:r>
-              <a:rPr lang="zh-CN" altLang="en-US" dirty="0" smtClean="0"/>
-              <a:t>基础设施</a:t>
+              <a:t>规则，是的模型更真实，更接近实现。</a:t>
             </a:r>
             <a:endParaRPr lang="en-US" altLang="zh-CN" dirty="0" smtClean="0"/>
           </a:p>
           <a:p>
             <a:pPr marL="624205" indent="-514350">
               <a:buFont typeface="+mj-lt"/>
-              <a:buAutoNum type="arabicPeriod"/>
+              <a:buAutoNum type="arabicPeriod" startAt="4"/>
             </a:pPr>
             <a:r>
-              <a:rPr lang="en-US" altLang="zh-CN" dirty="0" smtClean="0"/>
-              <a:t>OCL</a:t>
+              <a:rPr lang="en-US" altLang="zh-CN" dirty="0"/>
+              <a:t>UML</a:t>
+            </a:r>
+            <a:r>
+              <a:rPr lang="zh-CN" altLang="en-US" dirty="0"/>
+              <a:t>图表</a:t>
+            </a:r>
+            <a:r>
+              <a:rPr lang="zh-CN" altLang="en-US" dirty="0"/>
+              <a:t>转换规则</a:t>
+            </a:r>
+            <a:endParaRPr lang="en-US" altLang="zh-CN" dirty="0"/>
+          </a:p>
+          <a:p>
+            <a:pPr marL="109855" indent="0">
+              <a:buNone/>
+            </a:pPr>
+            <a:r>
+              <a:rPr lang="en-US" altLang="zh-CN" dirty="0" smtClean="0"/>
+              <a:t>	</a:t>
             </a:r>
             <a:r>
               <a:rPr lang="zh-CN" altLang="en-US" dirty="0" smtClean="0"/>
-              <a:t>（对象约束语言</a:t>
+              <a:t>解决了了</a:t>
+            </a:r>
+            <a:r>
+              <a:rPr lang="en-US" altLang="zh-CN" dirty="0"/>
+              <a:t>UML2.x</a:t>
             </a:r>
             <a:r>
               <a:rPr lang="zh-CN" altLang="en-US" dirty="0" smtClean="0"/>
-              <a:t>）为模型元素定义了规则</a:t>
-            </a:r>
-            <a:endParaRPr lang="en-US" altLang="zh-CN" dirty="0" smtClean="0"/>
+              <a:t>图表之间的表示和 交换问题</a:t>
+            </a:r>
+            <a:endParaRPr lang="zh-CN" altLang="en-US" dirty="0"/>
           </a:p>
           <a:p>
             <a:pPr marL="624205" indent="-514350">
               <a:buFont typeface="+mj-lt"/>
-              <a:buAutoNum type="arabicPeriod"/>
+              <a:buAutoNum type="arabicPeriod" startAt="2"/>
             </a:pPr>
-            <a:r>
-              <a:rPr lang="en-US" altLang="zh-CN" dirty="0" smtClean="0"/>
-              <a:t>UML</a:t>
-            </a:r>
-            <a:r>
-              <a:rPr lang="zh-CN" altLang="en-US" dirty="0" smtClean="0"/>
-              <a:t>转换图表解释了</a:t>
-            </a:r>
-            <a:r>
-              <a:rPr lang="en-US" altLang="zh-CN" dirty="0" smtClean="0"/>
-              <a:t>UML2.x</a:t>
-            </a:r>
-            <a:r>
-              <a:rPr lang="zh-CN" altLang="en-US" dirty="0" smtClean="0"/>
-              <a:t>图表</a:t>
-            </a:r>
-            <a:r>
-              <a:rPr lang="zh-CN" altLang="en-US" dirty="0" smtClean="0"/>
-              <a:t>布局是如何被转换的</a:t>
-            </a:r>
-            <a:endParaRPr lang="zh-CN" altLang="en-US" dirty="0"/>
+            <a:endParaRPr lang="en-US" altLang="zh-CN" dirty="0" smtClean="0"/>
+          </a:p>
+          <a:p>
+            <a:pPr marL="624205" indent="-514350">
+              <a:buFont typeface="+mj-lt"/>
+              <a:buAutoNum type="arabicPeriod" startAt="2"/>
+            </a:pPr>
+            <a:endParaRPr lang="en-US" altLang="zh-CN" dirty="0"/>
+          </a:p>
+          <a:p>
+            <a:pPr marL="624205" indent="-514350">
+              <a:buFont typeface="+mj-lt"/>
+              <a:buAutoNum type="arabicPeriod" startAt="2"/>
+            </a:pPr>
+            <a:endParaRPr lang="en-US" altLang="zh-CN" dirty="0" smtClean="0"/>
+          </a:p>
+          <a:p>
+            <a:pPr marL="624205" indent="-514350">
+              <a:buFont typeface="+mj-lt"/>
+              <a:buAutoNum type="arabicPeriod" startAt="2"/>
+            </a:pPr>
+            <a:endParaRPr lang="en-US" altLang="zh-CN" dirty="0" smtClean="0"/>
+          </a:p>
+          <a:p>
+            <a:pPr marL="624205" indent="-514350">
+              <a:buFont typeface="+mj-lt"/>
+              <a:buAutoNum type="arabicPeriod" startAt="2"/>
+            </a:pPr>
+            <a:endParaRPr lang="en-US" altLang="zh-CN" dirty="0"/>
           </a:p>
         </p:txBody>
       </p:sp>
@@ -16068,7 +16347,7 @@
           <a:lstStyle/>
           <a:p>
             <a:r>
-              <a:rPr lang="en-US" altLang="zh-CN" dirty="0" smtClean="0"/>
+              <a:rPr lang="en-US" altLang="zh-CN" dirty="0"/>
               <a:t>2.7UML2.0</a:t>
             </a:r>
             <a:endParaRPr lang="zh-CN" altLang="en-US" dirty="0"/>
@@ -16076,6 +16355,11 @@
         </p:txBody>
       </p:sp>
     </p:spTree>
+    <p:extLst>
+      <p:ext uri="{BB962C8B-B14F-4D97-AF65-F5344CB8AC3E}">
+        <p14:creationId xmlns:p14="http://schemas.microsoft.com/office/powerpoint/2010/main" val="126634261"/>
+      </p:ext>
+    </p:extLst>
   </p:cSld>
   <p:clrMapOvr>
     <a:masterClrMapping/>
@@ -16083,13 +16367,6 @@
   <p:transition spd="med">
     <p:fade thruBlk="1"/>
   </p:transition>
-  <p:timing>
-    <p:tnLst>
-      <p:par>
-        <p:cTn id="1" dur="indefinite" restart="never" nodeType="tmRoot"/>
-      </p:par>
-    </p:tnLst>
-  </p:timing>
 </p:sld>
 </file>
 
@@ -16142,7 +16419,15 @@
             </a:pPr>
             <a:r>
               <a:rPr lang="zh-CN" altLang="en-US" dirty="0" smtClean="0"/>
-              <a:t>行为建模方面，改进了对封装和伸缩性的支持，去掉了从活动图到状态图的映射（注：活动图不再是一种特殊的状态图），并改进了顺序图的结构。</a:t>
+              <a:t>行为建模方面，改进了对封装和伸缩性的支持</a:t>
+            </a:r>
+            <a:r>
+              <a:rPr lang="zh-CN" altLang="en-US" dirty="0" smtClean="0"/>
+              <a:t>，比如：去掉</a:t>
+            </a:r>
+            <a:r>
+              <a:rPr lang="zh-CN" altLang="en-US" dirty="0" smtClean="0"/>
+              <a:t>了从活动图到状态图的映射（注：活动图不再是一种特殊的状态图），并改进了顺序图的结构。</a:t>
             </a:r>
             <a:endParaRPr lang="en-US" altLang="zh-CN" dirty="0" smtClean="0"/>
           </a:p>
@@ -16571,7 +16856,7 @@
         <p:spPr/>
         <p:txBody>
           <a:bodyPr>
-            <a:normAutofit/>
+            <a:normAutofit fontScale="92500" lnSpcReduction="10000"/>
           </a:bodyPr>
           <a:lstStyle/>
           <a:p>
@@ -16580,11 +16865,19 @@
             </a:pPr>
             <a:r>
               <a:rPr lang="en-US" altLang="zh-CN" dirty="0" smtClean="0"/>
-              <a:t>	[1]</a:t>
+              <a:t>	[</a:t>
+            </a:r>
+            <a:r>
+              <a:rPr lang="en-US" altLang="zh-CN" dirty="0" smtClean="0"/>
+              <a:t>1]</a:t>
             </a:r>
             <a:r>
               <a:rPr lang="zh-CN" altLang="en-US" dirty="0" smtClean="0"/>
-              <a:t>维基百科</a:t>
+              <a:t>中文维</a:t>
+            </a:r>
+            <a:r>
+              <a:rPr lang="zh-CN" altLang="en-US" dirty="0" smtClean="0"/>
+              <a:t>基百科</a:t>
             </a:r>
             <a:r>
               <a:rPr lang="en-US" altLang="zh-CN" dirty="0" smtClean="0">
@@ -16657,6 +16950,54 @@
                 <a:hlinkClick r:id="rId3"/>
               </a:rPr>
               <a:t>www.umlchina.com/Tools/Newindex1.htm</a:t>
+            </a:r>
+            <a:endParaRPr lang="en-US" altLang="zh-CN" dirty="0" smtClean="0"/>
+          </a:p>
+          <a:p>
+            <a:pPr>
+              <a:buNone/>
+            </a:pPr>
+            <a:r>
+              <a:rPr lang="en-US" altLang="zh-CN" dirty="0"/>
+              <a:t>	</a:t>
+            </a:r>
+            <a:r>
+              <a:rPr lang="en-US" altLang="zh-CN" dirty="0" smtClean="0"/>
+              <a:t>[5]</a:t>
+            </a:r>
+            <a:r>
+              <a:rPr lang="zh-CN" altLang="en-US" dirty="0" smtClean="0"/>
+              <a:t>英文维</a:t>
+            </a:r>
+            <a:r>
+              <a:rPr lang="zh-CN" altLang="en-US" dirty="0"/>
+              <a:t>基</a:t>
+            </a:r>
+            <a:r>
+              <a:rPr lang="zh-CN" altLang="en-US" dirty="0" smtClean="0"/>
+              <a:t>百科</a:t>
+            </a:r>
+            <a:endParaRPr lang="en-US" altLang="zh-CN" dirty="0" smtClean="0"/>
+          </a:p>
+          <a:p>
+            <a:pPr>
+              <a:buNone/>
+            </a:pPr>
+            <a:r>
+              <a:rPr lang="en-US" altLang="zh-CN" dirty="0" smtClean="0"/>
+              <a:t>	</a:t>
+            </a:r>
+            <a:r>
+              <a:rPr lang="en-US" altLang="zh-CN" dirty="0" smtClean="0">
+                <a:hlinkClick r:id="rId4"/>
+              </a:rPr>
+              <a:t>https</a:t>
+            </a:r>
+            <a:r>
+              <a:rPr lang="en-US" altLang="zh-CN" dirty="0">
+                <a:hlinkClick r:id="rId4"/>
+              </a:rPr>
+              <a:t>://en.wikipedia.org/wiki/Unified_Modeling_Language</a:t>
             </a:r>
             <a:endParaRPr lang="en-US" altLang="zh-CN" dirty="0" smtClean="0"/>
           </a:p>
@@ -16706,10 +17047,10 @@
           <p:nvPr/>
         </p:nvPicPr>
         <p:blipFill>
-          <a:blip r:embed="rId4" cstate="print">
+          <a:blip r:embed="rId5" cstate="print">
             <a:extLst>
               <a:ext uri="{28A0092B-C50C-407E-A947-70E740481C1C}">
-                <a14:useLocalDpi xmlns:a14="http://schemas.microsoft.com/office/drawing/2010/main" xmlns="" val="0"/>
+                <a14:useLocalDpi xmlns:a14="http://schemas.microsoft.com/office/drawing/2010/main" val="0"/>
               </a:ext>
             </a:extLst>
           </a:blip>
@@ -16729,7 +17070,7 @@
           <a:noFill/>
           <a:extLst>
             <a:ext uri="{909E8E84-426E-40DD-AFC4-6F175D3DCCD1}">
-              <a14:hiddenFill xmlns:a14="http://schemas.microsoft.com/office/drawing/2010/main" xmlns="">
+              <a14:hiddenFill xmlns:a14="http://schemas.microsoft.com/office/drawing/2010/main">
                 <a:solidFill>
                   <a:srgbClr val="FFFFFF"/>
                 </a:solidFill>
@@ -17979,7 +18320,7 @@
           <a:blip r:embed="rId3" cstate="print">
             <a:extLst>
               <a:ext uri="{28A0092B-C50C-407E-A947-70E740481C1C}">
-                <a14:useLocalDpi xmlns:a14="http://schemas.microsoft.com/office/drawing/2010/main" xmlns="" val="0"/>
+                <a14:useLocalDpi xmlns:a14="http://schemas.microsoft.com/office/drawing/2010/main" val="0"/>
               </a:ext>
             </a:extLst>
           </a:blip>
@@ -18440,7 +18781,7 @@
   <a:extraClrSchemeLst/>
   <a:extLst>
     <a:ext uri="{05A4C25C-085E-4340-85A3-A5531E510DB2}">
-      <thm15:themeFamily xmlns:thm15="http://schemas.microsoft.com/office/thememl/2012/main" xmlns="" name="Office Theme" id="{62F939B6-93AF-4DB8-9C6B-D6C7DFDC589F}" vid="{4A3C46E8-61CC-4603-A589-7422A47A8E4A}"/>
+      <thm15:themeFamily xmlns="" xmlns:thm15="http://schemas.microsoft.com/office/thememl/2012/main" name="Office Theme" id="{62F939B6-93AF-4DB8-9C6B-D6C7DFDC589F}" vid="{4A3C46E8-61CC-4603-A589-7422A47A8E4A}"/>
     </a:ext>
   </a:extLst>
 </a:theme>
@@ -18728,7 +19069,7 @@
   <a:extraClrSchemeLst/>
   <a:extLst>
     <a:ext uri="{05A4C25C-085E-4340-85A3-A5531E510DB2}">
-      <thm15:themeFamily xmlns:thm15="http://schemas.microsoft.com/office/thememl/2012/main" xmlns="" name="Office Theme" id="{62F939B6-93AF-4DB8-9C6B-D6C7DFDC589F}" vid="{4A3C46E8-61CC-4603-A589-7422A47A8E4A}"/>
+      <thm15:themeFamily xmlns="" xmlns:thm15="http://schemas.microsoft.com/office/thememl/2012/main" name="Office Theme" id="{62F939B6-93AF-4DB8-9C6B-D6C7DFDC589F}" vid="{4A3C46E8-61CC-4603-A589-7422A47A8E4A}"/>
     </a:ext>
   </a:extLst>
 </a:theme>
